--- a/Capstone 1_CLTV Calculation e-Commerce Project.pptx
+++ b/Capstone 1_CLTV Calculation e-Commerce Project.pptx
@@ -6,8 +6,15 @@
   </p:sldMasterIdLst>
   <p:sldIdLst>
     <p:sldId id="256" r:id="rId2"/>
-    <p:sldId id="259" r:id="rId3"/>
-    <p:sldId id="258" r:id="rId4"/>
+    <p:sldId id="263" r:id="rId3"/>
+    <p:sldId id="259" r:id="rId4"/>
+    <p:sldId id="262" r:id="rId5"/>
+    <p:sldId id="260" r:id="rId6"/>
+    <p:sldId id="264" r:id="rId7"/>
+    <p:sldId id="265" r:id="rId8"/>
+    <p:sldId id="266" r:id="rId9"/>
+    <p:sldId id="267" r:id="rId10"/>
+    <p:sldId id="269" r:id="rId11"/>
   </p:sldIdLst>
   <p:sldSz cx="12192000" cy="6858000"/>
   <p:notesSz cx="6858000" cy="9144000"/>
@@ -106,13 +113,18 @@
       </a:defRPr>
     </a:lvl9pPr>
   </p:defaultTextStyle>
+  <p:extLst>
+    <p:ext uri="{EFAFB233-063F-42B5-8137-9DF3F51BA10A}">
+      <p15:sldGuideLst xmlns:p15="http://schemas.microsoft.com/office/powerpoint/2012/main"/>
+    </p:ext>
+  </p:extLst>
 </p:presentation>
 </file>
 
 <file path=ppt/revisionInfo.xml><?xml version="1.0" encoding="utf-8"?>
 <p1510:revInfo xmlns:a="http://schemas.openxmlformats.org/drawingml/2006/main" xmlns:r="http://schemas.openxmlformats.org/officeDocument/2006/relationships" xmlns:p1510="http://schemas.microsoft.com/office/powerpoint/2015/10/main">
   <p1510:revLst>
-    <p1510:client id="{05E59368-313D-4851-8FB6-9505FA466B11}" v="16" dt="2020-06-23T20:06:22.192"/>
+    <p1510:client id="{05E59368-313D-4851-8FB6-9505FA466B11}" v="96" dt="2020-07-01T02:34:47.884"/>
   </p1510:revLst>
 </p1510:revInfo>
 </file>
@@ -121,8 +133,8 @@
 <pc:chgInfo xmlns:a="http://schemas.openxmlformats.org/drawingml/2006/main" xmlns:r="http://schemas.openxmlformats.org/officeDocument/2006/relationships" xmlns:ac="http://schemas.microsoft.com/office/drawing/2013/main/command" xmlns:pc="http://schemas.microsoft.com/office/powerpoint/2013/main/command">
   <pc:docChgLst>
     <pc:chgData name="Dia Ganguly" userId="00be0aef487ade67" providerId="LiveId" clId="{05E59368-313D-4851-8FB6-9505FA466B11}"/>
-    <pc:docChg chg="custSel mod addSld delSld modSld addMainMaster delMainMaster">
-      <pc:chgData name="Dia Ganguly" userId="00be0aef487ade67" providerId="LiveId" clId="{05E59368-313D-4851-8FB6-9505FA466B11}" dt="2020-06-24T19:31:13.551" v="274" actId="47"/>
+    <pc:docChg chg="undo custSel mod addSld delSld modSld addMainMaster delMainMaster">
+      <pc:chgData name="Dia Ganguly" userId="00be0aef487ade67" providerId="LiveId" clId="{05E59368-313D-4851-8FB6-9505FA466B11}" dt="2020-07-01T02:42:24.590" v="2463" actId="47"/>
       <pc:docMkLst>
         <pc:docMk/>
       </pc:docMkLst>
@@ -244,8 +256,8 @@
           </ac:picMkLst>
         </pc:picChg>
       </pc:sldChg>
-      <pc:sldChg chg="addSp delSp modSp new mod">
-        <pc:chgData name="Dia Ganguly" userId="00be0aef487ade67" providerId="LiveId" clId="{05E59368-313D-4851-8FB6-9505FA466B11}" dt="2020-06-23T23:56:58.956" v="251" actId="20577"/>
+      <pc:sldChg chg="addSp delSp modSp new del mod">
+        <pc:chgData name="Dia Ganguly" userId="00be0aef487ade67" providerId="LiveId" clId="{05E59368-313D-4851-8FB6-9505FA466B11}" dt="2020-06-25T02:06:31.947" v="741" actId="47"/>
         <pc:sldMkLst>
           <pc:docMk/>
           <pc:sldMk cId="3497421674" sldId="258"/>
@@ -319,6 +331,1202 @@
             <pc:docMk/>
             <pc:sldMk cId="4022351439" sldId="259"/>
             <ac:cxnSpMk id="12" creationId="{56020367-4FD5-4596-8E10-C5F095CD8DBF}"/>
+          </ac:cxnSpMkLst>
+        </pc:cxnChg>
+      </pc:sldChg>
+      <pc:sldChg chg="addSp delSp modSp new mod setBg modClrScheme delDesignElem chgLayout">
+        <pc:chgData name="Dia Ganguly" userId="00be0aef487ade67" providerId="LiveId" clId="{05E59368-313D-4851-8FB6-9505FA466B11}" dt="2020-06-25T13:07:25.150" v="1205" actId="255"/>
+        <pc:sldMkLst>
+          <pc:docMk/>
+          <pc:sldMk cId="1092011607" sldId="260"/>
+        </pc:sldMkLst>
+        <pc:spChg chg="add mod">
+          <ac:chgData name="Dia Ganguly" userId="00be0aef487ade67" providerId="LiveId" clId="{05E59368-313D-4851-8FB6-9505FA466B11}" dt="2020-06-25T02:06:14.473" v="737" actId="1076"/>
+          <ac:spMkLst>
+            <pc:docMk/>
+            <pc:sldMk cId="1092011607" sldId="260"/>
+            <ac:spMk id="2" creationId="{AAABBDD3-EA08-4C4E-909E-7D7F3754F522}"/>
+          </ac:spMkLst>
+        </pc:spChg>
+        <pc:spChg chg="add del mod">
+          <ac:chgData name="Dia Ganguly" userId="00be0aef487ade67" providerId="LiveId" clId="{05E59368-313D-4851-8FB6-9505FA466B11}" dt="2020-06-25T02:04:24.466" v="704" actId="478"/>
+          <ac:spMkLst>
+            <pc:docMk/>
+            <pc:sldMk cId="1092011607" sldId="260"/>
+            <ac:spMk id="3" creationId="{2E7BC8E2-8302-442F-BE06-FB540C46072F}"/>
+          </ac:spMkLst>
+        </pc:spChg>
+        <pc:spChg chg="add del mod">
+          <ac:chgData name="Dia Ganguly" userId="00be0aef487ade67" providerId="LiveId" clId="{05E59368-313D-4851-8FB6-9505FA466B11}" dt="2020-06-25T02:05:02.087" v="726"/>
+          <ac:spMkLst>
+            <pc:docMk/>
+            <pc:sldMk cId="1092011607" sldId="260"/>
+            <ac:spMk id="4" creationId="{84C82063-C178-42ED-8DF9-FF1DE29F2C0B}"/>
+          </ac:spMkLst>
+        </pc:spChg>
+        <pc:spChg chg="add mod">
+          <ac:chgData name="Dia Ganguly" userId="00be0aef487ade67" providerId="LiveId" clId="{05E59368-313D-4851-8FB6-9505FA466B11}" dt="2020-06-25T13:07:25.150" v="1205" actId="255"/>
+          <ac:spMkLst>
+            <pc:docMk/>
+            <pc:sldMk cId="1092011607" sldId="260"/>
+            <ac:spMk id="9" creationId="{F3D8A0EA-6F97-4B6C-91C5-F6ABCFBE591B}"/>
+          </ac:spMkLst>
+        </pc:spChg>
+        <pc:spChg chg="add del">
+          <ac:chgData name="Dia Ganguly" userId="00be0aef487ade67" providerId="LiveId" clId="{05E59368-313D-4851-8FB6-9505FA466B11}" dt="2020-06-25T02:05:39.145" v="730" actId="26606"/>
+          <ac:spMkLst>
+            <pc:docMk/>
+            <pc:sldMk cId="1092011607" sldId="260"/>
+            <ac:spMk id="16" creationId="{8D1AA55E-40D5-461B-A5A8-4AE8AAB71B08}"/>
+          </ac:spMkLst>
+        </pc:spChg>
+        <pc:spChg chg="add del">
+          <ac:chgData name="Dia Ganguly" userId="00be0aef487ade67" providerId="LiveId" clId="{05E59368-313D-4851-8FB6-9505FA466B11}" dt="2020-06-25T02:05:39.145" v="730" actId="26606"/>
+          <ac:spMkLst>
+            <pc:docMk/>
+            <pc:sldMk cId="1092011607" sldId="260"/>
+            <ac:spMk id="20" creationId="{6CB927A4-E432-4310-9CD5-E89FF5063179}"/>
+          </ac:spMkLst>
+        </pc:spChg>
+        <pc:spChg chg="add del">
+          <ac:chgData name="Dia Ganguly" userId="00be0aef487ade67" providerId="LiveId" clId="{05E59368-313D-4851-8FB6-9505FA466B11}" dt="2020-06-25T02:05:39.145" v="730" actId="26606"/>
+          <ac:spMkLst>
+            <pc:docMk/>
+            <pc:sldMk cId="1092011607" sldId="260"/>
+            <ac:spMk id="22" creationId="{E3020543-B24B-4EC4-8FFC-8DD88EEA91A8}"/>
+          </ac:spMkLst>
+        </pc:spChg>
+        <pc:spChg chg="add del">
+          <ac:chgData name="Dia Ganguly" userId="00be0aef487ade67" providerId="LiveId" clId="{05E59368-313D-4851-8FB6-9505FA466B11}" dt="2020-06-25T02:05:39.145" v="730" actId="26606"/>
+          <ac:spMkLst>
+            <pc:docMk/>
+            <pc:sldMk cId="1092011607" sldId="260"/>
+            <ac:spMk id="24" creationId="{1453BF6C-B012-48B7-B4E8-6D7AC7C27D02}"/>
+          </ac:spMkLst>
+        </pc:spChg>
+        <pc:spChg chg="add">
+          <ac:chgData name="Dia Ganguly" userId="00be0aef487ade67" providerId="LiveId" clId="{05E59368-313D-4851-8FB6-9505FA466B11}" dt="2020-06-25T02:05:39.145" v="730" actId="26606"/>
+          <ac:spMkLst>
+            <pc:docMk/>
+            <pc:sldMk cId="1092011607" sldId="260"/>
+            <ac:spMk id="31" creationId="{8D1AA55E-40D5-461B-A5A8-4AE8AAB71B08}"/>
+          </ac:spMkLst>
+        </pc:spChg>
+        <pc:spChg chg="add">
+          <ac:chgData name="Dia Ganguly" userId="00be0aef487ade67" providerId="LiveId" clId="{05E59368-313D-4851-8FB6-9505FA466B11}" dt="2020-06-25T02:05:39.145" v="730" actId="26606"/>
+          <ac:spMkLst>
+            <pc:docMk/>
+            <pc:sldMk cId="1092011607" sldId="260"/>
+            <ac:spMk id="35" creationId="{6CB927A4-E432-4310-9CD5-E89FF5063179}"/>
+          </ac:spMkLst>
+        </pc:spChg>
+        <pc:spChg chg="add">
+          <ac:chgData name="Dia Ganguly" userId="00be0aef487ade67" providerId="LiveId" clId="{05E59368-313D-4851-8FB6-9505FA466B11}" dt="2020-06-25T02:05:39.145" v="730" actId="26606"/>
+          <ac:spMkLst>
+            <pc:docMk/>
+            <pc:sldMk cId="1092011607" sldId="260"/>
+            <ac:spMk id="37" creationId="{E3020543-B24B-4EC4-8FFC-8DD88EEA91A8}"/>
+          </ac:spMkLst>
+        </pc:spChg>
+        <pc:spChg chg="add">
+          <ac:chgData name="Dia Ganguly" userId="00be0aef487ade67" providerId="LiveId" clId="{05E59368-313D-4851-8FB6-9505FA466B11}" dt="2020-06-25T02:05:39.145" v="730" actId="26606"/>
+          <ac:spMkLst>
+            <pc:docMk/>
+            <pc:sldMk cId="1092011607" sldId="260"/>
+            <ac:spMk id="39" creationId="{1453BF6C-B012-48B7-B4E8-6D7AC7C27D02}"/>
+          </ac:spMkLst>
+        </pc:spChg>
+        <pc:spChg chg="add del">
+          <ac:chgData name="Dia Ganguly" userId="00be0aef487ade67" providerId="LiveId" clId="{05E59368-313D-4851-8FB6-9505FA466B11}" dt="2020-06-25T02:04:14.227" v="703" actId="700"/>
+          <ac:spMkLst>
+            <pc:docMk/>
+            <pc:sldMk cId="1092011607" sldId="260"/>
+            <ac:spMk id="71" creationId="{16B067B1-F4E5-4FDF-813D-C9E872E80075}"/>
+          </ac:spMkLst>
+        </pc:spChg>
+        <pc:picChg chg="add mod">
+          <ac:chgData name="Dia Ganguly" userId="00be0aef487ade67" providerId="LiveId" clId="{05E59368-313D-4851-8FB6-9505FA466B11}" dt="2020-06-25T02:06:17.164" v="738" actId="1076"/>
+          <ac:picMkLst>
+            <pc:docMk/>
+            <pc:sldMk cId="1092011607" sldId="260"/>
+            <ac:picMk id="8" creationId="{C78A460D-C092-41BD-A755-40873D3E844E}"/>
+          </ac:picMkLst>
+        </pc:picChg>
+        <pc:picChg chg="add del mod">
+          <ac:chgData name="Dia Ganguly" userId="00be0aef487ade67" providerId="LiveId" clId="{05E59368-313D-4851-8FB6-9505FA466B11}" dt="2020-06-25T01:46:40.277" v="279" actId="478"/>
+          <ac:picMkLst>
+            <pc:docMk/>
+            <pc:sldMk cId="1092011607" sldId="260"/>
+            <ac:picMk id="1026" creationId="{B92E1641-BCC0-45B9-8E70-618F49EA57D7}"/>
+          </ac:picMkLst>
+        </pc:picChg>
+        <pc:cxnChg chg="add del">
+          <ac:chgData name="Dia Ganguly" userId="00be0aef487ade67" providerId="LiveId" clId="{05E59368-313D-4851-8FB6-9505FA466B11}" dt="2020-06-25T02:05:39.145" v="730" actId="26606"/>
+          <ac:cxnSpMkLst>
+            <pc:docMk/>
+            <pc:sldMk cId="1092011607" sldId="260"/>
+            <ac:cxnSpMk id="14" creationId="{5C05CAAB-DBA2-4548-AD5F-01BB97FBB207}"/>
+          </ac:cxnSpMkLst>
+        </pc:cxnChg>
+        <pc:cxnChg chg="add del">
+          <ac:chgData name="Dia Ganguly" userId="00be0aef487ade67" providerId="LiveId" clId="{05E59368-313D-4851-8FB6-9505FA466B11}" dt="2020-06-25T02:05:39.145" v="730" actId="26606"/>
+          <ac:cxnSpMkLst>
+            <pc:docMk/>
+            <pc:sldMk cId="1092011607" sldId="260"/>
+            <ac:cxnSpMk id="18" creationId="{C49DA8F6-BCC1-4447-B54C-57856834B94B}"/>
+          </ac:cxnSpMkLst>
+        </pc:cxnChg>
+        <pc:cxnChg chg="add">
+          <ac:chgData name="Dia Ganguly" userId="00be0aef487ade67" providerId="LiveId" clId="{05E59368-313D-4851-8FB6-9505FA466B11}" dt="2020-06-25T02:05:39.145" v="730" actId="26606"/>
+          <ac:cxnSpMkLst>
+            <pc:docMk/>
+            <pc:sldMk cId="1092011607" sldId="260"/>
+            <ac:cxnSpMk id="29" creationId="{5C05CAAB-DBA2-4548-AD5F-01BB97FBB207}"/>
+          </ac:cxnSpMkLst>
+        </pc:cxnChg>
+        <pc:cxnChg chg="add">
+          <ac:chgData name="Dia Ganguly" userId="00be0aef487ade67" providerId="LiveId" clId="{05E59368-313D-4851-8FB6-9505FA466B11}" dt="2020-06-25T02:05:39.145" v="730" actId="26606"/>
+          <ac:cxnSpMkLst>
+            <pc:docMk/>
+            <pc:sldMk cId="1092011607" sldId="260"/>
+            <ac:cxnSpMk id="33" creationId="{C49DA8F6-BCC1-4447-B54C-57856834B94B}"/>
+          </ac:cxnSpMkLst>
+        </pc:cxnChg>
+        <pc:cxnChg chg="add del">
+          <ac:chgData name="Dia Ganguly" userId="00be0aef487ade67" providerId="LiveId" clId="{05E59368-313D-4851-8FB6-9505FA466B11}" dt="2020-06-25T02:04:14.227" v="703" actId="700"/>
+          <ac:cxnSpMkLst>
+            <pc:docMk/>
+            <pc:sldMk cId="1092011607" sldId="260"/>
+            <ac:cxnSpMk id="73" creationId="{F56AE1B2-3354-430B-9E05-2241C72EE908}"/>
+          </ac:cxnSpMkLst>
+        </pc:cxnChg>
+      </pc:sldChg>
+      <pc:sldChg chg="addSp delSp modSp add del mod">
+        <pc:chgData name="Dia Ganguly" userId="00be0aef487ade67" providerId="LiveId" clId="{05E59368-313D-4851-8FB6-9505FA466B11}" dt="2020-06-25T01:57:04.242" v="393" actId="47"/>
+        <pc:sldMkLst>
+          <pc:docMk/>
+          <pc:sldMk cId="731960462" sldId="261"/>
+        </pc:sldMkLst>
+        <pc:spChg chg="del">
+          <ac:chgData name="Dia Ganguly" userId="00be0aef487ade67" providerId="LiveId" clId="{05E59368-313D-4851-8FB6-9505FA466B11}" dt="2020-06-25T01:47:45.395" v="287" actId="478"/>
+          <ac:spMkLst>
+            <pc:docMk/>
+            <pc:sldMk cId="731960462" sldId="261"/>
+            <ac:spMk id="2" creationId="{31B042A5-935B-458A-8BAD-36D55C099B36}"/>
+          </ac:spMkLst>
+        </pc:spChg>
+        <pc:grpChg chg="add mod">
+          <ac:chgData name="Dia Ganguly" userId="00be0aef487ade67" providerId="LiveId" clId="{05E59368-313D-4851-8FB6-9505FA466B11}" dt="2020-06-25T01:52:34.218" v="307" actId="14100"/>
+          <ac:grpSpMkLst>
+            <pc:docMk/>
+            <pc:sldMk cId="731960462" sldId="261"/>
+            <ac:grpSpMk id="4" creationId="{38AE7AB5-0EA0-4EE0-BEE1-1E083757F831}"/>
+          </ac:grpSpMkLst>
+        </pc:grpChg>
+        <pc:grpChg chg="add del mod">
+          <ac:chgData name="Dia Ganguly" userId="00be0aef487ade67" providerId="LiveId" clId="{05E59368-313D-4851-8FB6-9505FA466B11}" dt="2020-06-25T01:52:54.660" v="309"/>
+          <ac:grpSpMkLst>
+            <pc:docMk/>
+            <pc:sldMk cId="731960462" sldId="261"/>
+            <ac:grpSpMk id="7" creationId="{22854210-5BC8-44FF-ACC1-7C84336A607F}"/>
+          </ac:grpSpMkLst>
+        </pc:grpChg>
+        <pc:picChg chg="add mod">
+          <ac:chgData name="Dia Ganguly" userId="00be0aef487ade67" providerId="LiveId" clId="{05E59368-313D-4851-8FB6-9505FA466B11}" dt="2020-06-25T01:52:34.218" v="307" actId="14100"/>
+          <ac:picMkLst>
+            <pc:docMk/>
+            <pc:sldMk cId="731960462" sldId="261"/>
+            <ac:picMk id="3" creationId="{E7308503-3360-4B34-9680-93097528DD2D}"/>
+          </ac:picMkLst>
+        </pc:picChg>
+        <pc:picChg chg="mod">
+          <ac:chgData name="Dia Ganguly" userId="00be0aef487ade67" providerId="LiveId" clId="{05E59368-313D-4851-8FB6-9505FA466B11}" dt="2020-06-25T01:52:52.280" v="308"/>
+          <ac:picMkLst>
+            <pc:docMk/>
+            <pc:sldMk cId="731960462" sldId="261"/>
+            <ac:picMk id="8" creationId="{D4CAF5C3-C646-482D-A2E3-5593D8A4FF77}"/>
+          </ac:picMkLst>
+        </pc:picChg>
+        <pc:picChg chg="mod">
+          <ac:chgData name="Dia Ganguly" userId="00be0aef487ade67" providerId="LiveId" clId="{05E59368-313D-4851-8FB6-9505FA466B11}" dt="2020-06-25T01:52:52.280" v="308"/>
+          <ac:picMkLst>
+            <pc:docMk/>
+            <pc:sldMk cId="731960462" sldId="261"/>
+            <ac:picMk id="9" creationId="{956655F6-959D-48C4-BAEC-6177D81B1028}"/>
+          </ac:picMkLst>
+        </pc:picChg>
+        <pc:picChg chg="add mod">
+          <ac:chgData name="Dia Ganguly" userId="00be0aef487ade67" providerId="LiveId" clId="{05E59368-313D-4851-8FB6-9505FA466B11}" dt="2020-06-25T01:52:34.218" v="307" actId="14100"/>
+          <ac:picMkLst>
+            <pc:docMk/>
+            <pc:sldMk cId="731960462" sldId="261"/>
+            <ac:picMk id="2050" creationId="{1CBAB68A-5154-49C9-810C-4E1C39C3AAB6}"/>
+          </ac:picMkLst>
+        </pc:picChg>
+        <pc:picChg chg="del">
+          <ac:chgData name="Dia Ganguly" userId="00be0aef487ade67" providerId="LiveId" clId="{05E59368-313D-4851-8FB6-9505FA466B11}" dt="2020-06-25T01:46:55.388" v="283" actId="478"/>
+          <ac:picMkLst>
+            <pc:docMk/>
+            <pc:sldMk cId="731960462" sldId="261"/>
+            <ac:picMk id="2052" creationId="{E8B9C5C1-8DEE-4745-9686-FFF21B0C98F0}"/>
+          </ac:picMkLst>
+        </pc:picChg>
+      </pc:sldChg>
+      <pc:sldChg chg="addSp delSp modSp add mod setBg modClrScheme chgLayout">
+        <pc:chgData name="Dia Ganguly" userId="00be0aef487ade67" providerId="LiveId" clId="{05E59368-313D-4851-8FB6-9505FA466B11}" dt="2020-06-25T02:19:59.159" v="1178" actId="20577"/>
+        <pc:sldMkLst>
+          <pc:docMk/>
+          <pc:sldMk cId="4246166972" sldId="262"/>
+        </pc:sldMkLst>
+        <pc:spChg chg="del">
+          <ac:chgData name="Dia Ganguly" userId="00be0aef487ade67" providerId="LiveId" clId="{05E59368-313D-4851-8FB6-9505FA466B11}" dt="2020-06-25T01:53:26.284" v="316" actId="478"/>
+          <ac:spMkLst>
+            <pc:docMk/>
+            <pc:sldMk cId="4246166972" sldId="262"/>
+            <ac:spMk id="2" creationId="{31B042A5-935B-458A-8BAD-36D55C099B36}"/>
+          </ac:spMkLst>
+        </pc:spChg>
+        <pc:spChg chg="add mod">
+          <ac:chgData name="Dia Ganguly" userId="00be0aef487ade67" providerId="LiveId" clId="{05E59368-313D-4851-8FB6-9505FA466B11}" dt="2020-06-25T02:18:39.426" v="1138" actId="1076"/>
+          <ac:spMkLst>
+            <pc:docMk/>
+            <pc:sldMk cId="4246166972" sldId="262"/>
+            <ac:spMk id="3" creationId="{AE9980F7-B2EE-41F0-A01D-03F099760FDE}"/>
+          </ac:spMkLst>
+        </pc:spChg>
+        <pc:spChg chg="add del mod">
+          <ac:chgData name="Dia Ganguly" userId="00be0aef487ade67" providerId="LiveId" clId="{05E59368-313D-4851-8FB6-9505FA466B11}" dt="2020-06-25T01:53:55.316" v="319" actId="478"/>
+          <ac:spMkLst>
+            <pc:docMk/>
+            <pc:sldMk cId="4246166972" sldId="262"/>
+            <ac:spMk id="4" creationId="{CD44B844-C080-4884-BEEC-F8D7FB670A68}"/>
+          </ac:spMkLst>
+        </pc:spChg>
+        <pc:spChg chg="add del mod">
+          <ac:chgData name="Dia Ganguly" userId="00be0aef487ade67" providerId="LiveId" clId="{05E59368-313D-4851-8FB6-9505FA466B11}" dt="2020-06-25T01:55:30.392" v="381" actId="478"/>
+          <ac:spMkLst>
+            <pc:docMk/>
+            <pc:sldMk cId="4246166972" sldId="262"/>
+            <ac:spMk id="5" creationId="{8DAFB276-EF28-4DBF-9EE6-6AFF3D0F3895}"/>
+          </ac:spMkLst>
+        </pc:spChg>
+        <pc:spChg chg="add mod">
+          <ac:chgData name="Dia Ganguly" userId="00be0aef487ade67" providerId="LiveId" clId="{05E59368-313D-4851-8FB6-9505FA466B11}" dt="2020-06-25T02:19:59.159" v="1178" actId="20577"/>
+          <ac:spMkLst>
+            <pc:docMk/>
+            <pc:sldMk cId="4246166972" sldId="262"/>
+            <ac:spMk id="6" creationId="{23490318-AEE9-4C2D-BF8C-60F6B8F46A6D}"/>
+          </ac:spMkLst>
+        </pc:spChg>
+        <pc:spChg chg="add del">
+          <ac:chgData name="Dia Ganguly" userId="00be0aef487ade67" providerId="LiveId" clId="{05E59368-313D-4851-8FB6-9505FA466B11}" dt="2020-06-25T01:54:20.598" v="322" actId="26606"/>
+          <ac:spMkLst>
+            <pc:docMk/>
+            <pc:sldMk cId="4246166972" sldId="262"/>
+            <ac:spMk id="16" creationId="{A2679492-7988-4050-9056-542444452411}"/>
+          </ac:spMkLst>
+        </pc:spChg>
+        <pc:spChg chg="add del">
+          <ac:chgData name="Dia Ganguly" userId="00be0aef487ade67" providerId="LiveId" clId="{05E59368-313D-4851-8FB6-9505FA466B11}" dt="2020-06-25T01:54:20.598" v="322" actId="26606"/>
+          <ac:spMkLst>
+            <pc:docMk/>
+            <pc:sldMk cId="4246166972" sldId="262"/>
+            <ac:spMk id="18" creationId="{B091B163-7D61-4891-ABCF-5C13D9C418D0}"/>
+          </ac:spMkLst>
+        </pc:spChg>
+        <pc:spChg chg="add del">
+          <ac:chgData name="Dia Ganguly" userId="00be0aef487ade67" providerId="LiveId" clId="{05E59368-313D-4851-8FB6-9505FA466B11}" dt="2020-06-25T01:54:29.779" v="324" actId="26606"/>
+          <ac:spMkLst>
+            <pc:docMk/>
+            <pc:sldMk cId="4246166972" sldId="262"/>
+            <ac:spMk id="22" creationId="{E3020543-B24B-4EC4-8FFC-8DD88EEA91A8}"/>
+          </ac:spMkLst>
+        </pc:spChg>
+        <pc:spChg chg="add del">
+          <ac:chgData name="Dia Ganguly" userId="00be0aef487ade67" providerId="LiveId" clId="{05E59368-313D-4851-8FB6-9505FA466B11}" dt="2020-06-25T01:54:29.779" v="324" actId="26606"/>
+          <ac:spMkLst>
+            <pc:docMk/>
+            <pc:sldMk cId="4246166972" sldId="262"/>
+            <ac:spMk id="24" creationId="{1453BF6C-B012-48B7-B4E8-6D7AC7C27D02}"/>
+          </ac:spMkLst>
+        </pc:spChg>
+        <pc:spChg chg="add del">
+          <ac:chgData name="Dia Ganguly" userId="00be0aef487ade67" providerId="LiveId" clId="{05E59368-313D-4851-8FB6-9505FA466B11}" dt="2020-06-25T01:54:29.779" v="324" actId="26606"/>
+          <ac:spMkLst>
+            <pc:docMk/>
+            <pc:sldMk cId="4246166972" sldId="262"/>
+            <ac:spMk id="25" creationId="{8D1AA55E-40D5-461B-A5A8-4AE8AAB71B08}"/>
+          </ac:spMkLst>
+        </pc:spChg>
+        <pc:spChg chg="add del">
+          <ac:chgData name="Dia Ganguly" userId="00be0aef487ade67" providerId="LiveId" clId="{05E59368-313D-4851-8FB6-9505FA466B11}" dt="2020-06-25T01:54:29.779" v="324" actId="26606"/>
+          <ac:spMkLst>
+            <pc:docMk/>
+            <pc:sldMk cId="4246166972" sldId="262"/>
+            <ac:spMk id="27" creationId="{6CB927A4-E432-4310-9CD5-E89FF5063179}"/>
+          </ac:spMkLst>
+        </pc:spChg>
+        <pc:spChg chg="add del">
+          <ac:chgData name="Dia Ganguly" userId="00be0aef487ade67" providerId="LiveId" clId="{05E59368-313D-4851-8FB6-9505FA466B11}" dt="2020-06-25T01:54:38.026" v="326" actId="26606"/>
+          <ac:spMkLst>
+            <pc:docMk/>
+            <pc:sldMk cId="4246166972" sldId="262"/>
+            <ac:spMk id="30" creationId="{8D1AA55E-40D5-461B-A5A8-4AE8AAB71B08}"/>
+          </ac:spMkLst>
+        </pc:spChg>
+        <pc:spChg chg="add del">
+          <ac:chgData name="Dia Ganguly" userId="00be0aef487ade67" providerId="LiveId" clId="{05E59368-313D-4851-8FB6-9505FA466B11}" dt="2020-06-25T01:54:38.026" v="326" actId="26606"/>
+          <ac:spMkLst>
+            <pc:docMk/>
+            <pc:sldMk cId="4246166972" sldId="262"/>
+            <ac:spMk id="32" creationId="{6CB927A4-E432-4310-9CD5-E89FF5063179}"/>
+          </ac:spMkLst>
+        </pc:spChg>
+        <pc:spChg chg="add del">
+          <ac:chgData name="Dia Ganguly" userId="00be0aef487ade67" providerId="LiveId" clId="{05E59368-313D-4851-8FB6-9505FA466B11}" dt="2020-06-25T01:54:38.026" v="326" actId="26606"/>
+          <ac:spMkLst>
+            <pc:docMk/>
+            <pc:sldMk cId="4246166972" sldId="262"/>
+            <ac:spMk id="33" creationId="{E3020543-B24B-4EC4-8FFC-8DD88EEA91A8}"/>
+          </ac:spMkLst>
+        </pc:spChg>
+        <pc:spChg chg="add del">
+          <ac:chgData name="Dia Ganguly" userId="00be0aef487ade67" providerId="LiveId" clId="{05E59368-313D-4851-8FB6-9505FA466B11}" dt="2020-06-25T01:54:43.072" v="328" actId="26606"/>
+          <ac:spMkLst>
+            <pc:docMk/>
+            <pc:sldMk cId="4246166972" sldId="262"/>
+            <ac:spMk id="36" creationId="{330C0765-5A38-4A34-880C-9CC4C2E14FBA}"/>
+          </ac:spMkLst>
+        </pc:spChg>
+        <pc:spChg chg="add del">
+          <ac:chgData name="Dia Ganguly" userId="00be0aef487ade67" providerId="LiveId" clId="{05E59368-313D-4851-8FB6-9505FA466B11}" dt="2020-06-25T01:54:43.072" v="328" actId="26606"/>
+          <ac:spMkLst>
+            <pc:docMk/>
+            <pc:sldMk cId="4246166972" sldId="262"/>
+            <ac:spMk id="37" creationId="{B7DA268A-F88C-4936-8401-97C8C9861089}"/>
+          </ac:spMkLst>
+        </pc:spChg>
+        <pc:spChg chg="add del">
+          <ac:chgData name="Dia Ganguly" userId="00be0aef487ade67" providerId="LiveId" clId="{05E59368-313D-4851-8FB6-9505FA466B11}" dt="2020-06-25T01:54:43.072" v="328" actId="26606"/>
+          <ac:spMkLst>
+            <pc:docMk/>
+            <pc:sldMk cId="4246166972" sldId="262"/>
+            <ac:spMk id="38" creationId="{2E48EAB8-CD1C-4BF5-A92C-BA11919E6EDF}"/>
+          </ac:spMkLst>
+        </pc:spChg>
+        <pc:spChg chg="add del">
+          <ac:chgData name="Dia Ganguly" userId="00be0aef487ade67" providerId="LiveId" clId="{05E59368-313D-4851-8FB6-9505FA466B11}" dt="2020-06-25T01:54:43.072" v="328" actId="26606"/>
+          <ac:spMkLst>
+            <pc:docMk/>
+            <pc:sldMk cId="4246166972" sldId="262"/>
+            <ac:spMk id="39" creationId="{F66F957D-AE64-4187-90D7-B24F1CC27F61}"/>
+          </ac:spMkLst>
+        </pc:spChg>
+        <pc:spChg chg="add del">
+          <ac:chgData name="Dia Ganguly" userId="00be0aef487ade67" providerId="LiveId" clId="{05E59368-313D-4851-8FB6-9505FA466B11}" dt="2020-06-25T01:54:46.428" v="330" actId="26606"/>
+          <ac:spMkLst>
+            <pc:docMk/>
+            <pc:sldMk cId="4246166972" sldId="262"/>
+            <ac:spMk id="43" creationId="{A2679492-7988-4050-9056-542444452411}"/>
+          </ac:spMkLst>
+        </pc:spChg>
+        <pc:spChg chg="add del">
+          <ac:chgData name="Dia Ganguly" userId="00be0aef487ade67" providerId="LiveId" clId="{05E59368-313D-4851-8FB6-9505FA466B11}" dt="2020-06-25T01:54:46.428" v="330" actId="26606"/>
+          <ac:spMkLst>
+            <pc:docMk/>
+            <pc:sldMk cId="4246166972" sldId="262"/>
+            <ac:spMk id="44" creationId="{B091B163-7D61-4891-ABCF-5C13D9C418D0}"/>
+          </ac:spMkLst>
+        </pc:spChg>
+        <pc:spChg chg="add del">
+          <ac:chgData name="Dia Ganguly" userId="00be0aef487ade67" providerId="LiveId" clId="{05E59368-313D-4851-8FB6-9505FA466B11}" dt="2020-06-25T01:56:08.181" v="386" actId="26606"/>
+          <ac:spMkLst>
+            <pc:docMk/>
+            <pc:sldMk cId="4246166972" sldId="262"/>
+            <ac:spMk id="48" creationId="{8D1AA55E-40D5-461B-A5A8-4AE8AAB71B08}"/>
+          </ac:spMkLst>
+        </pc:spChg>
+        <pc:spChg chg="add del">
+          <ac:chgData name="Dia Ganguly" userId="00be0aef487ade67" providerId="LiveId" clId="{05E59368-313D-4851-8FB6-9505FA466B11}" dt="2020-06-25T01:56:08.181" v="386" actId="26606"/>
+          <ac:spMkLst>
+            <pc:docMk/>
+            <pc:sldMk cId="4246166972" sldId="262"/>
+            <ac:spMk id="50" creationId="{6CB927A4-E432-4310-9CD5-E89FF5063179}"/>
+          </ac:spMkLst>
+        </pc:spChg>
+        <pc:spChg chg="add del">
+          <ac:chgData name="Dia Ganguly" userId="00be0aef487ade67" providerId="LiveId" clId="{05E59368-313D-4851-8FB6-9505FA466B11}" dt="2020-06-25T01:56:08.181" v="386" actId="26606"/>
+          <ac:spMkLst>
+            <pc:docMk/>
+            <pc:sldMk cId="4246166972" sldId="262"/>
+            <ac:spMk id="51" creationId="{E3020543-B24B-4EC4-8FFC-8DD88EEA91A8}"/>
+          </ac:spMkLst>
+        </pc:spChg>
+        <pc:spChg chg="add del">
+          <ac:chgData name="Dia Ganguly" userId="00be0aef487ade67" providerId="LiveId" clId="{05E59368-313D-4851-8FB6-9505FA466B11}" dt="2020-06-25T01:56:08.181" v="386" actId="26606"/>
+          <ac:spMkLst>
+            <pc:docMk/>
+            <pc:sldMk cId="4246166972" sldId="262"/>
+            <ac:spMk id="52" creationId="{1453BF6C-B012-48B7-B4E8-6D7AC7C27D02}"/>
+          </ac:spMkLst>
+        </pc:spChg>
+        <pc:spChg chg="add del">
+          <ac:chgData name="Dia Ganguly" userId="00be0aef487ade67" providerId="LiveId" clId="{05E59368-313D-4851-8FB6-9505FA466B11}" dt="2020-06-25T02:17:58.325" v="1129" actId="26606"/>
+          <ac:spMkLst>
+            <pc:docMk/>
+            <pc:sldMk cId="4246166972" sldId="262"/>
+            <ac:spMk id="59" creationId="{16AC3602-3348-4F31-9E43-076B03514ECB}"/>
+          </ac:spMkLst>
+        </pc:spChg>
+        <pc:spChg chg="add del">
+          <ac:chgData name="Dia Ganguly" userId="00be0aef487ade67" providerId="LiveId" clId="{05E59368-313D-4851-8FB6-9505FA466B11}" dt="2020-06-25T02:17:58.325" v="1129" actId="26606"/>
+          <ac:spMkLst>
+            <pc:docMk/>
+            <pc:sldMk cId="4246166972" sldId="262"/>
+            <ac:spMk id="61" creationId="{394094B0-A6C9-44BE-9042-66EF0612F625}"/>
+          </ac:spMkLst>
+        </pc:spChg>
+        <pc:spChg chg="add del">
+          <ac:chgData name="Dia Ganguly" userId="00be0aef487ade67" providerId="LiveId" clId="{05E59368-313D-4851-8FB6-9505FA466B11}" dt="2020-06-25T02:17:58.325" v="1129" actId="26606"/>
+          <ac:spMkLst>
+            <pc:docMk/>
+            <pc:sldMk cId="4246166972" sldId="262"/>
+            <ac:spMk id="63" creationId="{64C2CA96-0B16-4AA7-B340-33044D238597}"/>
+          </ac:spMkLst>
+        </pc:spChg>
+        <pc:spChg chg="add del">
+          <ac:chgData name="Dia Ganguly" userId="00be0aef487ade67" providerId="LiveId" clId="{05E59368-313D-4851-8FB6-9505FA466B11}" dt="2020-06-25T02:17:58.325" v="1129" actId="26606"/>
+          <ac:spMkLst>
+            <pc:docMk/>
+            <pc:sldMk cId="4246166972" sldId="262"/>
+            <ac:spMk id="67" creationId="{1D50D7A8-F1D5-4306-8A9B-DD7A73EB8BCE}"/>
+          </ac:spMkLst>
+        </pc:spChg>
+        <pc:spChg chg="add">
+          <ac:chgData name="Dia Ganguly" userId="00be0aef487ade67" providerId="LiveId" clId="{05E59368-313D-4851-8FB6-9505FA466B11}" dt="2020-06-25T02:17:58.325" v="1129" actId="26606"/>
+          <ac:spMkLst>
+            <pc:docMk/>
+            <pc:sldMk cId="4246166972" sldId="262"/>
+            <ac:spMk id="74" creationId="{8D1AA55E-40D5-461B-A5A8-4AE8AAB71B08}"/>
+          </ac:spMkLst>
+        </pc:spChg>
+        <pc:spChg chg="add">
+          <ac:chgData name="Dia Ganguly" userId="00be0aef487ade67" providerId="LiveId" clId="{05E59368-313D-4851-8FB6-9505FA466B11}" dt="2020-06-25T02:17:58.325" v="1129" actId="26606"/>
+          <ac:spMkLst>
+            <pc:docMk/>
+            <pc:sldMk cId="4246166972" sldId="262"/>
+            <ac:spMk id="78" creationId="{6CB927A4-E432-4310-9CD5-E89FF5063179}"/>
+          </ac:spMkLst>
+        </pc:spChg>
+        <pc:spChg chg="add">
+          <ac:chgData name="Dia Ganguly" userId="00be0aef487ade67" providerId="LiveId" clId="{05E59368-313D-4851-8FB6-9505FA466B11}" dt="2020-06-25T02:17:58.325" v="1129" actId="26606"/>
+          <ac:spMkLst>
+            <pc:docMk/>
+            <pc:sldMk cId="4246166972" sldId="262"/>
+            <ac:spMk id="80" creationId="{E3020543-B24B-4EC4-8FFC-8DD88EEA91A8}"/>
+          </ac:spMkLst>
+        </pc:spChg>
+        <pc:spChg chg="add">
+          <ac:chgData name="Dia Ganguly" userId="00be0aef487ade67" providerId="LiveId" clId="{05E59368-313D-4851-8FB6-9505FA466B11}" dt="2020-06-25T02:17:58.325" v="1129" actId="26606"/>
+          <ac:spMkLst>
+            <pc:docMk/>
+            <pc:sldMk cId="4246166972" sldId="262"/>
+            <ac:spMk id="82" creationId="{1453BF6C-B012-48B7-B4E8-6D7AC7C27D02}"/>
+          </ac:spMkLst>
+        </pc:spChg>
+        <pc:grpChg chg="add mod ord">
+          <ac:chgData name="Dia Ganguly" userId="00be0aef487ade67" providerId="LiveId" clId="{05E59368-313D-4851-8FB6-9505FA466B11}" dt="2020-06-25T02:18:18.279" v="1133" actId="14100"/>
+          <ac:grpSpMkLst>
+            <pc:docMk/>
+            <pc:sldMk cId="4246166972" sldId="262"/>
+            <ac:grpSpMk id="7" creationId="{05920410-D96D-45A4-B869-4AE098F3B441}"/>
+          </ac:grpSpMkLst>
+        </pc:grpChg>
+        <pc:picChg chg="mod">
+          <ac:chgData name="Dia Ganguly" userId="00be0aef487ade67" providerId="LiveId" clId="{05E59368-313D-4851-8FB6-9505FA466B11}" dt="2020-06-25T02:18:18.279" v="1133" actId="14100"/>
+          <ac:picMkLst>
+            <pc:docMk/>
+            <pc:sldMk cId="4246166972" sldId="262"/>
+            <ac:picMk id="8" creationId="{EA2DB033-381B-46FE-937A-9565EA59601C}"/>
+          </ac:picMkLst>
+        </pc:picChg>
+        <pc:picChg chg="mod">
+          <ac:chgData name="Dia Ganguly" userId="00be0aef487ade67" providerId="LiveId" clId="{05E59368-313D-4851-8FB6-9505FA466B11}" dt="2020-06-25T02:18:18.279" v="1133" actId="14100"/>
+          <ac:picMkLst>
+            <pc:docMk/>
+            <pc:sldMk cId="4246166972" sldId="262"/>
+            <ac:picMk id="9" creationId="{3F0503B0-CD61-49F5-BA2B-488ED31E1233}"/>
+          </ac:picMkLst>
+        </pc:picChg>
+        <pc:picChg chg="del">
+          <ac:chgData name="Dia Ganguly" userId="00be0aef487ade67" providerId="LiveId" clId="{05E59368-313D-4851-8FB6-9505FA466B11}" dt="2020-06-25T01:46:49.875" v="282" actId="478"/>
+          <ac:picMkLst>
+            <pc:docMk/>
+            <pc:sldMk cId="4246166972" sldId="262"/>
+            <ac:picMk id="2052" creationId="{E8B9C5C1-8DEE-4745-9686-FFF21B0C98F0}"/>
+          </ac:picMkLst>
+        </pc:picChg>
+        <pc:cxnChg chg="add del">
+          <ac:chgData name="Dia Ganguly" userId="00be0aef487ade67" providerId="LiveId" clId="{05E59368-313D-4851-8FB6-9505FA466B11}" dt="2020-06-25T01:54:20.598" v="322" actId="26606"/>
+          <ac:cxnSpMkLst>
+            <pc:docMk/>
+            <pc:sldMk cId="4246166972" sldId="262"/>
+            <ac:cxnSpMk id="14" creationId="{5C05CAAB-DBA2-4548-AD5F-01BB97FBB207}"/>
+          </ac:cxnSpMkLst>
+        </pc:cxnChg>
+        <pc:cxnChg chg="add del">
+          <ac:chgData name="Dia Ganguly" userId="00be0aef487ade67" providerId="LiveId" clId="{05E59368-313D-4851-8FB6-9505FA466B11}" dt="2020-06-25T01:54:20.598" v="322" actId="26606"/>
+          <ac:cxnSpMkLst>
+            <pc:docMk/>
+            <pc:sldMk cId="4246166972" sldId="262"/>
+            <ac:cxnSpMk id="20" creationId="{C49DA8F6-BCC1-4447-B54C-57856834B94B}"/>
+          </ac:cxnSpMkLst>
+        </pc:cxnChg>
+        <pc:cxnChg chg="add del">
+          <ac:chgData name="Dia Ganguly" userId="00be0aef487ade67" providerId="LiveId" clId="{05E59368-313D-4851-8FB6-9505FA466B11}" dt="2020-06-25T01:54:29.779" v="324" actId="26606"/>
+          <ac:cxnSpMkLst>
+            <pc:docMk/>
+            <pc:sldMk cId="4246166972" sldId="262"/>
+            <ac:cxnSpMk id="23" creationId="{5C05CAAB-DBA2-4548-AD5F-01BB97FBB207}"/>
+          </ac:cxnSpMkLst>
+        </pc:cxnChg>
+        <pc:cxnChg chg="add del">
+          <ac:chgData name="Dia Ganguly" userId="00be0aef487ade67" providerId="LiveId" clId="{05E59368-313D-4851-8FB6-9505FA466B11}" dt="2020-06-25T01:54:29.779" v="324" actId="26606"/>
+          <ac:cxnSpMkLst>
+            <pc:docMk/>
+            <pc:sldMk cId="4246166972" sldId="262"/>
+            <ac:cxnSpMk id="26" creationId="{C49DA8F6-BCC1-4447-B54C-57856834B94B}"/>
+          </ac:cxnSpMkLst>
+        </pc:cxnChg>
+        <pc:cxnChg chg="add del">
+          <ac:chgData name="Dia Ganguly" userId="00be0aef487ade67" providerId="LiveId" clId="{05E59368-313D-4851-8FB6-9505FA466B11}" dt="2020-06-25T01:54:38.026" v="326" actId="26606"/>
+          <ac:cxnSpMkLst>
+            <pc:docMk/>
+            <pc:sldMk cId="4246166972" sldId="262"/>
+            <ac:cxnSpMk id="29" creationId="{5C05CAAB-DBA2-4548-AD5F-01BB97FBB207}"/>
+          </ac:cxnSpMkLst>
+        </pc:cxnChg>
+        <pc:cxnChg chg="add del">
+          <ac:chgData name="Dia Ganguly" userId="00be0aef487ade67" providerId="LiveId" clId="{05E59368-313D-4851-8FB6-9505FA466B11}" dt="2020-06-25T01:54:38.026" v="326" actId="26606"/>
+          <ac:cxnSpMkLst>
+            <pc:docMk/>
+            <pc:sldMk cId="4246166972" sldId="262"/>
+            <ac:cxnSpMk id="31" creationId="{7EB498BD-8089-4626-91EA-4978EBEF535E}"/>
+          </ac:cxnSpMkLst>
+        </pc:cxnChg>
+        <pc:cxnChg chg="add del">
+          <ac:chgData name="Dia Ganguly" userId="00be0aef487ade67" providerId="LiveId" clId="{05E59368-313D-4851-8FB6-9505FA466B11}" dt="2020-06-25T01:54:43.072" v="328" actId="26606"/>
+          <ac:cxnSpMkLst>
+            <pc:docMk/>
+            <pc:sldMk cId="4246166972" sldId="262"/>
+            <ac:cxnSpMk id="35" creationId="{5C05CAAB-DBA2-4548-AD5F-01BB97FBB207}"/>
+          </ac:cxnSpMkLst>
+        </pc:cxnChg>
+        <pc:cxnChg chg="add del">
+          <ac:chgData name="Dia Ganguly" userId="00be0aef487ade67" providerId="LiveId" clId="{05E59368-313D-4851-8FB6-9505FA466B11}" dt="2020-06-25T01:54:43.072" v="328" actId="26606"/>
+          <ac:cxnSpMkLst>
+            <pc:docMk/>
+            <pc:sldMk cId="4246166972" sldId="262"/>
+            <ac:cxnSpMk id="40" creationId="{C49DA8F6-BCC1-4447-B54C-57856834B94B}"/>
+          </ac:cxnSpMkLst>
+        </pc:cxnChg>
+        <pc:cxnChg chg="add del">
+          <ac:chgData name="Dia Ganguly" userId="00be0aef487ade67" providerId="LiveId" clId="{05E59368-313D-4851-8FB6-9505FA466B11}" dt="2020-06-25T01:54:46.428" v="330" actId="26606"/>
+          <ac:cxnSpMkLst>
+            <pc:docMk/>
+            <pc:sldMk cId="4246166972" sldId="262"/>
+            <ac:cxnSpMk id="42" creationId="{5C05CAAB-DBA2-4548-AD5F-01BB97FBB207}"/>
+          </ac:cxnSpMkLst>
+        </pc:cxnChg>
+        <pc:cxnChg chg="add del">
+          <ac:chgData name="Dia Ganguly" userId="00be0aef487ade67" providerId="LiveId" clId="{05E59368-313D-4851-8FB6-9505FA466B11}" dt="2020-06-25T01:54:46.428" v="330" actId="26606"/>
+          <ac:cxnSpMkLst>
+            <pc:docMk/>
+            <pc:sldMk cId="4246166972" sldId="262"/>
+            <ac:cxnSpMk id="45" creationId="{C49DA8F6-BCC1-4447-B54C-57856834B94B}"/>
+          </ac:cxnSpMkLst>
+        </pc:cxnChg>
+        <pc:cxnChg chg="add del">
+          <ac:chgData name="Dia Ganguly" userId="00be0aef487ade67" providerId="LiveId" clId="{05E59368-313D-4851-8FB6-9505FA466B11}" dt="2020-06-25T01:56:08.181" v="386" actId="26606"/>
+          <ac:cxnSpMkLst>
+            <pc:docMk/>
+            <pc:sldMk cId="4246166972" sldId="262"/>
+            <ac:cxnSpMk id="47" creationId="{5C05CAAB-DBA2-4548-AD5F-01BB97FBB207}"/>
+          </ac:cxnSpMkLst>
+        </pc:cxnChg>
+        <pc:cxnChg chg="add del">
+          <ac:chgData name="Dia Ganguly" userId="00be0aef487ade67" providerId="LiveId" clId="{05E59368-313D-4851-8FB6-9505FA466B11}" dt="2020-06-25T01:56:08.181" v="386" actId="26606"/>
+          <ac:cxnSpMkLst>
+            <pc:docMk/>
+            <pc:sldMk cId="4246166972" sldId="262"/>
+            <ac:cxnSpMk id="49" creationId="{C49DA8F6-BCC1-4447-B54C-57856834B94B}"/>
+          </ac:cxnSpMkLst>
+        </pc:cxnChg>
+        <pc:cxnChg chg="add del">
+          <ac:chgData name="Dia Ganguly" userId="00be0aef487ade67" providerId="LiveId" clId="{05E59368-313D-4851-8FB6-9505FA466B11}" dt="2020-06-25T02:17:58.325" v="1129" actId="26606"/>
+          <ac:cxnSpMkLst>
+            <pc:docMk/>
+            <pc:sldMk cId="4246166972" sldId="262"/>
+            <ac:cxnSpMk id="57" creationId="{5C05CAAB-DBA2-4548-AD5F-01BB97FBB207}"/>
+          </ac:cxnSpMkLst>
+        </pc:cxnChg>
+        <pc:cxnChg chg="add del">
+          <ac:chgData name="Dia Ganguly" userId="00be0aef487ade67" providerId="LiveId" clId="{05E59368-313D-4851-8FB6-9505FA466B11}" dt="2020-06-25T02:17:58.325" v="1129" actId="26606"/>
+          <ac:cxnSpMkLst>
+            <pc:docMk/>
+            <pc:sldMk cId="4246166972" sldId="262"/>
+            <ac:cxnSpMk id="65" creationId="{94169334-264D-4176-8BDE-037249A61B4E}"/>
+          </ac:cxnSpMkLst>
+        </pc:cxnChg>
+        <pc:cxnChg chg="add">
+          <ac:chgData name="Dia Ganguly" userId="00be0aef487ade67" providerId="LiveId" clId="{05E59368-313D-4851-8FB6-9505FA466B11}" dt="2020-06-25T02:17:58.325" v="1129" actId="26606"/>
+          <ac:cxnSpMkLst>
+            <pc:docMk/>
+            <pc:sldMk cId="4246166972" sldId="262"/>
+            <ac:cxnSpMk id="72" creationId="{5C05CAAB-DBA2-4548-AD5F-01BB97FBB207}"/>
+          </ac:cxnSpMkLst>
+        </pc:cxnChg>
+        <pc:cxnChg chg="add">
+          <ac:chgData name="Dia Ganguly" userId="00be0aef487ade67" providerId="LiveId" clId="{05E59368-313D-4851-8FB6-9505FA466B11}" dt="2020-06-25T02:17:58.325" v="1129" actId="26606"/>
+          <ac:cxnSpMkLst>
+            <pc:docMk/>
+            <pc:sldMk cId="4246166972" sldId="262"/>
+            <ac:cxnSpMk id="76" creationId="{C49DA8F6-BCC1-4447-B54C-57856834B94B}"/>
+          </ac:cxnSpMkLst>
+        </pc:cxnChg>
+      </pc:sldChg>
+      <pc:sldChg chg="addSp delSp modSp new del">
+        <pc:chgData name="Dia Ganguly" userId="00be0aef487ade67" providerId="LiveId" clId="{05E59368-313D-4851-8FB6-9505FA466B11}" dt="2020-06-25T01:52:09.444" v="303" actId="47"/>
+        <pc:sldMkLst>
+          <pc:docMk/>
+          <pc:sldMk cId="2372095888" sldId="263"/>
+        </pc:sldMkLst>
+        <pc:grpChg chg="add del mod">
+          <ac:chgData name="Dia Ganguly" userId="00be0aef487ade67" providerId="LiveId" clId="{05E59368-313D-4851-8FB6-9505FA466B11}" dt="2020-06-25T01:52:06.981" v="302" actId="478"/>
+          <ac:grpSpMkLst>
+            <pc:docMk/>
+            <pc:sldMk cId="2372095888" sldId="263"/>
+            <ac:grpSpMk id="2" creationId="{05D06AEA-629C-40CD-8AE6-2584D985BC82}"/>
+          </ac:grpSpMkLst>
+        </pc:grpChg>
+        <pc:picChg chg="mod">
+          <ac:chgData name="Dia Ganguly" userId="00be0aef487ade67" providerId="LiveId" clId="{05E59368-313D-4851-8FB6-9505FA466B11}" dt="2020-06-25T01:52:06.981" v="302" actId="478"/>
+          <ac:picMkLst>
+            <pc:docMk/>
+            <pc:sldMk cId="2372095888" sldId="263"/>
+            <ac:picMk id="3" creationId="{CD8BE78B-C1CF-445A-BA31-080DB1244669}"/>
+          </ac:picMkLst>
+        </pc:picChg>
+        <pc:picChg chg="del mod">
+          <ac:chgData name="Dia Ganguly" userId="00be0aef487ade67" providerId="LiveId" clId="{05E59368-313D-4851-8FB6-9505FA466B11}" dt="2020-06-25T01:52:06.981" v="302" actId="478"/>
+          <ac:picMkLst>
+            <pc:docMk/>
+            <pc:sldMk cId="2372095888" sldId="263"/>
+            <ac:picMk id="4" creationId="{63738B48-071B-40EE-AC81-1F2404D6D6BF}"/>
+          </ac:picMkLst>
+        </pc:picChg>
+      </pc:sldChg>
+      <pc:sldChg chg="addSp delSp modSp new mod modClrScheme chgLayout">
+        <pc:chgData name="Dia Ganguly" userId="00be0aef487ade67" providerId="LiveId" clId="{05E59368-313D-4851-8FB6-9505FA466B11}" dt="2020-06-25T02:15:21.774" v="1128" actId="1076"/>
+        <pc:sldMkLst>
+          <pc:docMk/>
+          <pc:sldMk cId="2749445035" sldId="263"/>
+        </pc:sldMkLst>
+        <pc:spChg chg="add del mod">
+          <ac:chgData name="Dia Ganguly" userId="00be0aef487ade67" providerId="LiveId" clId="{05E59368-313D-4851-8FB6-9505FA466B11}" dt="2020-06-25T02:09:21.336" v="744"/>
+          <ac:spMkLst>
+            <pc:docMk/>
+            <pc:sldMk cId="2749445035" sldId="263"/>
+            <ac:spMk id="2" creationId="{5C41A9E1-9360-45EA-95CC-C3AC8D6B4342}"/>
+          </ac:spMkLst>
+        </pc:spChg>
+        <pc:spChg chg="add mod">
+          <ac:chgData name="Dia Ganguly" userId="00be0aef487ade67" providerId="LiveId" clId="{05E59368-313D-4851-8FB6-9505FA466B11}" dt="2020-06-25T02:14:51.107" v="1059" actId="164"/>
+          <ac:spMkLst>
+            <pc:docMk/>
+            <pc:sldMk cId="2749445035" sldId="263"/>
+            <ac:spMk id="3" creationId="{2DD4E6F0-BB4C-4EA6-92D2-88AF8CCE9FC3}"/>
+          </ac:spMkLst>
+        </pc:spChg>
+        <pc:spChg chg="add mod">
+          <ac:chgData name="Dia Ganguly" userId="00be0aef487ade67" providerId="LiveId" clId="{05E59368-313D-4851-8FB6-9505FA466B11}" dt="2020-06-25T02:14:51.107" v="1059" actId="164"/>
+          <ac:spMkLst>
+            <pc:docMk/>
+            <pc:sldMk cId="2749445035" sldId="263"/>
+            <ac:spMk id="4" creationId="{FCB3AE59-7EB4-46A2-845F-7C2229472209}"/>
+          </ac:spMkLst>
+        </pc:spChg>
+        <pc:spChg chg="add mod">
+          <ac:chgData name="Dia Ganguly" userId="00be0aef487ade67" providerId="LiveId" clId="{05E59368-313D-4851-8FB6-9505FA466B11}" dt="2020-06-25T02:14:51.107" v="1059" actId="164"/>
+          <ac:spMkLst>
+            <pc:docMk/>
+            <pc:sldMk cId="2749445035" sldId="263"/>
+            <ac:spMk id="5" creationId="{8B2A107B-6AF2-4B2F-815D-CC4451E6A4E9}"/>
+          </ac:spMkLst>
+        </pc:spChg>
+        <pc:spChg chg="add mod">
+          <ac:chgData name="Dia Ganguly" userId="00be0aef487ade67" providerId="LiveId" clId="{05E59368-313D-4851-8FB6-9505FA466B11}" dt="2020-06-25T02:14:51.107" v="1059" actId="164"/>
+          <ac:spMkLst>
+            <pc:docMk/>
+            <pc:sldMk cId="2749445035" sldId="263"/>
+            <ac:spMk id="6" creationId="{8C5211D9-CBA9-481D-994F-E9A1F0491D27}"/>
+          </ac:spMkLst>
+        </pc:spChg>
+        <pc:spChg chg="add del mod">
+          <ac:chgData name="Dia Ganguly" userId="00be0aef487ade67" providerId="LiveId" clId="{05E59368-313D-4851-8FB6-9505FA466B11}" dt="2020-06-25T02:12:47.341" v="959"/>
+          <ac:spMkLst>
+            <pc:docMk/>
+            <pc:sldMk cId="2749445035" sldId="263"/>
+            <ac:spMk id="7" creationId="{2CCADAAC-D9F7-4AC4-9C70-4F7109D2F788}"/>
+          </ac:spMkLst>
+        </pc:spChg>
+        <pc:spChg chg="add del mod">
+          <ac:chgData name="Dia Ganguly" userId="00be0aef487ade67" providerId="LiveId" clId="{05E59368-313D-4851-8FB6-9505FA466B11}" dt="2020-06-25T02:12:47.341" v="959"/>
+          <ac:spMkLst>
+            <pc:docMk/>
+            <pc:sldMk cId="2749445035" sldId="263"/>
+            <ac:spMk id="8" creationId="{0F54F009-D962-4F1B-A28F-C51278A2AA71}"/>
+          </ac:spMkLst>
+        </pc:spChg>
+        <pc:spChg chg="add mod">
+          <ac:chgData name="Dia Ganguly" userId="00be0aef487ade67" providerId="LiveId" clId="{05E59368-313D-4851-8FB6-9505FA466B11}" dt="2020-06-25T02:14:51.107" v="1059" actId="164"/>
+          <ac:spMkLst>
+            <pc:docMk/>
+            <pc:sldMk cId="2749445035" sldId="263"/>
+            <ac:spMk id="9" creationId="{47022A10-FB15-41D8-A872-DF7103F82A67}"/>
+          </ac:spMkLst>
+        </pc:spChg>
+        <pc:spChg chg="add mod">
+          <ac:chgData name="Dia Ganguly" userId="00be0aef487ade67" providerId="LiveId" clId="{05E59368-313D-4851-8FB6-9505FA466B11}" dt="2020-06-25T02:14:51.107" v="1059" actId="164"/>
+          <ac:spMkLst>
+            <pc:docMk/>
+            <pc:sldMk cId="2749445035" sldId="263"/>
+            <ac:spMk id="10" creationId="{28307355-A19D-49AD-BB15-23926FAB65AB}"/>
+          </ac:spMkLst>
+        </pc:spChg>
+        <pc:spChg chg="add mod ord">
+          <ac:chgData name="Dia Ganguly" userId="00be0aef487ade67" providerId="LiveId" clId="{05E59368-313D-4851-8FB6-9505FA466B11}" dt="2020-06-25T02:15:18.320" v="1127" actId="1076"/>
+          <ac:spMkLst>
+            <pc:docMk/>
+            <pc:sldMk cId="2749445035" sldId="263"/>
+            <ac:spMk id="11" creationId="{0AADD2D4-0AF4-4058-B252-22C92B069DDB}"/>
+          </ac:spMkLst>
+        </pc:spChg>
+        <pc:grpChg chg="add mod">
+          <ac:chgData name="Dia Ganguly" userId="00be0aef487ade67" providerId="LiveId" clId="{05E59368-313D-4851-8FB6-9505FA466B11}" dt="2020-06-25T02:15:21.774" v="1128" actId="1076"/>
+          <ac:grpSpMkLst>
+            <pc:docMk/>
+            <pc:sldMk cId="2749445035" sldId="263"/>
+            <ac:grpSpMk id="12" creationId="{5192EBD5-AFD4-49A9-A527-EF166EF365E3}"/>
+          </ac:grpSpMkLst>
+        </pc:grpChg>
+      </pc:sldChg>
+      <pc:sldChg chg="addSp delSp modSp add del mod modClrScheme chgLayout">
+        <pc:chgData name="Dia Ganguly" userId="00be0aef487ade67" providerId="LiveId" clId="{05E59368-313D-4851-8FB6-9505FA466B11}" dt="2020-06-25T01:53:21.236" v="315"/>
+        <pc:sldMkLst>
+          <pc:docMk/>
+          <pc:sldMk cId="3457978042" sldId="263"/>
+        </pc:sldMkLst>
+        <pc:spChg chg="add del mod ord">
+          <ac:chgData name="Dia Ganguly" userId="00be0aef487ade67" providerId="LiveId" clId="{05E59368-313D-4851-8FB6-9505FA466B11}" dt="2020-06-25T01:53:05.873" v="312" actId="700"/>
+          <ac:spMkLst>
+            <pc:docMk/>
+            <pc:sldMk cId="3457978042" sldId="263"/>
+            <ac:spMk id="2" creationId="{A204C4CF-439D-4362-B4BA-06B5BEB90B37}"/>
+          </ac:spMkLst>
+        </pc:spChg>
+        <pc:spChg chg="add del mod ord">
+          <ac:chgData name="Dia Ganguly" userId="00be0aef487ade67" providerId="LiveId" clId="{05E59368-313D-4851-8FB6-9505FA466B11}" dt="2020-06-25T01:53:05.873" v="312" actId="700"/>
+          <ac:spMkLst>
+            <pc:docMk/>
+            <pc:sldMk cId="3457978042" sldId="263"/>
+            <ac:spMk id="5" creationId="{8E56A361-66C5-4CF8-9551-ADC4F11C5CD2}"/>
+          </ac:spMkLst>
+        </pc:spChg>
+        <pc:spChg chg="add del mod ord">
+          <ac:chgData name="Dia Ganguly" userId="00be0aef487ade67" providerId="LiveId" clId="{05E59368-313D-4851-8FB6-9505FA466B11}" dt="2020-06-25T01:53:05.873" v="312" actId="700"/>
+          <ac:spMkLst>
+            <pc:docMk/>
+            <pc:sldMk cId="3457978042" sldId="263"/>
+            <ac:spMk id="6" creationId="{6DFF7B4B-270F-4E55-AA96-64A445EEE16B}"/>
+          </ac:spMkLst>
+        </pc:spChg>
+        <pc:spChg chg="add del mod ord">
+          <ac:chgData name="Dia Ganguly" userId="00be0aef487ade67" providerId="LiveId" clId="{05E59368-313D-4851-8FB6-9505FA466B11}" dt="2020-06-25T01:53:20.435" v="314" actId="700"/>
+          <ac:spMkLst>
+            <pc:docMk/>
+            <pc:sldMk cId="3457978042" sldId="263"/>
+            <ac:spMk id="7" creationId="{B9780C6C-34D1-4E0A-8F95-6CB8BDCF8073}"/>
+          </ac:spMkLst>
+        </pc:spChg>
+        <pc:spChg chg="add del mod ord">
+          <ac:chgData name="Dia Ganguly" userId="00be0aef487ade67" providerId="LiveId" clId="{05E59368-313D-4851-8FB6-9505FA466B11}" dt="2020-06-25T01:53:20.435" v="314" actId="700"/>
+          <ac:spMkLst>
+            <pc:docMk/>
+            <pc:sldMk cId="3457978042" sldId="263"/>
+            <ac:spMk id="8" creationId="{1EAB60FB-1D9B-43AC-8C49-DA5650437F64}"/>
+          </ac:spMkLst>
+        </pc:spChg>
+        <pc:spChg chg="add del mod ord">
+          <ac:chgData name="Dia Ganguly" userId="00be0aef487ade67" providerId="LiveId" clId="{05E59368-313D-4851-8FB6-9505FA466B11}" dt="2020-06-25T01:53:20.435" v="314" actId="700"/>
+          <ac:spMkLst>
+            <pc:docMk/>
+            <pc:sldMk cId="3457978042" sldId="263"/>
+            <ac:spMk id="9" creationId="{CF603F03-62F2-4B15-B703-04407104258C}"/>
+          </ac:spMkLst>
+        </pc:spChg>
+      </pc:sldChg>
+      <pc:sldChg chg="addSp modSp new mod">
+        <pc:chgData name="Dia Ganguly" userId="00be0aef487ade67" providerId="LiveId" clId="{05E59368-313D-4851-8FB6-9505FA466B11}" dt="2020-06-25T13:11:16.881" v="1359" actId="20577"/>
+        <pc:sldMkLst>
+          <pc:docMk/>
+          <pc:sldMk cId="3516742260" sldId="264"/>
+        </pc:sldMkLst>
+        <pc:spChg chg="mod">
+          <ac:chgData name="Dia Ganguly" userId="00be0aef487ade67" providerId="LiveId" clId="{05E59368-313D-4851-8FB6-9505FA466B11}" dt="2020-06-25T13:06:57.332" v="1204" actId="20577"/>
+          <ac:spMkLst>
+            <pc:docMk/>
+            <pc:sldMk cId="3516742260" sldId="264"/>
+            <ac:spMk id="2" creationId="{846E9808-C39A-4979-B656-3DF35894039D}"/>
+          </ac:spMkLst>
+        </pc:spChg>
+        <pc:spChg chg="add mod">
+          <ac:chgData name="Dia Ganguly" userId="00be0aef487ade67" providerId="LiveId" clId="{05E59368-313D-4851-8FB6-9505FA466B11}" dt="2020-06-25T13:11:16.881" v="1359" actId="20577"/>
+          <ac:spMkLst>
+            <pc:docMk/>
+            <pc:sldMk cId="3516742260" sldId="264"/>
+            <ac:spMk id="4" creationId="{72F75899-02B4-4BE8-9670-C740CD8BCCBE}"/>
+          </ac:spMkLst>
+        </pc:spChg>
+        <pc:picChg chg="add mod">
+          <ac:chgData name="Dia Ganguly" userId="00be0aef487ade67" providerId="LiveId" clId="{05E59368-313D-4851-8FB6-9505FA466B11}" dt="2020-06-25T13:06:39.204" v="1183" actId="1076"/>
+          <ac:picMkLst>
+            <pc:docMk/>
+            <pc:sldMk cId="3516742260" sldId="264"/>
+            <ac:picMk id="3" creationId="{71A7602E-045F-4574-BD6D-C3660A10FF99}"/>
+          </ac:picMkLst>
+        </pc:picChg>
+      </pc:sldChg>
+      <pc:sldChg chg="addSp modSp new mod">
+        <pc:chgData name="Dia Ganguly" userId="00be0aef487ade67" providerId="LiveId" clId="{05E59368-313D-4851-8FB6-9505FA466B11}" dt="2020-06-25T13:12:07.451" v="1448" actId="20577"/>
+        <pc:sldMkLst>
+          <pc:docMk/>
+          <pc:sldMk cId="4096452857" sldId="265"/>
+        </pc:sldMkLst>
+        <pc:spChg chg="mod">
+          <ac:chgData name="Dia Ganguly" userId="00be0aef487ade67" providerId="LiveId" clId="{05E59368-313D-4851-8FB6-9505FA466B11}" dt="2020-06-25T13:12:07.451" v="1448" actId="20577"/>
+          <ac:spMkLst>
+            <pc:docMk/>
+            <pc:sldMk cId="4096452857" sldId="265"/>
+            <ac:spMk id="2" creationId="{148B84F2-64B4-4980-9150-F36F5E08A177}"/>
+          </ac:spMkLst>
+        </pc:spChg>
+        <pc:spChg chg="add mod">
+          <ac:chgData name="Dia Ganguly" userId="00be0aef487ade67" providerId="LiveId" clId="{05E59368-313D-4851-8FB6-9505FA466B11}" dt="2020-06-25T13:11:58.127" v="1426" actId="20577"/>
+          <ac:spMkLst>
+            <pc:docMk/>
+            <pc:sldMk cId="4096452857" sldId="265"/>
+            <ac:spMk id="4" creationId="{7140B211-782A-44D5-AB3F-73DFFE562006}"/>
+          </ac:spMkLst>
+        </pc:spChg>
+        <pc:picChg chg="add mod">
+          <ac:chgData name="Dia Ganguly" userId="00be0aef487ade67" providerId="LiveId" clId="{05E59368-313D-4851-8FB6-9505FA466B11}" dt="2020-06-25T13:11:02.781" v="1357" actId="1076"/>
+          <ac:picMkLst>
+            <pc:docMk/>
+            <pc:sldMk cId="4096452857" sldId="265"/>
+            <ac:picMk id="3" creationId="{D665600D-CD74-4BB3-BD87-BC379A815BFC}"/>
+          </ac:picMkLst>
+        </pc:picChg>
+      </pc:sldChg>
+      <pc:sldChg chg="addSp modSp new mod">
+        <pc:chgData name="Dia Ganguly" userId="00be0aef487ade67" providerId="LiveId" clId="{05E59368-313D-4851-8FB6-9505FA466B11}" dt="2020-06-25T13:14:56.753" v="1475"/>
+        <pc:sldMkLst>
+          <pc:docMk/>
+          <pc:sldMk cId="2858730225" sldId="266"/>
+        </pc:sldMkLst>
+        <pc:spChg chg="mod">
+          <ac:chgData name="Dia Ganguly" userId="00be0aef487ade67" providerId="LiveId" clId="{05E59368-313D-4851-8FB6-9505FA466B11}" dt="2020-06-25T13:14:43.528" v="1474" actId="20577"/>
+          <ac:spMkLst>
+            <pc:docMk/>
+            <pc:sldMk cId="2858730225" sldId="266"/>
+            <ac:spMk id="2" creationId="{61AA2360-D846-4DB7-8D59-B794035494FF}"/>
+          </ac:spMkLst>
+        </pc:spChg>
+        <pc:spChg chg="add mod">
+          <ac:chgData name="Dia Ganguly" userId="00be0aef487ade67" providerId="LiveId" clId="{05E59368-313D-4851-8FB6-9505FA466B11}" dt="2020-06-25T13:14:56.753" v="1475"/>
+          <ac:spMkLst>
+            <pc:docMk/>
+            <pc:sldMk cId="2858730225" sldId="266"/>
+            <ac:spMk id="4" creationId="{5DF0CB51-FF61-4540-B46D-F84F688680EE}"/>
+          </ac:spMkLst>
+        </pc:spChg>
+        <pc:picChg chg="add mod">
+          <ac:chgData name="Dia Ganguly" userId="00be0aef487ade67" providerId="LiveId" clId="{05E59368-313D-4851-8FB6-9505FA466B11}" dt="2020-06-25T13:14:17.094" v="1455" actId="1076"/>
+          <ac:picMkLst>
+            <pc:docMk/>
+            <pc:sldMk cId="2858730225" sldId="266"/>
+            <ac:picMk id="3" creationId="{962D19B0-BDFB-46BA-97EF-D68BC28C70FF}"/>
+          </ac:picMkLst>
+        </pc:picChg>
+      </pc:sldChg>
+      <pc:sldChg chg="addSp modSp new mod">
+        <pc:chgData name="Dia Ganguly" userId="00be0aef487ade67" providerId="LiveId" clId="{05E59368-313D-4851-8FB6-9505FA466B11}" dt="2020-06-25T20:31:40.645" v="1803" actId="20577"/>
+        <pc:sldMkLst>
+          <pc:docMk/>
+          <pc:sldMk cId="101280968" sldId="267"/>
+        </pc:sldMkLst>
+        <pc:spChg chg="mod">
+          <ac:chgData name="Dia Ganguly" userId="00be0aef487ade67" providerId="LiveId" clId="{05E59368-313D-4851-8FB6-9505FA466B11}" dt="2020-06-25T13:54:34.399" v="1530" actId="20577"/>
+          <ac:spMkLst>
+            <pc:docMk/>
+            <pc:sldMk cId="101280968" sldId="267"/>
+            <ac:spMk id="2" creationId="{C4528EDB-CF48-4270-8BC7-4E928E4C6311}"/>
+          </ac:spMkLst>
+        </pc:spChg>
+        <pc:spChg chg="add mod">
+          <ac:chgData name="Dia Ganguly" userId="00be0aef487ade67" providerId="LiveId" clId="{05E59368-313D-4851-8FB6-9505FA466B11}" dt="2020-06-25T20:31:40.645" v="1803" actId="20577"/>
+          <ac:spMkLst>
+            <pc:docMk/>
+            <pc:sldMk cId="101280968" sldId="267"/>
+            <ac:spMk id="4" creationId="{900E2F94-F3B5-4A98-A1F7-6DE70C3FB91A}"/>
+          </ac:spMkLst>
+        </pc:spChg>
+        <pc:picChg chg="add mod">
+          <ac:chgData name="Dia Ganguly" userId="00be0aef487ade67" providerId="LiveId" clId="{05E59368-313D-4851-8FB6-9505FA466B11}" dt="2020-06-25T13:34:02.204" v="1479" actId="1076"/>
+          <ac:picMkLst>
+            <pc:docMk/>
+            <pc:sldMk cId="101280968" sldId="267"/>
+            <ac:picMk id="3" creationId="{E395C2B8-E5AE-4B2B-A1DA-BDB6299EEE09}"/>
+          </ac:picMkLst>
+        </pc:picChg>
+      </pc:sldChg>
+      <pc:sldChg chg="new del">
+        <pc:chgData name="Dia Ganguly" userId="00be0aef487ade67" providerId="LiveId" clId="{05E59368-313D-4851-8FB6-9505FA466B11}" dt="2020-07-01T02:42:24.590" v="2463" actId="47"/>
+        <pc:sldMkLst>
+          <pc:docMk/>
+          <pc:sldMk cId="557356491" sldId="268"/>
+        </pc:sldMkLst>
+      </pc:sldChg>
+      <pc:sldChg chg="addSp delSp modSp add mod setBg">
+        <pc:chgData name="Dia Ganguly" userId="00be0aef487ade67" providerId="LiveId" clId="{05E59368-313D-4851-8FB6-9505FA466B11}" dt="2020-07-01T02:42:04.742" v="2462" actId="20577"/>
+        <pc:sldMkLst>
+          <pc:docMk/>
+          <pc:sldMk cId="4013844913" sldId="269"/>
+        </pc:sldMkLst>
+        <pc:spChg chg="mod">
+          <ac:chgData name="Dia Ganguly" userId="00be0aef487ade67" providerId="LiveId" clId="{05E59368-313D-4851-8FB6-9505FA466B11}" dt="2020-07-01T02:34:38.858" v="1836" actId="14100"/>
+          <ac:spMkLst>
+            <pc:docMk/>
+            <pc:sldMk cId="4013844913" sldId="269"/>
+            <ac:spMk id="2" creationId="{C4528EDB-CF48-4270-8BC7-4E928E4C6311}"/>
+          </ac:spMkLst>
+        </pc:spChg>
+        <pc:spChg chg="mod ord">
+          <ac:chgData name="Dia Ganguly" userId="00be0aef487ade67" providerId="LiveId" clId="{05E59368-313D-4851-8FB6-9505FA466B11}" dt="2020-07-01T02:42:04.742" v="2462" actId="20577"/>
+          <ac:spMkLst>
+            <pc:docMk/>
+            <pc:sldMk cId="4013844913" sldId="269"/>
+            <ac:spMk id="4" creationId="{900E2F94-F3B5-4A98-A1F7-6DE70C3FB91A}"/>
+          </ac:spMkLst>
+        </pc:spChg>
+        <pc:spChg chg="add del">
+          <ac:chgData name="Dia Ganguly" userId="00be0aef487ade67" providerId="LiveId" clId="{05E59368-313D-4851-8FB6-9505FA466B11}" dt="2020-07-01T02:34:18.196" v="1830" actId="26606"/>
+          <ac:spMkLst>
+            <pc:docMk/>
+            <pc:sldMk cId="4013844913" sldId="269"/>
+            <ac:spMk id="73" creationId="{8D1AA55E-40D5-461B-A5A8-4AE8AAB71B08}"/>
+          </ac:spMkLst>
+        </pc:spChg>
+        <pc:spChg chg="add del">
+          <ac:chgData name="Dia Ganguly" userId="00be0aef487ade67" providerId="LiveId" clId="{05E59368-313D-4851-8FB6-9505FA466B11}" dt="2020-07-01T02:34:18.196" v="1830" actId="26606"/>
+          <ac:spMkLst>
+            <pc:docMk/>
+            <pc:sldMk cId="4013844913" sldId="269"/>
+            <ac:spMk id="77" creationId="{6CB927A4-E432-4310-9CD5-E89FF5063179}"/>
+          </ac:spMkLst>
+        </pc:spChg>
+        <pc:spChg chg="add del">
+          <ac:chgData name="Dia Ganguly" userId="00be0aef487ade67" providerId="LiveId" clId="{05E59368-313D-4851-8FB6-9505FA466B11}" dt="2020-07-01T02:34:18.196" v="1830" actId="26606"/>
+          <ac:spMkLst>
+            <pc:docMk/>
+            <pc:sldMk cId="4013844913" sldId="269"/>
+            <ac:spMk id="79" creationId="{E3020543-B24B-4EC4-8FFC-8DD88EEA91A8}"/>
+          </ac:spMkLst>
+        </pc:spChg>
+        <pc:spChg chg="add del">
+          <ac:chgData name="Dia Ganguly" userId="00be0aef487ade67" providerId="LiveId" clId="{05E59368-313D-4851-8FB6-9505FA466B11}" dt="2020-07-01T02:34:18.196" v="1830" actId="26606"/>
+          <ac:spMkLst>
+            <pc:docMk/>
+            <pc:sldMk cId="4013844913" sldId="269"/>
+            <ac:spMk id="81" creationId="{1453BF6C-B012-48B7-B4E8-6D7AC7C27D02}"/>
+          </ac:spMkLst>
+        </pc:spChg>
+        <pc:spChg chg="add del">
+          <ac:chgData name="Dia Ganguly" userId="00be0aef487ade67" providerId="LiveId" clId="{05E59368-313D-4851-8FB6-9505FA466B11}" dt="2020-07-01T02:34:25.156" v="1832" actId="26606"/>
+          <ac:spMkLst>
+            <pc:docMk/>
+            <pc:sldMk cId="4013844913" sldId="269"/>
+            <ac:spMk id="1029" creationId="{8D1AA55E-40D5-461B-A5A8-4AE8AAB71B08}"/>
+          </ac:spMkLst>
+        </pc:spChg>
+        <pc:spChg chg="add del">
+          <ac:chgData name="Dia Ganguly" userId="00be0aef487ade67" providerId="LiveId" clId="{05E59368-313D-4851-8FB6-9505FA466B11}" dt="2020-07-01T02:34:25.156" v="1832" actId="26606"/>
+          <ac:spMkLst>
+            <pc:docMk/>
+            <pc:sldMk cId="4013844913" sldId="269"/>
+            <ac:spMk id="1031" creationId="{6CB927A4-E432-4310-9CD5-E89FF5063179}"/>
+          </ac:spMkLst>
+        </pc:spChg>
+        <pc:spChg chg="add del">
+          <ac:chgData name="Dia Ganguly" userId="00be0aef487ade67" providerId="LiveId" clId="{05E59368-313D-4851-8FB6-9505FA466B11}" dt="2020-07-01T02:34:25.156" v="1832" actId="26606"/>
+          <ac:spMkLst>
+            <pc:docMk/>
+            <pc:sldMk cId="4013844913" sldId="269"/>
+            <ac:spMk id="1032" creationId="{E3020543-B24B-4EC4-8FFC-8DD88EEA91A8}"/>
+          </ac:spMkLst>
+        </pc:spChg>
+        <pc:spChg chg="add del">
+          <ac:chgData name="Dia Ganguly" userId="00be0aef487ade67" providerId="LiveId" clId="{05E59368-313D-4851-8FB6-9505FA466B11}" dt="2020-07-01T02:34:32.164" v="1834" actId="26606"/>
+          <ac:spMkLst>
+            <pc:docMk/>
+            <pc:sldMk cId="4013844913" sldId="269"/>
+            <ac:spMk id="1035" creationId="{CDBF2F9D-983F-4E90-827D-5A23216DEA35}"/>
+          </ac:spMkLst>
+        </pc:spChg>
+        <pc:spChg chg="add del">
+          <ac:chgData name="Dia Ganguly" userId="00be0aef487ade67" providerId="LiveId" clId="{05E59368-313D-4851-8FB6-9505FA466B11}" dt="2020-07-01T02:34:32.164" v="1834" actId="26606"/>
+          <ac:spMkLst>
+            <pc:docMk/>
+            <pc:sldMk cId="4013844913" sldId="269"/>
+            <ac:spMk id="1036" creationId="{6CB927A4-E432-4310-9CD5-E89FF5063179}"/>
+          </ac:spMkLst>
+        </pc:spChg>
+        <pc:spChg chg="add del">
+          <ac:chgData name="Dia Ganguly" userId="00be0aef487ade67" providerId="LiveId" clId="{05E59368-313D-4851-8FB6-9505FA466B11}" dt="2020-07-01T02:34:32.164" v="1834" actId="26606"/>
+          <ac:spMkLst>
+            <pc:docMk/>
+            <pc:sldMk cId="4013844913" sldId="269"/>
+            <ac:spMk id="1037" creationId="{E3020543-B24B-4EC4-8FFC-8DD88EEA91A8}"/>
+          </ac:spMkLst>
+        </pc:spChg>
+        <pc:spChg chg="add del">
+          <ac:chgData name="Dia Ganguly" userId="00be0aef487ade67" providerId="LiveId" clId="{05E59368-313D-4851-8FB6-9505FA466B11}" dt="2020-07-01T02:34:32.164" v="1834" actId="26606"/>
+          <ac:spMkLst>
+            <pc:docMk/>
+            <pc:sldMk cId="4013844913" sldId="269"/>
+            <ac:spMk id="1038" creationId="{1453BF6C-B012-48B7-B4E8-6D7AC7C27D02}"/>
+          </ac:spMkLst>
+        </pc:spChg>
+        <pc:spChg chg="add">
+          <ac:chgData name="Dia Ganguly" userId="00be0aef487ade67" providerId="LiveId" clId="{05E59368-313D-4851-8FB6-9505FA466B11}" dt="2020-07-01T02:34:32.182" v="1835" actId="26606"/>
+          <ac:spMkLst>
+            <pc:docMk/>
+            <pc:sldMk cId="4013844913" sldId="269"/>
+            <ac:spMk id="1042" creationId="{8D1AA55E-40D5-461B-A5A8-4AE8AAB71B08}"/>
+          </ac:spMkLst>
+        </pc:spChg>
+        <pc:spChg chg="add">
+          <ac:chgData name="Dia Ganguly" userId="00be0aef487ade67" providerId="LiveId" clId="{05E59368-313D-4851-8FB6-9505FA466B11}" dt="2020-07-01T02:34:32.182" v="1835" actId="26606"/>
+          <ac:spMkLst>
+            <pc:docMk/>
+            <pc:sldMk cId="4013844913" sldId="269"/>
+            <ac:spMk id="1044" creationId="{6CB927A4-E432-4310-9CD5-E89FF5063179}"/>
+          </ac:spMkLst>
+        </pc:spChg>
+        <pc:spChg chg="add">
+          <ac:chgData name="Dia Ganguly" userId="00be0aef487ade67" providerId="LiveId" clId="{05E59368-313D-4851-8FB6-9505FA466B11}" dt="2020-07-01T02:34:32.182" v="1835" actId="26606"/>
+          <ac:spMkLst>
+            <pc:docMk/>
+            <pc:sldMk cId="4013844913" sldId="269"/>
+            <ac:spMk id="1045" creationId="{E3020543-B24B-4EC4-8FFC-8DD88EEA91A8}"/>
+          </ac:spMkLst>
+        </pc:spChg>
+        <pc:spChg chg="add">
+          <ac:chgData name="Dia Ganguly" userId="00be0aef487ade67" providerId="LiveId" clId="{05E59368-313D-4851-8FB6-9505FA466B11}" dt="2020-07-01T02:34:32.182" v="1835" actId="26606"/>
+          <ac:spMkLst>
+            <pc:docMk/>
+            <pc:sldMk cId="4013844913" sldId="269"/>
+            <ac:spMk id="1046" creationId="{1453BF6C-B012-48B7-B4E8-6D7AC7C27D02}"/>
+          </ac:spMkLst>
+        </pc:spChg>
+        <pc:picChg chg="del">
+          <ac:chgData name="Dia Ganguly" userId="00be0aef487ade67" providerId="LiveId" clId="{05E59368-313D-4851-8FB6-9505FA466B11}" dt="2020-07-01T02:33:57.600" v="1826" actId="478"/>
+          <ac:picMkLst>
+            <pc:docMk/>
+            <pc:sldMk cId="4013844913" sldId="269"/>
+            <ac:picMk id="3" creationId="{E395C2B8-E5AE-4B2B-A1DA-BDB6299EEE09}"/>
+          </ac:picMkLst>
+        </pc:picChg>
+        <pc:picChg chg="add mod">
+          <ac:chgData name="Dia Ganguly" userId="00be0aef487ade67" providerId="LiveId" clId="{05E59368-313D-4851-8FB6-9505FA466B11}" dt="2020-07-01T02:34:47.883" v="1839" actId="1076"/>
+          <ac:picMkLst>
+            <pc:docMk/>
+            <pc:sldMk cId="4013844913" sldId="269"/>
+            <ac:picMk id="1026" creationId="{1AF91B1F-EEA0-4882-B347-A8E6AB4C8EF0}"/>
+          </ac:picMkLst>
+        </pc:picChg>
+        <pc:cxnChg chg="add del">
+          <ac:chgData name="Dia Ganguly" userId="00be0aef487ade67" providerId="LiveId" clId="{05E59368-313D-4851-8FB6-9505FA466B11}" dt="2020-07-01T02:34:18.196" v="1830" actId="26606"/>
+          <ac:cxnSpMkLst>
+            <pc:docMk/>
+            <pc:sldMk cId="4013844913" sldId="269"/>
+            <ac:cxnSpMk id="71" creationId="{5C05CAAB-DBA2-4548-AD5F-01BB97FBB207}"/>
+          </ac:cxnSpMkLst>
+        </pc:cxnChg>
+        <pc:cxnChg chg="add del">
+          <ac:chgData name="Dia Ganguly" userId="00be0aef487ade67" providerId="LiveId" clId="{05E59368-313D-4851-8FB6-9505FA466B11}" dt="2020-07-01T02:34:18.196" v="1830" actId="26606"/>
+          <ac:cxnSpMkLst>
+            <pc:docMk/>
+            <pc:sldMk cId="4013844913" sldId="269"/>
+            <ac:cxnSpMk id="75" creationId="{C49DA8F6-BCC1-4447-B54C-57856834B94B}"/>
+          </ac:cxnSpMkLst>
+        </pc:cxnChg>
+        <pc:cxnChg chg="add del">
+          <ac:chgData name="Dia Ganguly" userId="00be0aef487ade67" providerId="LiveId" clId="{05E59368-313D-4851-8FB6-9505FA466B11}" dt="2020-07-01T02:34:25.156" v="1832" actId="26606"/>
+          <ac:cxnSpMkLst>
+            <pc:docMk/>
+            <pc:sldMk cId="4013844913" sldId="269"/>
+            <ac:cxnSpMk id="1028" creationId="{5C05CAAB-DBA2-4548-AD5F-01BB97FBB207}"/>
+          </ac:cxnSpMkLst>
+        </pc:cxnChg>
+        <pc:cxnChg chg="add del">
+          <ac:chgData name="Dia Ganguly" userId="00be0aef487ade67" providerId="LiveId" clId="{05E59368-313D-4851-8FB6-9505FA466B11}" dt="2020-07-01T02:34:25.156" v="1832" actId="26606"/>
+          <ac:cxnSpMkLst>
+            <pc:docMk/>
+            <pc:sldMk cId="4013844913" sldId="269"/>
+            <ac:cxnSpMk id="1030" creationId="{7EB498BD-8089-4626-91EA-4978EBEF535E}"/>
+          </ac:cxnSpMkLst>
+        </pc:cxnChg>
+        <pc:cxnChg chg="add del">
+          <ac:chgData name="Dia Ganguly" userId="00be0aef487ade67" providerId="LiveId" clId="{05E59368-313D-4851-8FB6-9505FA466B11}" dt="2020-07-01T02:34:32.164" v="1834" actId="26606"/>
+          <ac:cxnSpMkLst>
+            <pc:docMk/>
+            <pc:sldMk cId="4013844913" sldId="269"/>
+            <ac:cxnSpMk id="1034" creationId="{5C05CAAB-DBA2-4548-AD5F-01BB97FBB207}"/>
+          </ac:cxnSpMkLst>
+        </pc:cxnChg>
+        <pc:cxnChg chg="add del">
+          <ac:chgData name="Dia Ganguly" userId="00be0aef487ade67" providerId="LiveId" clId="{05E59368-313D-4851-8FB6-9505FA466B11}" dt="2020-07-01T02:34:32.164" v="1834" actId="26606"/>
+          <ac:cxnSpMkLst>
+            <pc:docMk/>
+            <pc:sldMk cId="4013844913" sldId="269"/>
+            <ac:cxnSpMk id="1039" creationId="{C49DA8F6-BCC1-4447-B54C-57856834B94B}"/>
+          </ac:cxnSpMkLst>
+        </pc:cxnChg>
+        <pc:cxnChg chg="add">
+          <ac:chgData name="Dia Ganguly" userId="00be0aef487ade67" providerId="LiveId" clId="{05E59368-313D-4851-8FB6-9505FA466B11}" dt="2020-07-01T02:34:32.182" v="1835" actId="26606"/>
+          <ac:cxnSpMkLst>
+            <pc:docMk/>
+            <pc:sldMk cId="4013844913" sldId="269"/>
+            <ac:cxnSpMk id="1041" creationId="{5C05CAAB-DBA2-4548-AD5F-01BB97FBB207}"/>
+          </ac:cxnSpMkLst>
+        </pc:cxnChg>
+        <pc:cxnChg chg="add">
+          <ac:chgData name="Dia Ganguly" userId="00be0aef487ade67" providerId="LiveId" clId="{05E59368-313D-4851-8FB6-9505FA466B11}" dt="2020-07-01T02:34:32.182" v="1835" actId="26606"/>
+          <ac:cxnSpMkLst>
+            <pc:docMk/>
+            <pc:sldMk cId="4013844913" sldId="269"/>
+            <ac:cxnSpMk id="1043" creationId="{C49DA8F6-BCC1-4447-B54C-57856834B94B}"/>
           </ac:cxnSpMkLst>
         </pc:cxnChg>
       </pc:sldChg>
@@ -664,7 +1872,7 @@
           <a:p>
             <a:fld id="{6A4B53A7-3209-46A6-9454-F38EAC8F11E7}" type="datetimeFigureOut">
               <a:rPr lang="en-US" smtClean="0"/>
-              <a:t>6/22/2020</a:t>
+              <a:t>6/25/2020</a:t>
             </a:fld>
             <a:endParaRPr lang="en-US"/>
           </a:p>
@@ -915,7 +2123,7 @@
           <a:p>
             <a:fld id="{6A4B53A7-3209-46A6-9454-F38EAC8F11E7}" type="datetimeFigureOut">
               <a:rPr lang="en-US" smtClean="0"/>
-              <a:t>6/22/2020</a:t>
+              <a:t>6/25/2020</a:t>
             </a:fld>
             <a:endParaRPr lang="en-US"/>
           </a:p>
@@ -1176,7 +2384,7 @@
           <a:p>
             <a:fld id="{6A4B53A7-3209-46A6-9454-F38EAC8F11E7}" type="datetimeFigureOut">
               <a:rPr lang="en-US" smtClean="0"/>
-              <a:t>6/22/2020</a:t>
+              <a:t>6/25/2020</a:t>
             </a:fld>
             <a:endParaRPr lang="en-US"/>
           </a:p>
@@ -1427,7 +2635,7 @@
           <a:p>
             <a:fld id="{6A4B53A7-3209-46A6-9454-F38EAC8F11E7}" type="datetimeFigureOut">
               <a:rPr lang="en-US" smtClean="0"/>
-              <a:t>6/22/2020</a:t>
+              <a:t>6/25/2020</a:t>
             </a:fld>
             <a:endParaRPr lang="en-US"/>
           </a:p>
@@ -1755,7 +2963,7 @@
           <a:p>
             <a:fld id="{6A4B53A7-3209-46A6-9454-F38EAC8F11E7}" type="datetimeFigureOut">
               <a:rPr lang="en-US" smtClean="0"/>
-              <a:t>6/22/2020</a:t>
+              <a:t>6/25/2020</a:t>
             </a:fld>
             <a:endParaRPr lang="en-US"/>
           </a:p>
@@ -2073,7 +3281,7 @@
           <a:p>
             <a:fld id="{6A4B53A7-3209-46A6-9454-F38EAC8F11E7}" type="datetimeFigureOut">
               <a:rPr lang="en-US" smtClean="0"/>
-              <a:t>6/22/2020</a:t>
+              <a:t>6/25/2020</a:t>
             </a:fld>
             <a:endParaRPr lang="en-US"/>
           </a:p>
@@ -2538,7 +3746,7 @@
           <a:p>
             <a:fld id="{6A4B53A7-3209-46A6-9454-F38EAC8F11E7}" type="datetimeFigureOut">
               <a:rPr lang="en-US" smtClean="0"/>
-              <a:t>6/22/2020</a:t>
+              <a:t>6/25/2020</a:t>
             </a:fld>
             <a:endParaRPr lang="en-US"/>
           </a:p>
@@ -2732,7 +3940,7 @@
           <a:p>
             <a:fld id="{6A4B53A7-3209-46A6-9454-F38EAC8F11E7}" type="datetimeFigureOut">
               <a:rPr lang="en-US" smtClean="0"/>
-              <a:t>6/22/2020</a:t>
+              <a:t>6/25/2020</a:t>
             </a:fld>
             <a:endParaRPr lang="en-US"/>
           </a:p>
@@ -2898,7 +4106,7 @@
           <a:p>
             <a:fld id="{6A4B53A7-3209-46A6-9454-F38EAC8F11E7}" type="datetimeFigureOut">
               <a:rPr lang="en-US" smtClean="0"/>
-              <a:t>6/22/2020</a:t>
+              <a:t>6/25/2020</a:t>
             </a:fld>
             <a:endParaRPr lang="en-US"/>
           </a:p>
@@ -3262,7 +4470,7 @@
           <a:p>
             <a:fld id="{6A4B53A7-3209-46A6-9454-F38EAC8F11E7}" type="datetimeFigureOut">
               <a:rPr lang="en-US" smtClean="0"/>
-              <a:t>6/22/2020</a:t>
+              <a:t>6/25/2020</a:t>
             </a:fld>
             <a:endParaRPr lang="en-US"/>
           </a:p>
@@ -3606,7 +4814,7 @@
           <a:p>
             <a:fld id="{6A4B53A7-3209-46A6-9454-F38EAC8F11E7}" type="datetimeFigureOut">
               <a:rPr lang="en-US" smtClean="0"/>
-              <a:t>6/22/2020</a:t>
+              <a:t>6/25/2020</a:t>
             </a:fld>
             <a:endParaRPr lang="en-US"/>
           </a:p>
@@ -3901,7 +5109,7 @@
             <a:fld id="{6A4B53A7-3209-46A6-9454-F38EAC8F11E7}" type="datetimeFigureOut">
               <a:rPr lang="en-US" smtClean="0"/>
               <a:pPr/>
-              <a:t>6/22/2020</a:t>
+              <a:t>6/25/2020</a:t>
             </a:fld>
             <a:endParaRPr lang="en-US" dirty="0"/>
           </a:p>
@@ -5238,7 +6446,1479 @@
 </p:sld>
 </file>
 
+<file path=ppt/slides/slide10.xml><?xml version="1.0" encoding="utf-8"?>
+<p:sld xmlns:a="http://schemas.openxmlformats.org/drawingml/2006/main" xmlns:r="http://schemas.openxmlformats.org/officeDocument/2006/relationships" xmlns:p="http://schemas.openxmlformats.org/presentationml/2006/main">
+  <p:cSld>
+    <p:bg>
+      <p:bgPr>
+        <a:solidFill>
+          <a:schemeClr val="bg1"/>
+        </a:solidFill>
+        <a:effectLst/>
+      </p:bgPr>
+    </p:bg>
+    <p:spTree>
+      <p:nvGrpSpPr>
+        <p:cNvPr id="1" name=""/>
+        <p:cNvGrpSpPr/>
+        <p:nvPr/>
+      </p:nvGrpSpPr>
+      <p:grpSpPr>
+        <a:xfrm>
+          <a:off x="0" y="0"/>
+          <a:ext cx="0" cy="0"/>
+          <a:chOff x="0" y="0"/>
+          <a:chExt cx="0" cy="0"/>
+        </a:xfrm>
+      </p:grpSpPr>
+      <p:cxnSp>
+        <p:nvCxnSpPr>
+          <p:cNvPr id="1041" name="Straight Connector 70">
+            <a:extLst>
+              <a:ext uri="{FF2B5EF4-FFF2-40B4-BE49-F238E27FC236}">
+                <a16:creationId xmlns:a16="http://schemas.microsoft.com/office/drawing/2014/main" id="{5C05CAAB-DBA2-4548-AD5F-01BB97FBB207}"/>
+              </a:ext>
+              <a:ext uri="{C183D7F6-B498-43B3-948B-1728B52AA6E4}">
+                <adec:decorative xmlns:adec="http://schemas.microsoft.com/office/drawing/2017/decorative" val="1"/>
+              </a:ext>
+            </a:extLst>
+          </p:cNvPr>
+          <p:cNvCxnSpPr>
+            <a:cxnSpLocks noGrp="1" noRot="1" noChangeAspect="1" noMove="1" noResize="1" noEditPoints="1" noAdjustHandles="1" noChangeArrowheads="1" noChangeShapeType="1"/>
+          </p:cNvCxnSpPr>
+          <p:nvPr>
+            <p:extLst>
+              <p:ext uri="{386F3935-93C4-4BCD-93E2-E3B085C9AB24}">
+                <p16:designElem xmlns:p16="http://schemas.microsoft.com/office/powerpoint/2015/main" val="1"/>
+              </p:ext>
+            </p:extLst>
+          </p:nvPr>
+        </p:nvCxnSpPr>
+        <p:spPr>
+          <a:xfrm>
+            <a:off x="715890" y="356812"/>
+            <a:ext cx="0" cy="6492875"/>
+          </a:xfrm>
+          <a:prstGeom prst="line">
+            <a:avLst/>
+          </a:prstGeom>
+          <a:ln w="25400" cap="sq">
+            <a:gradFill flip="none" rotWithShape="1">
+              <a:gsLst>
+                <a:gs pos="0">
+                  <a:schemeClr val="accent2"/>
+                </a:gs>
+                <a:gs pos="100000">
+                  <a:schemeClr val="accent4"/>
+                </a:gs>
+              </a:gsLst>
+              <a:lin ang="16200000" scaled="1"/>
+              <a:tileRect/>
+            </a:gradFill>
+            <a:bevel/>
+          </a:ln>
+        </p:spPr>
+        <p:style>
+          <a:lnRef idx="1">
+            <a:schemeClr val="accent1"/>
+          </a:lnRef>
+          <a:fillRef idx="0">
+            <a:schemeClr val="accent1"/>
+          </a:fillRef>
+          <a:effectRef idx="0">
+            <a:schemeClr val="accent1"/>
+          </a:effectRef>
+          <a:fontRef idx="minor">
+            <a:schemeClr val="tx1"/>
+          </a:fontRef>
+        </p:style>
+      </p:cxnSp>
+      <p:sp useBgFill="1">
+        <p:nvSpPr>
+          <p:cNvPr id="1042" name="Rectangle 72">
+            <a:extLst>
+              <a:ext uri="{FF2B5EF4-FFF2-40B4-BE49-F238E27FC236}">
+                <a16:creationId xmlns:a16="http://schemas.microsoft.com/office/drawing/2014/main" id="{8D1AA55E-40D5-461B-A5A8-4AE8AAB71B08}"/>
+              </a:ext>
+              <a:ext uri="{C183D7F6-B498-43B3-948B-1728B52AA6E4}">
+                <adec:decorative xmlns:adec="http://schemas.microsoft.com/office/drawing/2017/decorative" val="1"/>
+              </a:ext>
+            </a:extLst>
+          </p:cNvPr>
+          <p:cNvSpPr>
+            <a:spLocks noGrp="1" noRot="1" noChangeAspect="1" noMove="1" noResize="1" noEditPoints="1" noAdjustHandles="1" noChangeArrowheads="1" noChangeShapeType="1" noTextEdit="1"/>
+          </p:cNvSpPr>
+          <p:nvPr>
+            <p:extLst>
+              <p:ext uri="{386F3935-93C4-4BCD-93E2-E3B085C9AB24}">
+                <p16:designElem xmlns:p16="http://schemas.microsoft.com/office/powerpoint/2015/main" val="1"/>
+              </p:ext>
+            </p:extLst>
+          </p:nvPr>
+        </p:nvSpPr>
+        <p:spPr>
+          <a:xfrm>
+            <a:off x="0" y="0"/>
+            <a:ext cx="12192000" cy="6858000"/>
+          </a:xfrm>
+          <a:prstGeom prst="rect">
+            <a:avLst/>
+          </a:prstGeom>
+          <a:ln>
+            <a:noFill/>
+          </a:ln>
+        </p:spPr>
+        <p:style>
+          <a:lnRef idx="2">
+            <a:schemeClr val="accent1">
+              <a:shade val="50000"/>
+            </a:schemeClr>
+          </a:lnRef>
+          <a:fillRef idx="1">
+            <a:schemeClr val="accent1"/>
+          </a:fillRef>
+          <a:effectRef idx="0">
+            <a:schemeClr val="accent1"/>
+          </a:effectRef>
+          <a:fontRef idx="minor">
+            <a:schemeClr val="lt1"/>
+          </a:fontRef>
+        </p:style>
+        <p:txBody>
+          <a:bodyPr rtlCol="0" anchor="ctr"/>
+          <a:lstStyle/>
+          <a:p>
+            <a:pPr algn="ctr"/>
+            <a:endParaRPr lang="en-US"/>
+          </a:p>
+        </p:txBody>
+      </p:sp>
+      <p:sp>
+        <p:nvSpPr>
+          <p:cNvPr id="2" name="Title 1">
+            <a:extLst>
+              <a:ext uri="{FF2B5EF4-FFF2-40B4-BE49-F238E27FC236}">
+                <a16:creationId xmlns:a16="http://schemas.microsoft.com/office/drawing/2014/main" id="{C4528EDB-CF48-4270-8BC7-4E928E4C6311}"/>
+              </a:ext>
+            </a:extLst>
+          </p:cNvPr>
+          <p:cNvSpPr>
+            <a:spLocks noGrp="1"/>
+          </p:cNvSpPr>
+          <p:nvPr>
+            <p:ph type="title"/>
+          </p:nvPr>
+        </p:nvSpPr>
+        <p:spPr>
+          <a:xfrm>
+            <a:off x="838199" y="698643"/>
+            <a:ext cx="7757157" cy="2225532"/>
+          </a:xfrm>
+        </p:spPr>
+        <p:txBody>
+          <a:bodyPr vert="horz" lIns="91440" tIns="45720" rIns="91440" bIns="45720" rtlCol="0" anchor="t">
+            <a:normAutofit/>
+          </a:bodyPr>
+          <a:lstStyle/>
+          <a:p>
+            <a:r>
+              <a:rPr lang="en-US" sz="6000" kern="1200" dirty="0">
+                <a:solidFill>
+                  <a:schemeClr val="tx1"/>
+                </a:solidFill>
+                <a:latin typeface="+mj-lt"/>
+                <a:ea typeface="+mj-ea"/>
+                <a:cs typeface="+mj-cs"/>
+              </a:rPr>
+              <a:t>Correlation Matrix</a:t>
+            </a:r>
+          </a:p>
+        </p:txBody>
+      </p:sp>
+      <p:cxnSp>
+        <p:nvCxnSpPr>
+          <p:cNvPr id="1043" name="Straight Connector 74">
+            <a:extLst>
+              <a:ext uri="{FF2B5EF4-FFF2-40B4-BE49-F238E27FC236}">
+                <a16:creationId xmlns:a16="http://schemas.microsoft.com/office/drawing/2014/main" id="{C49DA8F6-BCC1-4447-B54C-57856834B94B}"/>
+              </a:ext>
+              <a:ext uri="{C183D7F6-B498-43B3-948B-1728B52AA6E4}">
+                <adec:decorative xmlns:adec="http://schemas.microsoft.com/office/drawing/2017/decorative" val="1"/>
+              </a:ext>
+            </a:extLst>
+          </p:cNvPr>
+          <p:cNvCxnSpPr>
+            <a:cxnSpLocks noGrp="1" noRot="1" noChangeAspect="1" noMove="1" noResize="1" noEditPoints="1" noAdjustHandles="1" noChangeArrowheads="1" noChangeShapeType="1"/>
+          </p:cNvCxnSpPr>
+          <p:nvPr>
+            <p:extLst>
+              <p:ext uri="{386F3935-93C4-4BCD-93E2-E3B085C9AB24}">
+                <p16:designElem xmlns:p16="http://schemas.microsoft.com/office/powerpoint/2015/main" val="1"/>
+              </p:ext>
+            </p:extLst>
+          </p:nvPr>
+        </p:nvCxnSpPr>
+        <p:spPr>
+          <a:xfrm>
+            <a:off x="623622" y="373056"/>
+            <a:ext cx="0" cy="6476066"/>
+          </a:xfrm>
+          <a:prstGeom prst="line">
+            <a:avLst/>
+          </a:prstGeom>
+          <a:ln w="25400" cap="sq">
+            <a:gradFill flip="none" rotWithShape="1">
+              <a:gsLst>
+                <a:gs pos="0">
+                  <a:schemeClr val="accent2"/>
+                </a:gs>
+                <a:gs pos="100000">
+                  <a:schemeClr val="accent4"/>
+                </a:gs>
+              </a:gsLst>
+              <a:lin ang="16200000" scaled="1"/>
+              <a:tileRect/>
+            </a:gradFill>
+            <a:bevel/>
+          </a:ln>
+        </p:spPr>
+        <p:style>
+          <a:lnRef idx="1">
+            <a:schemeClr val="accent1"/>
+          </a:lnRef>
+          <a:fillRef idx="0">
+            <a:schemeClr val="accent1"/>
+          </a:fillRef>
+          <a:effectRef idx="0">
+            <a:schemeClr val="accent1"/>
+          </a:effectRef>
+          <a:fontRef idx="minor">
+            <a:schemeClr val="tx1"/>
+          </a:fontRef>
+        </p:style>
+      </p:cxnSp>
+      <p:sp>
+        <p:nvSpPr>
+          <p:cNvPr id="1044" name="Graphic 11">
+            <a:extLst>
+              <a:ext uri="{FF2B5EF4-FFF2-40B4-BE49-F238E27FC236}">
+                <a16:creationId xmlns:a16="http://schemas.microsoft.com/office/drawing/2014/main" id="{6CB927A4-E432-4310-9CD5-E89FF5063179}"/>
+              </a:ext>
+              <a:ext uri="{C183D7F6-B498-43B3-948B-1728B52AA6E4}">
+                <adec:decorative xmlns:adec="http://schemas.microsoft.com/office/drawing/2017/decorative" val="1"/>
+              </a:ext>
+            </a:extLst>
+          </p:cNvPr>
+          <p:cNvSpPr>
+            <a:spLocks noGrp="1" noRot="1" noChangeAspect="1" noMove="1" noResize="1" noEditPoints="1" noAdjustHandles="1" noChangeArrowheads="1" noChangeShapeType="1" noTextEdit="1"/>
+          </p:cNvSpPr>
+          <p:nvPr>
+            <p:extLst>
+              <p:ext uri="{386F3935-93C4-4BCD-93E2-E3B085C9AB24}">
+                <p16:designElem xmlns:p16="http://schemas.microsoft.com/office/powerpoint/2015/main" val="1"/>
+              </p:ext>
+            </p:extLst>
+          </p:nvPr>
+        </p:nvSpPr>
+        <p:spPr>
+          <a:xfrm>
+            <a:off x="6125948" y="740316"/>
+            <a:ext cx="139039" cy="139039"/>
+          </a:xfrm>
+          <a:custGeom>
+            <a:avLst/>
+            <a:gdLst>
+              <a:gd name="connsiteX0" fmla="*/ 129602 w 139039"/>
+              <a:gd name="connsiteY0" fmla="*/ 60082 h 139039"/>
+              <a:gd name="connsiteX1" fmla="*/ 78957 w 139039"/>
+              <a:gd name="connsiteY1" fmla="*/ 60082 h 139039"/>
+              <a:gd name="connsiteX2" fmla="*/ 78957 w 139039"/>
+              <a:gd name="connsiteY2" fmla="*/ 9437 h 139039"/>
+              <a:gd name="connsiteX3" fmla="*/ 69520 w 139039"/>
+              <a:gd name="connsiteY3" fmla="*/ 0 h 139039"/>
+              <a:gd name="connsiteX4" fmla="*/ 60082 w 139039"/>
+              <a:gd name="connsiteY4" fmla="*/ 9437 h 139039"/>
+              <a:gd name="connsiteX5" fmla="*/ 60082 w 139039"/>
+              <a:gd name="connsiteY5" fmla="*/ 60082 h 139039"/>
+              <a:gd name="connsiteX6" fmla="*/ 9437 w 139039"/>
+              <a:gd name="connsiteY6" fmla="*/ 60082 h 139039"/>
+              <a:gd name="connsiteX7" fmla="*/ 0 w 139039"/>
+              <a:gd name="connsiteY7" fmla="*/ 69520 h 139039"/>
+              <a:gd name="connsiteX8" fmla="*/ 9437 w 139039"/>
+              <a:gd name="connsiteY8" fmla="*/ 78957 h 139039"/>
+              <a:gd name="connsiteX9" fmla="*/ 60082 w 139039"/>
+              <a:gd name="connsiteY9" fmla="*/ 78957 h 139039"/>
+              <a:gd name="connsiteX10" fmla="*/ 60082 w 139039"/>
+              <a:gd name="connsiteY10" fmla="*/ 129602 h 139039"/>
+              <a:gd name="connsiteX11" fmla="*/ 69520 w 139039"/>
+              <a:gd name="connsiteY11" fmla="*/ 139039 h 139039"/>
+              <a:gd name="connsiteX12" fmla="*/ 78957 w 139039"/>
+              <a:gd name="connsiteY12" fmla="*/ 129602 h 139039"/>
+              <a:gd name="connsiteX13" fmla="*/ 78957 w 139039"/>
+              <a:gd name="connsiteY13" fmla="*/ 78957 h 139039"/>
+              <a:gd name="connsiteX14" fmla="*/ 129602 w 139039"/>
+              <a:gd name="connsiteY14" fmla="*/ 78957 h 139039"/>
+              <a:gd name="connsiteX15" fmla="*/ 139039 w 139039"/>
+              <a:gd name="connsiteY15" fmla="*/ 69520 h 139039"/>
+              <a:gd name="connsiteX16" fmla="*/ 129602 w 139039"/>
+              <a:gd name="connsiteY16" fmla="*/ 60082 h 139039"/>
+            </a:gdLst>
+            <a:ahLst/>
+            <a:cxnLst>
+              <a:cxn ang="0">
+                <a:pos x="connsiteX0" y="connsiteY0"/>
+              </a:cxn>
+              <a:cxn ang="0">
+                <a:pos x="connsiteX1" y="connsiteY1"/>
+              </a:cxn>
+              <a:cxn ang="0">
+                <a:pos x="connsiteX2" y="connsiteY2"/>
+              </a:cxn>
+              <a:cxn ang="0">
+                <a:pos x="connsiteX3" y="connsiteY3"/>
+              </a:cxn>
+              <a:cxn ang="0">
+                <a:pos x="connsiteX4" y="connsiteY4"/>
+              </a:cxn>
+              <a:cxn ang="0">
+                <a:pos x="connsiteX5" y="connsiteY5"/>
+              </a:cxn>
+              <a:cxn ang="0">
+                <a:pos x="connsiteX6" y="connsiteY6"/>
+              </a:cxn>
+              <a:cxn ang="0">
+                <a:pos x="connsiteX7" y="connsiteY7"/>
+              </a:cxn>
+              <a:cxn ang="0">
+                <a:pos x="connsiteX8" y="connsiteY8"/>
+              </a:cxn>
+              <a:cxn ang="0">
+                <a:pos x="connsiteX9" y="connsiteY9"/>
+              </a:cxn>
+              <a:cxn ang="0">
+                <a:pos x="connsiteX10" y="connsiteY10"/>
+              </a:cxn>
+              <a:cxn ang="0">
+                <a:pos x="connsiteX11" y="connsiteY11"/>
+              </a:cxn>
+              <a:cxn ang="0">
+                <a:pos x="connsiteX12" y="connsiteY12"/>
+              </a:cxn>
+              <a:cxn ang="0">
+                <a:pos x="connsiteX13" y="connsiteY13"/>
+              </a:cxn>
+              <a:cxn ang="0">
+                <a:pos x="connsiteX14" y="connsiteY14"/>
+              </a:cxn>
+              <a:cxn ang="0">
+                <a:pos x="connsiteX15" y="connsiteY15"/>
+              </a:cxn>
+              <a:cxn ang="0">
+                <a:pos x="connsiteX16" y="connsiteY16"/>
+              </a:cxn>
+            </a:cxnLst>
+            <a:rect l="l" t="t" r="r" b="b"/>
+            <a:pathLst>
+              <a:path w="139039" h="139039">
+                <a:moveTo>
+                  <a:pt x="129602" y="60082"/>
+                </a:moveTo>
+                <a:lnTo>
+                  <a:pt x="78957" y="60082"/>
+                </a:lnTo>
+                <a:lnTo>
+                  <a:pt x="78957" y="9437"/>
+                </a:lnTo>
+                <a:cubicBezTo>
+                  <a:pt x="78957" y="4225"/>
+                  <a:pt x="74731" y="0"/>
+                  <a:pt x="69520" y="0"/>
+                </a:cubicBezTo>
+                <a:cubicBezTo>
+                  <a:pt x="64308" y="0"/>
+                  <a:pt x="60082" y="4225"/>
+                  <a:pt x="60082" y="9437"/>
+                </a:cubicBezTo>
+                <a:lnTo>
+                  <a:pt x="60082" y="60082"/>
+                </a:lnTo>
+                <a:lnTo>
+                  <a:pt x="9437" y="60082"/>
+                </a:lnTo>
+                <a:cubicBezTo>
+                  <a:pt x="4225" y="60082"/>
+                  <a:pt x="0" y="64308"/>
+                  <a:pt x="0" y="69520"/>
+                </a:cubicBezTo>
+                <a:cubicBezTo>
+                  <a:pt x="0" y="74731"/>
+                  <a:pt x="4225" y="78957"/>
+                  <a:pt x="9437" y="78957"/>
+                </a:cubicBezTo>
+                <a:lnTo>
+                  <a:pt x="60082" y="78957"/>
+                </a:lnTo>
+                <a:lnTo>
+                  <a:pt x="60082" y="129602"/>
+                </a:lnTo>
+                <a:cubicBezTo>
+                  <a:pt x="60082" y="134814"/>
+                  <a:pt x="64308" y="139039"/>
+                  <a:pt x="69520" y="139039"/>
+                </a:cubicBezTo>
+                <a:cubicBezTo>
+                  <a:pt x="74731" y="139039"/>
+                  <a:pt x="78957" y="134814"/>
+                  <a:pt x="78957" y="129602"/>
+                </a:cubicBezTo>
+                <a:lnTo>
+                  <a:pt x="78957" y="78957"/>
+                </a:lnTo>
+                <a:lnTo>
+                  <a:pt x="129602" y="78957"/>
+                </a:lnTo>
+                <a:cubicBezTo>
+                  <a:pt x="134814" y="78957"/>
+                  <a:pt x="139039" y="74731"/>
+                  <a:pt x="139039" y="69520"/>
+                </a:cubicBezTo>
+                <a:cubicBezTo>
+                  <a:pt x="139039" y="64308"/>
+                  <a:pt x="134814" y="60082"/>
+                  <a:pt x="129602" y="60082"/>
+                </a:cubicBezTo>
+                <a:close/>
+              </a:path>
+            </a:pathLst>
+          </a:custGeom>
+          <a:solidFill>
+            <a:schemeClr val="accent4"/>
+          </a:solidFill>
+          <a:ln w="603" cap="flat">
+            <a:noFill/>
+            <a:prstDash val="solid"/>
+            <a:miter/>
+          </a:ln>
+        </p:spPr>
+        <p:txBody>
+          <a:bodyPr rtlCol="0" anchor="ctr"/>
+          <a:lstStyle/>
+          <a:p>
+            <a:endParaRPr lang="en-US"/>
+          </a:p>
+        </p:txBody>
+      </p:sp>
+      <p:sp>
+        <p:nvSpPr>
+          <p:cNvPr id="1045" name="Graphic 10">
+            <a:extLst>
+              <a:ext uri="{FF2B5EF4-FFF2-40B4-BE49-F238E27FC236}">
+                <a16:creationId xmlns:a16="http://schemas.microsoft.com/office/drawing/2014/main" id="{E3020543-B24B-4EC4-8FFC-8DD88EEA91A8}"/>
+              </a:ext>
+              <a:ext uri="{C183D7F6-B498-43B3-948B-1728B52AA6E4}">
+                <adec:decorative xmlns:adec="http://schemas.microsoft.com/office/drawing/2017/decorative" val="1"/>
+              </a:ext>
+            </a:extLst>
+          </p:cNvPr>
+          <p:cNvSpPr>
+            <a:spLocks noGrp="1" noRot="1" noChangeAspect="1" noMove="1" noResize="1" noEditPoints="1" noAdjustHandles="1" noChangeArrowheads="1" noChangeShapeType="1" noTextEdit="1"/>
+          </p:cNvSpPr>
+          <p:nvPr>
+            <p:extLst>
+              <p:ext uri="{386F3935-93C4-4BCD-93E2-E3B085C9AB24}">
+                <p16:designElem xmlns:p16="http://schemas.microsoft.com/office/powerpoint/2015/main" val="1"/>
+              </p:ext>
+            </p:extLst>
+          </p:nvPr>
+        </p:nvSpPr>
+        <p:spPr>
+          <a:xfrm>
+            <a:off x="6484728" y="969611"/>
+            <a:ext cx="91138" cy="91138"/>
+          </a:xfrm>
+          <a:custGeom>
+            <a:avLst/>
+            <a:gdLst>
+              <a:gd name="connsiteX0" fmla="*/ 91138 w 91138"/>
+              <a:gd name="connsiteY0" fmla="*/ 45569 h 91138"/>
+              <a:gd name="connsiteX1" fmla="*/ 45569 w 91138"/>
+              <a:gd name="connsiteY1" fmla="*/ 91138 h 91138"/>
+              <a:gd name="connsiteX2" fmla="*/ 0 w 91138"/>
+              <a:gd name="connsiteY2" fmla="*/ 45569 h 91138"/>
+              <a:gd name="connsiteX3" fmla="*/ 45569 w 91138"/>
+              <a:gd name="connsiteY3" fmla="*/ 0 h 91138"/>
+              <a:gd name="connsiteX4" fmla="*/ 91138 w 91138"/>
+              <a:gd name="connsiteY4" fmla="*/ 45569 h 91138"/>
+            </a:gdLst>
+            <a:ahLst/>
+            <a:cxnLst>
+              <a:cxn ang="0">
+                <a:pos x="connsiteX0" y="connsiteY0"/>
+              </a:cxn>
+              <a:cxn ang="0">
+                <a:pos x="connsiteX1" y="connsiteY1"/>
+              </a:cxn>
+              <a:cxn ang="0">
+                <a:pos x="connsiteX2" y="connsiteY2"/>
+              </a:cxn>
+              <a:cxn ang="0">
+                <a:pos x="connsiteX3" y="connsiteY3"/>
+              </a:cxn>
+              <a:cxn ang="0">
+                <a:pos x="connsiteX4" y="connsiteY4"/>
+              </a:cxn>
+            </a:cxnLst>
+            <a:rect l="l" t="t" r="r" b="b"/>
+            <a:pathLst>
+              <a:path w="91138" h="91138">
+                <a:moveTo>
+                  <a:pt x="91138" y="45569"/>
+                </a:moveTo>
+                <a:cubicBezTo>
+                  <a:pt x="91138" y="70736"/>
+                  <a:pt x="70736" y="91138"/>
+                  <a:pt x="45569" y="91138"/>
+                </a:cubicBezTo>
+                <a:cubicBezTo>
+                  <a:pt x="20402" y="91138"/>
+                  <a:pt x="0" y="70736"/>
+                  <a:pt x="0" y="45569"/>
+                </a:cubicBezTo>
+                <a:cubicBezTo>
+                  <a:pt x="0" y="20402"/>
+                  <a:pt x="20402" y="0"/>
+                  <a:pt x="45569" y="0"/>
+                </a:cubicBezTo>
+                <a:cubicBezTo>
+                  <a:pt x="70736" y="0"/>
+                  <a:pt x="91138" y="20402"/>
+                  <a:pt x="91138" y="45569"/>
+                </a:cubicBezTo>
+                <a:close/>
+              </a:path>
+            </a:pathLst>
+          </a:custGeom>
+          <a:solidFill>
+            <a:schemeClr val="accent4"/>
+          </a:solidFill>
+          <a:ln w="422" cap="flat">
+            <a:noFill/>
+            <a:prstDash val="solid"/>
+            <a:miter/>
+          </a:ln>
+        </p:spPr>
+        <p:txBody>
+          <a:bodyPr rtlCol="0" anchor="ctr"/>
+          <a:lstStyle/>
+          <a:p>
+            <a:endParaRPr lang="en-US"/>
+          </a:p>
+        </p:txBody>
+      </p:sp>
+      <p:sp>
+        <p:nvSpPr>
+          <p:cNvPr id="1046" name="Graphic 12">
+            <a:extLst>
+              <a:ext uri="{FF2B5EF4-FFF2-40B4-BE49-F238E27FC236}">
+                <a16:creationId xmlns:a16="http://schemas.microsoft.com/office/drawing/2014/main" id="{1453BF6C-B012-48B7-B4E8-6D7AC7C27D02}"/>
+              </a:ext>
+              <a:ext uri="{C183D7F6-B498-43B3-948B-1728B52AA6E4}">
+                <adec:decorative xmlns:adec="http://schemas.microsoft.com/office/drawing/2017/decorative" val="1"/>
+              </a:ext>
+            </a:extLst>
+          </p:cNvPr>
+          <p:cNvSpPr>
+            <a:spLocks noGrp="1" noRot="1" noChangeAspect="1" noMove="1" noResize="1" noEditPoints="1" noAdjustHandles="1" noChangeArrowheads="1" noChangeShapeType="1" noTextEdit="1"/>
+          </p:cNvSpPr>
+          <p:nvPr>
+            <p:extLst>
+              <p:ext uri="{386F3935-93C4-4BCD-93E2-E3B085C9AB24}">
+                <p16:designElem xmlns:p16="http://schemas.microsoft.com/office/powerpoint/2015/main" val="1"/>
+              </p:ext>
+            </p:extLst>
+          </p:nvPr>
+        </p:nvSpPr>
+        <p:spPr>
+          <a:xfrm>
+            <a:off x="6110408" y="1484755"/>
+            <a:ext cx="127714" cy="127714"/>
+          </a:xfrm>
+          <a:custGeom>
+            <a:avLst/>
+            <a:gdLst>
+              <a:gd name="connsiteX0" fmla="*/ 63857 w 127714"/>
+              <a:gd name="connsiteY0" fmla="*/ 18874 h 127714"/>
+              <a:gd name="connsiteX1" fmla="*/ 108840 w 127714"/>
+              <a:gd name="connsiteY1" fmla="*/ 63857 h 127714"/>
+              <a:gd name="connsiteX2" fmla="*/ 63857 w 127714"/>
+              <a:gd name="connsiteY2" fmla="*/ 108840 h 127714"/>
+              <a:gd name="connsiteX3" fmla="*/ 18874 w 127714"/>
+              <a:gd name="connsiteY3" fmla="*/ 63857 h 127714"/>
+              <a:gd name="connsiteX4" fmla="*/ 63857 w 127714"/>
+              <a:gd name="connsiteY4" fmla="*/ 18874 h 127714"/>
+              <a:gd name="connsiteX5" fmla="*/ 63857 w 127714"/>
+              <a:gd name="connsiteY5" fmla="*/ 0 h 127714"/>
+              <a:gd name="connsiteX6" fmla="*/ 0 w 127714"/>
+              <a:gd name="connsiteY6" fmla="*/ 63857 h 127714"/>
+              <a:gd name="connsiteX7" fmla="*/ 63857 w 127714"/>
+              <a:gd name="connsiteY7" fmla="*/ 127714 h 127714"/>
+              <a:gd name="connsiteX8" fmla="*/ 127714 w 127714"/>
+              <a:gd name="connsiteY8" fmla="*/ 63857 h 127714"/>
+              <a:gd name="connsiteX9" fmla="*/ 63857 w 127714"/>
+              <a:gd name="connsiteY9" fmla="*/ 0 h 127714"/>
+            </a:gdLst>
+            <a:ahLst/>
+            <a:cxnLst>
+              <a:cxn ang="0">
+                <a:pos x="connsiteX0" y="connsiteY0"/>
+              </a:cxn>
+              <a:cxn ang="0">
+                <a:pos x="connsiteX1" y="connsiteY1"/>
+              </a:cxn>
+              <a:cxn ang="0">
+                <a:pos x="connsiteX2" y="connsiteY2"/>
+              </a:cxn>
+              <a:cxn ang="0">
+                <a:pos x="connsiteX3" y="connsiteY3"/>
+              </a:cxn>
+              <a:cxn ang="0">
+                <a:pos x="connsiteX4" y="connsiteY4"/>
+              </a:cxn>
+              <a:cxn ang="0">
+                <a:pos x="connsiteX5" y="connsiteY5"/>
+              </a:cxn>
+              <a:cxn ang="0">
+                <a:pos x="connsiteX6" y="connsiteY6"/>
+              </a:cxn>
+              <a:cxn ang="0">
+                <a:pos x="connsiteX7" y="connsiteY7"/>
+              </a:cxn>
+              <a:cxn ang="0">
+                <a:pos x="connsiteX8" y="connsiteY8"/>
+              </a:cxn>
+              <a:cxn ang="0">
+                <a:pos x="connsiteX9" y="connsiteY9"/>
+              </a:cxn>
+            </a:cxnLst>
+            <a:rect l="l" t="t" r="r" b="b"/>
+            <a:pathLst>
+              <a:path w="127714" h="127714">
+                <a:moveTo>
+                  <a:pt x="63857" y="18874"/>
+                </a:moveTo>
+                <a:cubicBezTo>
+                  <a:pt x="88700" y="18874"/>
+                  <a:pt x="108840" y="39014"/>
+                  <a:pt x="108840" y="63857"/>
+                </a:cubicBezTo>
+                <a:cubicBezTo>
+                  <a:pt x="108840" y="88700"/>
+                  <a:pt x="88700" y="108840"/>
+                  <a:pt x="63857" y="108840"/>
+                </a:cubicBezTo>
+                <a:cubicBezTo>
+                  <a:pt x="39014" y="108840"/>
+                  <a:pt x="18874" y="88700"/>
+                  <a:pt x="18874" y="63857"/>
+                </a:cubicBezTo>
+                <a:cubicBezTo>
+                  <a:pt x="18898" y="39024"/>
+                  <a:pt x="39024" y="18898"/>
+                  <a:pt x="63857" y="18874"/>
+                </a:cubicBezTo>
+                <a:moveTo>
+                  <a:pt x="63857" y="0"/>
+                </a:moveTo>
+                <a:cubicBezTo>
+                  <a:pt x="28590" y="0"/>
+                  <a:pt x="0" y="28590"/>
+                  <a:pt x="0" y="63857"/>
+                </a:cubicBezTo>
+                <a:cubicBezTo>
+                  <a:pt x="0" y="99124"/>
+                  <a:pt x="28590" y="127714"/>
+                  <a:pt x="63857" y="127714"/>
+                </a:cubicBezTo>
+                <a:cubicBezTo>
+                  <a:pt x="99124" y="127714"/>
+                  <a:pt x="127714" y="99124"/>
+                  <a:pt x="127714" y="63857"/>
+                </a:cubicBezTo>
+                <a:cubicBezTo>
+                  <a:pt x="127714" y="28590"/>
+                  <a:pt x="99124" y="0"/>
+                  <a:pt x="63857" y="0"/>
+                </a:cubicBezTo>
+                <a:close/>
+              </a:path>
+            </a:pathLst>
+          </a:custGeom>
+          <a:solidFill>
+            <a:schemeClr val="accent4"/>
+          </a:solidFill>
+          <a:ln w="610" cap="flat">
+            <a:noFill/>
+            <a:prstDash val="solid"/>
+            <a:miter/>
+          </a:ln>
+        </p:spPr>
+        <p:txBody>
+          <a:bodyPr rtlCol="0" anchor="ctr"/>
+          <a:lstStyle/>
+          <a:p>
+            <a:endParaRPr lang="en-US"/>
+          </a:p>
+        </p:txBody>
+      </p:sp>
+      <p:pic>
+        <p:nvPicPr>
+          <p:cNvPr id="1026" name="Picture 2">
+            <a:extLst>
+              <a:ext uri="{FF2B5EF4-FFF2-40B4-BE49-F238E27FC236}">
+                <a16:creationId xmlns:a16="http://schemas.microsoft.com/office/drawing/2014/main" id="{1AF91B1F-EEA0-4882-B347-A8E6AB4C8EF0}"/>
+              </a:ext>
+            </a:extLst>
+          </p:cNvPr>
+          <p:cNvPicPr>
+            <a:picLocks noChangeAspect="1" noChangeArrowheads="1"/>
+          </p:cNvPicPr>
+          <p:nvPr/>
+        </p:nvPicPr>
+        <p:blipFill>
+          <a:blip r:embed="rId2">
+            <a:extLst>
+              <a:ext uri="{28A0092B-C50C-407E-A947-70E740481C1C}">
+                <a14:useLocalDpi xmlns:a14="http://schemas.microsoft.com/office/drawing/2010/main" val="0"/>
+              </a:ext>
+            </a:extLst>
+          </a:blip>
+          <a:stretch>
+            <a:fillRect/>
+          </a:stretch>
+        </p:blipFill>
+        <p:spPr bwMode="auto">
+          <a:xfrm>
+            <a:off x="735254" y="1811409"/>
+            <a:ext cx="6416503" cy="4857354"/>
+          </a:xfrm>
+          <a:prstGeom prst="rect">
+            <a:avLst/>
+          </a:prstGeom>
+          <a:noFill/>
+          <a:extLst>
+            <a:ext uri="{909E8E84-426E-40DD-AFC4-6F175D3DCCD1}">
+              <a14:hiddenFill xmlns:a14="http://schemas.microsoft.com/office/drawing/2010/main">
+                <a:solidFill>
+                  <a:srgbClr val="FFFFFF"/>
+                </a:solidFill>
+              </a14:hiddenFill>
+            </a:ext>
+          </a:extLst>
+        </p:spPr>
+      </p:pic>
+      <p:sp>
+        <p:nvSpPr>
+          <p:cNvPr id="4" name="Text Placeholder 8">
+            <a:extLst>
+              <a:ext uri="{FF2B5EF4-FFF2-40B4-BE49-F238E27FC236}">
+                <a16:creationId xmlns:a16="http://schemas.microsoft.com/office/drawing/2014/main" id="{900E2F94-F3B5-4A98-A1F7-6DE70C3FB91A}"/>
+              </a:ext>
+            </a:extLst>
+          </p:cNvPr>
+          <p:cNvSpPr txBox="1">
+            <a:spLocks/>
+          </p:cNvSpPr>
+          <p:nvPr/>
+        </p:nvSpPr>
+        <p:spPr>
+          <a:xfrm>
+            <a:off x="7599497" y="1224795"/>
+            <a:ext cx="4124758" cy="5120755"/>
+          </a:xfrm>
+          <a:prstGeom prst="rect">
+            <a:avLst/>
+          </a:prstGeom>
+        </p:spPr>
+        <p:txBody>
+          <a:bodyPr vert="horz" lIns="91440" tIns="45720" rIns="91440" bIns="45720" rtlCol="0" anchor="ctr">
+            <a:normAutofit/>
+          </a:bodyPr>
+          <a:lstStyle>
+            <a:lvl1pPr marL="228600" indent="-228600" algn="l" defTabSz="914400" rtl="0" eaLnBrk="1" latinLnBrk="0" hangingPunct="1">
+              <a:lnSpc>
+                <a:spcPct val="90000"/>
+              </a:lnSpc>
+              <a:spcBef>
+                <a:spcPts val="1000"/>
+              </a:spcBef>
+              <a:buFont typeface="Arial" panose="020B0604020202020204" pitchFamily="34" charset="0"/>
+              <a:buChar char="•"/>
+              <a:defRPr sz="2800" kern="1200">
+                <a:solidFill>
+                  <a:schemeClr val="tx1"/>
+                </a:solidFill>
+                <a:latin typeface="+mn-lt"/>
+                <a:ea typeface="+mn-ea"/>
+                <a:cs typeface="+mn-cs"/>
+              </a:defRPr>
+            </a:lvl1pPr>
+            <a:lvl2pPr marL="685800" indent="-228600" algn="l" defTabSz="914400" rtl="0" eaLnBrk="1" latinLnBrk="0" hangingPunct="1">
+              <a:lnSpc>
+                <a:spcPct val="90000"/>
+              </a:lnSpc>
+              <a:spcBef>
+                <a:spcPts val="500"/>
+              </a:spcBef>
+              <a:buFont typeface="Arial" panose="020B0604020202020204" pitchFamily="34" charset="0"/>
+              <a:buChar char="•"/>
+              <a:defRPr sz="2400" kern="1200">
+                <a:solidFill>
+                  <a:schemeClr val="tx1"/>
+                </a:solidFill>
+                <a:latin typeface="+mn-lt"/>
+                <a:ea typeface="+mn-ea"/>
+                <a:cs typeface="+mn-cs"/>
+              </a:defRPr>
+            </a:lvl2pPr>
+            <a:lvl3pPr marL="1143000" indent="-228600" algn="l" defTabSz="914400" rtl="0" eaLnBrk="1" latinLnBrk="0" hangingPunct="1">
+              <a:lnSpc>
+                <a:spcPct val="90000"/>
+              </a:lnSpc>
+              <a:spcBef>
+                <a:spcPts val="500"/>
+              </a:spcBef>
+              <a:buFont typeface="Arial" panose="020B0604020202020204" pitchFamily="34" charset="0"/>
+              <a:buChar char="•"/>
+              <a:defRPr sz="2000" kern="1200">
+                <a:solidFill>
+                  <a:schemeClr val="tx1"/>
+                </a:solidFill>
+                <a:latin typeface="+mn-lt"/>
+                <a:ea typeface="+mn-ea"/>
+                <a:cs typeface="+mn-cs"/>
+              </a:defRPr>
+            </a:lvl3pPr>
+            <a:lvl4pPr marL="1600200" indent="-228600" algn="l" defTabSz="914400" rtl="0" eaLnBrk="1" latinLnBrk="0" hangingPunct="1">
+              <a:lnSpc>
+                <a:spcPct val="90000"/>
+              </a:lnSpc>
+              <a:spcBef>
+                <a:spcPts val="500"/>
+              </a:spcBef>
+              <a:buFont typeface="Arial" panose="020B0604020202020204" pitchFamily="34" charset="0"/>
+              <a:buChar char="•"/>
+              <a:defRPr sz="1800" kern="1200">
+                <a:solidFill>
+                  <a:schemeClr val="tx1"/>
+                </a:solidFill>
+                <a:latin typeface="+mn-lt"/>
+                <a:ea typeface="+mn-ea"/>
+                <a:cs typeface="+mn-cs"/>
+              </a:defRPr>
+            </a:lvl4pPr>
+            <a:lvl5pPr marL="2057400" indent="-228600" algn="l" defTabSz="914400" rtl="0" eaLnBrk="1" latinLnBrk="0" hangingPunct="1">
+              <a:lnSpc>
+                <a:spcPct val="90000"/>
+              </a:lnSpc>
+              <a:spcBef>
+                <a:spcPts val="500"/>
+              </a:spcBef>
+              <a:buFont typeface="Arial" panose="020B0604020202020204" pitchFamily="34" charset="0"/>
+              <a:buChar char="•"/>
+              <a:defRPr sz="1800" kern="1200">
+                <a:solidFill>
+                  <a:schemeClr val="tx1"/>
+                </a:solidFill>
+                <a:latin typeface="+mn-lt"/>
+                <a:ea typeface="+mn-ea"/>
+                <a:cs typeface="+mn-cs"/>
+              </a:defRPr>
+            </a:lvl5pPr>
+            <a:lvl6pPr marL="2514600" indent="-228600" algn="l" defTabSz="914400" rtl="0" eaLnBrk="1" latinLnBrk="0" hangingPunct="1">
+              <a:lnSpc>
+                <a:spcPct val="90000"/>
+              </a:lnSpc>
+              <a:spcBef>
+                <a:spcPts val="500"/>
+              </a:spcBef>
+              <a:buFont typeface="Arial" panose="020B0604020202020204" pitchFamily="34" charset="0"/>
+              <a:buChar char="•"/>
+              <a:defRPr sz="1800" kern="1200">
+                <a:solidFill>
+                  <a:schemeClr val="tx1"/>
+                </a:solidFill>
+                <a:latin typeface="+mn-lt"/>
+                <a:ea typeface="+mn-ea"/>
+                <a:cs typeface="+mn-cs"/>
+              </a:defRPr>
+            </a:lvl6pPr>
+            <a:lvl7pPr marL="2971800" indent="-228600" algn="l" defTabSz="914400" rtl="0" eaLnBrk="1" latinLnBrk="0" hangingPunct="1">
+              <a:lnSpc>
+                <a:spcPct val="90000"/>
+              </a:lnSpc>
+              <a:spcBef>
+                <a:spcPts val="500"/>
+              </a:spcBef>
+              <a:buFont typeface="Arial" panose="020B0604020202020204" pitchFamily="34" charset="0"/>
+              <a:buChar char="•"/>
+              <a:defRPr sz="1800" kern="1200">
+                <a:solidFill>
+                  <a:schemeClr val="tx1"/>
+                </a:solidFill>
+                <a:latin typeface="+mn-lt"/>
+                <a:ea typeface="+mn-ea"/>
+                <a:cs typeface="+mn-cs"/>
+              </a:defRPr>
+            </a:lvl7pPr>
+            <a:lvl8pPr marL="3429000" indent="-228600" algn="l" defTabSz="914400" rtl="0" eaLnBrk="1" latinLnBrk="0" hangingPunct="1">
+              <a:lnSpc>
+                <a:spcPct val="90000"/>
+              </a:lnSpc>
+              <a:spcBef>
+                <a:spcPts val="500"/>
+              </a:spcBef>
+              <a:buFont typeface="Arial" panose="020B0604020202020204" pitchFamily="34" charset="0"/>
+              <a:buChar char="•"/>
+              <a:defRPr sz="1800" kern="1200">
+                <a:solidFill>
+                  <a:schemeClr val="tx1"/>
+                </a:solidFill>
+                <a:latin typeface="+mn-lt"/>
+                <a:ea typeface="+mn-ea"/>
+                <a:cs typeface="+mn-cs"/>
+              </a:defRPr>
+            </a:lvl8pPr>
+            <a:lvl9pPr marL="3886200" indent="-228600" algn="l" defTabSz="914400" rtl="0" eaLnBrk="1" latinLnBrk="0" hangingPunct="1">
+              <a:lnSpc>
+                <a:spcPct val="90000"/>
+              </a:lnSpc>
+              <a:spcBef>
+                <a:spcPts val="500"/>
+              </a:spcBef>
+              <a:buFont typeface="Arial" panose="020B0604020202020204" pitchFamily="34" charset="0"/>
+              <a:buChar char="•"/>
+              <a:defRPr sz="1800" kern="1200">
+                <a:solidFill>
+                  <a:schemeClr val="tx1"/>
+                </a:solidFill>
+                <a:latin typeface="+mn-lt"/>
+                <a:ea typeface="+mn-ea"/>
+                <a:cs typeface="+mn-cs"/>
+              </a:defRPr>
+            </a:lvl9pPr>
+          </a:lstStyle>
+          <a:p>
+            <a:pPr marL="285750"/>
+            <a:r>
+              <a:rPr lang="en-US" sz="1800" dirty="0"/>
+              <a:t>The correlation heatmap shows strong correlation on obvious variables such as $ spend and quantity. </a:t>
+            </a:r>
+          </a:p>
+          <a:p>
+            <a:pPr marL="285750"/>
+            <a:r>
+              <a:rPr lang="en-US" sz="1800" dirty="0"/>
+              <a:t>However, an interesting variable is between </a:t>
+            </a:r>
+          </a:p>
+          <a:p>
+            <a:pPr marL="742950" lvl="1"/>
+            <a:r>
+              <a:rPr lang="en-US" sz="1400" dirty="0"/>
+              <a:t>Positive: No. of products (Count of Stock Codes) and Days</a:t>
+            </a:r>
+          </a:p>
+          <a:p>
+            <a:pPr marL="742950" lvl="1"/>
+            <a:r>
+              <a:rPr lang="en-US" sz="1400" dirty="0"/>
+              <a:t>Negative: Average invoice cost and Unit Price</a:t>
+            </a:r>
+          </a:p>
+          <a:p>
+            <a:pPr marL="342900" indent="-285750">
+              <a:buFont typeface="Wingdings" panose="05000000000000000000" pitchFamily="2" charset="2"/>
+              <a:buChar char="v"/>
+            </a:pPr>
+            <a:r>
+              <a:rPr lang="en-US" sz="1800" dirty="0"/>
+              <a:t>Therefore, we can include that higher value customer are purchasing low price items frequently, but not expensive products.</a:t>
+            </a:r>
+          </a:p>
+          <a:p>
+            <a:pPr marL="742950" lvl="1"/>
+            <a:endParaRPr lang="en-US" sz="1400" dirty="0"/>
+          </a:p>
+          <a:p>
+            <a:pPr marL="285750"/>
+            <a:endParaRPr lang="en-US" sz="1800" dirty="0"/>
+          </a:p>
+        </p:txBody>
+      </p:sp>
+    </p:spTree>
+    <p:extLst>
+      <p:ext uri="{BB962C8B-B14F-4D97-AF65-F5344CB8AC3E}">
+        <p14:creationId xmlns:p14="http://schemas.microsoft.com/office/powerpoint/2010/main" val="4013844913"/>
+      </p:ext>
+    </p:extLst>
+  </p:cSld>
+  <p:clrMapOvr>
+    <a:masterClrMapping/>
+  </p:clrMapOvr>
+</p:sld>
+</file>
+
 <file path=ppt/slides/slide2.xml><?xml version="1.0" encoding="utf-8"?>
+<p:sld xmlns:a="http://schemas.openxmlformats.org/drawingml/2006/main" xmlns:r="http://schemas.openxmlformats.org/officeDocument/2006/relationships" xmlns:p="http://schemas.openxmlformats.org/presentationml/2006/main">
+  <p:cSld>
+    <p:spTree>
+      <p:nvGrpSpPr>
+        <p:cNvPr id="1" name=""/>
+        <p:cNvGrpSpPr/>
+        <p:nvPr/>
+      </p:nvGrpSpPr>
+      <p:grpSpPr>
+        <a:xfrm>
+          <a:off x="0" y="0"/>
+          <a:ext cx="0" cy="0"/>
+          <a:chOff x="0" y="0"/>
+          <a:chExt cx="0" cy="0"/>
+        </a:xfrm>
+      </p:grpSpPr>
+      <p:grpSp>
+        <p:nvGrpSpPr>
+          <p:cNvPr id="12" name="Group 11">
+            <a:extLst>
+              <a:ext uri="{FF2B5EF4-FFF2-40B4-BE49-F238E27FC236}">
+                <a16:creationId xmlns:a16="http://schemas.microsoft.com/office/drawing/2014/main" id="{5192EBD5-AFD4-49A9-A527-EF166EF365E3}"/>
+              </a:ext>
+            </a:extLst>
+          </p:cNvPr>
+          <p:cNvGrpSpPr/>
+          <p:nvPr/>
+        </p:nvGrpSpPr>
+        <p:grpSpPr>
+          <a:xfrm>
+            <a:off x="2390774" y="1552575"/>
+            <a:ext cx="6938009" cy="4699476"/>
+            <a:chOff x="2946399" y="1216973"/>
+            <a:chExt cx="7325360" cy="5425603"/>
+          </a:xfrm>
+        </p:grpSpPr>
+        <p:sp>
+          <p:nvSpPr>
+            <p:cNvPr id="3" name="Rectangle 2">
+              <a:extLst>
+                <a:ext uri="{FF2B5EF4-FFF2-40B4-BE49-F238E27FC236}">
+                  <a16:creationId xmlns:a16="http://schemas.microsoft.com/office/drawing/2014/main" id="{2DD4E6F0-BB4C-4EA6-92D2-88AF8CCE9FC3}"/>
+                </a:ext>
+              </a:extLst>
+            </p:cNvPr>
+            <p:cNvSpPr/>
+            <p:nvPr/>
+          </p:nvSpPr>
+          <p:spPr>
+            <a:xfrm>
+              <a:off x="3048000" y="3780254"/>
+              <a:ext cx="6096000" cy="2862322"/>
+            </a:xfrm>
+            <a:prstGeom prst="rect">
+              <a:avLst/>
+            </a:prstGeom>
+          </p:spPr>
+          <p:txBody>
+            <a:bodyPr>
+              <a:spAutoFit/>
+            </a:bodyPr>
+            <a:lstStyle/>
+            <a:p>
+              <a:r>
+                <a:rPr lang="en-US" dirty="0" err="1">
+                  <a:solidFill>
+                    <a:srgbClr val="000000"/>
+                  </a:solidFill>
+                  <a:latin typeface="Courier New" panose="02070309020205020404" pitchFamily="49" charset="0"/>
+                </a:rPr>
+                <a:t>InvoiceNo</a:t>
+              </a:r>
+              <a:r>
+                <a:rPr lang="en-US" dirty="0">
+                  <a:solidFill>
+                    <a:srgbClr val="000000"/>
+                  </a:solidFill>
+                  <a:latin typeface="Courier New" panose="02070309020205020404" pitchFamily="49" charset="0"/>
+                </a:rPr>
+                <a:t>   </a:t>
+              </a:r>
+            </a:p>
+            <a:p>
+              <a:r>
+                <a:rPr lang="en-US" dirty="0" err="1">
+                  <a:solidFill>
+                    <a:srgbClr val="000000"/>
+                  </a:solidFill>
+                  <a:latin typeface="Courier New" panose="02070309020205020404" pitchFamily="49" charset="0"/>
+                </a:rPr>
+                <a:t>StockCode</a:t>
+              </a:r>
+              <a:r>
+                <a:rPr lang="en-US" dirty="0">
+                  <a:solidFill>
+                    <a:srgbClr val="000000"/>
+                  </a:solidFill>
+                  <a:latin typeface="Courier New" panose="02070309020205020404" pitchFamily="49" charset="0"/>
+                </a:rPr>
+                <a:t>  </a:t>
+              </a:r>
+            </a:p>
+            <a:p>
+              <a:r>
+                <a:rPr lang="en-US" dirty="0">
+                  <a:solidFill>
+                    <a:srgbClr val="000000"/>
+                  </a:solidFill>
+                  <a:latin typeface="Courier New" panose="02070309020205020404" pitchFamily="49" charset="0"/>
+                </a:rPr>
+                <a:t>Description  </a:t>
+              </a:r>
+            </a:p>
+            <a:p>
+              <a:r>
+                <a:rPr lang="en-US" dirty="0">
+                  <a:solidFill>
+                    <a:srgbClr val="000000"/>
+                  </a:solidFill>
+                  <a:latin typeface="Courier New" panose="02070309020205020404" pitchFamily="49" charset="0"/>
+                </a:rPr>
+                <a:t>Quantity  </a:t>
+              </a:r>
+            </a:p>
+            <a:p>
+              <a:r>
+                <a:rPr lang="en-US" dirty="0" err="1">
+                  <a:solidFill>
+                    <a:srgbClr val="000000"/>
+                  </a:solidFill>
+                  <a:latin typeface="Courier New" panose="02070309020205020404" pitchFamily="49" charset="0"/>
+                </a:rPr>
+                <a:t>InvoiceDate</a:t>
+              </a:r>
+              <a:endParaRPr lang="en-US" dirty="0">
+                <a:solidFill>
+                  <a:srgbClr val="000000"/>
+                </a:solidFill>
+                <a:latin typeface="Courier New" panose="02070309020205020404" pitchFamily="49" charset="0"/>
+              </a:endParaRPr>
+            </a:p>
+            <a:p>
+              <a:r>
+                <a:rPr lang="en-US" dirty="0" err="1">
+                  <a:solidFill>
+                    <a:srgbClr val="000000"/>
+                  </a:solidFill>
+                  <a:latin typeface="Courier New" panose="02070309020205020404" pitchFamily="49" charset="0"/>
+                </a:rPr>
+                <a:t>UnitPrice</a:t>
+              </a:r>
+              <a:endParaRPr lang="en-US" dirty="0">
+                <a:solidFill>
+                  <a:srgbClr val="000000"/>
+                </a:solidFill>
+                <a:latin typeface="Courier New" panose="02070309020205020404" pitchFamily="49" charset="0"/>
+              </a:endParaRPr>
+            </a:p>
+            <a:p>
+              <a:r>
+                <a:rPr lang="en-US" dirty="0" err="1">
+                  <a:solidFill>
+                    <a:srgbClr val="000000"/>
+                  </a:solidFill>
+                  <a:latin typeface="Courier New" panose="02070309020205020404" pitchFamily="49" charset="0"/>
+                </a:rPr>
+                <a:t>CustomerID</a:t>
+              </a:r>
+              <a:endParaRPr lang="en-US" dirty="0">
+                <a:solidFill>
+                  <a:srgbClr val="000000"/>
+                </a:solidFill>
+                <a:latin typeface="Courier New" panose="02070309020205020404" pitchFamily="49" charset="0"/>
+              </a:endParaRPr>
+            </a:p>
+            <a:p>
+              <a:r>
+                <a:rPr lang="en-US" dirty="0">
+                  <a:solidFill>
+                    <a:srgbClr val="000000"/>
+                  </a:solidFill>
+                  <a:latin typeface="Courier New" panose="02070309020205020404" pitchFamily="49" charset="0"/>
+                </a:rPr>
+                <a:t>Country</a:t>
+              </a:r>
+            </a:p>
+            <a:p>
+              <a:endParaRPr lang="en-US" dirty="0">
+                <a:solidFill>
+                  <a:srgbClr val="000000"/>
+                </a:solidFill>
+                <a:latin typeface="Courier New" panose="02070309020205020404" pitchFamily="49" charset="0"/>
+              </a:endParaRPr>
+            </a:p>
+            <a:p>
+              <a:r>
+                <a:rPr lang="en-US" dirty="0">
+                  <a:solidFill>
+                    <a:srgbClr val="000000"/>
+                  </a:solidFill>
+                  <a:latin typeface="Courier New" panose="02070309020205020404" pitchFamily="49" charset="0"/>
+                </a:rPr>
+                <a:t>Number of countries 38</a:t>
+              </a:r>
+              <a:endParaRPr lang="en-US" dirty="0"/>
+            </a:p>
+          </p:txBody>
+        </p:sp>
+        <p:sp>
+          <p:nvSpPr>
+            <p:cNvPr id="4" name="TextBox 3">
+              <a:extLst>
+                <a:ext uri="{FF2B5EF4-FFF2-40B4-BE49-F238E27FC236}">
+                  <a16:creationId xmlns:a16="http://schemas.microsoft.com/office/drawing/2014/main" id="{FCB3AE59-7EB4-46A2-845F-7C2229472209}"/>
+                </a:ext>
+              </a:extLst>
+            </p:cNvPr>
+            <p:cNvSpPr txBox="1"/>
+            <p:nvPr/>
+          </p:nvSpPr>
+          <p:spPr>
+            <a:xfrm>
+              <a:off x="2946399" y="3196977"/>
+              <a:ext cx="2146742" cy="646331"/>
+            </a:xfrm>
+            <a:prstGeom prst="rect">
+              <a:avLst/>
+            </a:prstGeom>
+            <a:noFill/>
+          </p:spPr>
+          <p:txBody>
+            <a:bodyPr wrap="none" rtlCol="0">
+              <a:spAutoFit/>
+            </a:bodyPr>
+            <a:lstStyle/>
+            <a:p>
+              <a:endParaRPr lang="en-US" dirty="0"/>
+            </a:p>
+            <a:p>
+              <a:r>
+                <a:rPr lang="en-US" dirty="0"/>
+                <a:t>Dataset Variables:</a:t>
+              </a:r>
+            </a:p>
+          </p:txBody>
+        </p:sp>
+        <p:sp>
+          <p:nvSpPr>
+            <p:cNvPr id="5" name="Rectangle 4">
+              <a:extLst>
+                <a:ext uri="{FF2B5EF4-FFF2-40B4-BE49-F238E27FC236}">
+                  <a16:creationId xmlns:a16="http://schemas.microsoft.com/office/drawing/2014/main" id="{8B2A107B-6AF2-4B2F-815D-CC4451E6A4E9}"/>
+                </a:ext>
+              </a:extLst>
+            </p:cNvPr>
+            <p:cNvSpPr/>
+            <p:nvPr/>
+          </p:nvSpPr>
+          <p:spPr>
+            <a:xfrm>
+              <a:off x="3017520" y="2806591"/>
+              <a:ext cx="6096000" cy="369332"/>
+            </a:xfrm>
+            <a:prstGeom prst="rect">
+              <a:avLst/>
+            </a:prstGeom>
+          </p:spPr>
+          <p:txBody>
+            <a:bodyPr>
+              <a:spAutoFit/>
+            </a:bodyPr>
+            <a:lstStyle/>
+            <a:p>
+              <a:r>
+                <a:rPr lang="en-US" dirty="0">
+                  <a:solidFill>
+                    <a:srgbClr val="000000"/>
+                  </a:solidFill>
+                  <a:latin typeface="Courier New" panose="02070309020205020404" pitchFamily="49" charset="0"/>
+                </a:rPr>
+                <a:t>2011 full year </a:t>
+              </a:r>
+              <a:endParaRPr lang="en-US" dirty="0"/>
+            </a:p>
+          </p:txBody>
+        </p:sp>
+        <p:sp>
+          <p:nvSpPr>
+            <p:cNvPr id="6" name="TextBox 5">
+              <a:extLst>
+                <a:ext uri="{FF2B5EF4-FFF2-40B4-BE49-F238E27FC236}">
+                  <a16:creationId xmlns:a16="http://schemas.microsoft.com/office/drawing/2014/main" id="{8C5211D9-CBA9-481D-994F-E9A1F0491D27}"/>
+                </a:ext>
+              </a:extLst>
+            </p:cNvPr>
+            <p:cNvSpPr txBox="1"/>
+            <p:nvPr/>
+          </p:nvSpPr>
+          <p:spPr>
+            <a:xfrm>
+              <a:off x="2946399" y="2232249"/>
+              <a:ext cx="2839239" cy="646331"/>
+            </a:xfrm>
+            <a:prstGeom prst="rect">
+              <a:avLst/>
+            </a:prstGeom>
+            <a:noFill/>
+          </p:spPr>
+          <p:txBody>
+            <a:bodyPr wrap="none" rtlCol="0">
+              <a:spAutoFit/>
+            </a:bodyPr>
+            <a:lstStyle/>
+            <a:p>
+              <a:endParaRPr lang="en-US" dirty="0"/>
+            </a:p>
+            <a:p>
+              <a:r>
+                <a:rPr lang="en-US" dirty="0"/>
+                <a:t>Transaction Time Frame</a:t>
+              </a:r>
+            </a:p>
+          </p:txBody>
+        </p:sp>
+        <p:sp>
+          <p:nvSpPr>
+            <p:cNvPr id="9" name="Rectangle 8">
+              <a:extLst>
+                <a:ext uri="{FF2B5EF4-FFF2-40B4-BE49-F238E27FC236}">
+                  <a16:creationId xmlns:a16="http://schemas.microsoft.com/office/drawing/2014/main" id="{47022A10-FB15-41D8-A872-DF7103F82A67}"/>
+                </a:ext>
+              </a:extLst>
+            </p:cNvPr>
+            <p:cNvSpPr/>
+            <p:nvPr/>
+          </p:nvSpPr>
+          <p:spPr>
+            <a:xfrm>
+              <a:off x="2991638" y="1820770"/>
+              <a:ext cx="7280121" cy="369332"/>
+            </a:xfrm>
+            <a:prstGeom prst="rect">
+              <a:avLst/>
+            </a:prstGeom>
+          </p:spPr>
+          <p:txBody>
+            <a:bodyPr wrap="square">
+              <a:spAutoFit/>
+            </a:bodyPr>
+            <a:lstStyle/>
+            <a:p>
+              <a:r>
+                <a:rPr lang="en-US" dirty="0">
+                  <a:solidFill>
+                    <a:srgbClr val="000000"/>
+                  </a:solidFill>
+                  <a:latin typeface="Courier New" panose="02070309020205020404" pitchFamily="49" charset="0"/>
+                </a:rPr>
+                <a:t>Dataset of e-commerce retail transactions in 2011</a:t>
+              </a:r>
+              <a:endParaRPr lang="en-US" dirty="0"/>
+            </a:p>
+          </p:txBody>
+        </p:sp>
+        <p:sp>
+          <p:nvSpPr>
+            <p:cNvPr id="10" name="TextBox 9">
+              <a:extLst>
+                <a:ext uri="{FF2B5EF4-FFF2-40B4-BE49-F238E27FC236}">
+                  <a16:creationId xmlns:a16="http://schemas.microsoft.com/office/drawing/2014/main" id="{28307355-A19D-49AD-BB15-23926FAB65AB}"/>
+                </a:ext>
+              </a:extLst>
+            </p:cNvPr>
+            <p:cNvSpPr txBox="1"/>
+            <p:nvPr/>
+          </p:nvSpPr>
+          <p:spPr>
+            <a:xfrm>
+              <a:off x="2946399" y="1216973"/>
+              <a:ext cx="1428596" cy="646331"/>
+            </a:xfrm>
+            <a:prstGeom prst="rect">
+              <a:avLst/>
+            </a:prstGeom>
+            <a:noFill/>
+          </p:spPr>
+          <p:txBody>
+            <a:bodyPr wrap="none" rtlCol="0">
+              <a:spAutoFit/>
+            </a:bodyPr>
+            <a:lstStyle/>
+            <a:p>
+              <a:endParaRPr lang="en-US" dirty="0"/>
+            </a:p>
+            <a:p>
+              <a:r>
+                <a:rPr lang="en-US" dirty="0"/>
+                <a:t>Description</a:t>
+              </a:r>
+            </a:p>
+          </p:txBody>
+        </p:sp>
+      </p:grpSp>
+      <p:sp>
+        <p:nvSpPr>
+          <p:cNvPr id="11" name="Title 10">
+            <a:extLst>
+              <a:ext uri="{FF2B5EF4-FFF2-40B4-BE49-F238E27FC236}">
+                <a16:creationId xmlns:a16="http://schemas.microsoft.com/office/drawing/2014/main" id="{0AADD2D4-0AF4-4058-B252-22C92B069DDB}"/>
+              </a:ext>
+            </a:extLst>
+          </p:cNvPr>
+          <p:cNvSpPr>
+            <a:spLocks noGrp="1"/>
+          </p:cNvSpPr>
+          <p:nvPr>
+            <p:ph type="title"/>
+          </p:nvPr>
+        </p:nvSpPr>
+        <p:spPr>
+          <a:xfrm>
+            <a:off x="709930" y="157187"/>
+            <a:ext cx="10515600" cy="1325563"/>
+          </a:xfrm>
+        </p:spPr>
+        <p:txBody>
+          <a:bodyPr/>
+          <a:lstStyle/>
+          <a:p>
+            <a:r>
+              <a:rPr lang="en-US" dirty="0"/>
+              <a:t>Objective: Online Retail Customer Lifetime Value Calculation </a:t>
+            </a:r>
+          </a:p>
+        </p:txBody>
+      </p:sp>
+    </p:spTree>
+    <p:extLst>
+      <p:ext uri="{BB962C8B-B14F-4D97-AF65-F5344CB8AC3E}">
+        <p14:creationId xmlns:p14="http://schemas.microsoft.com/office/powerpoint/2010/main" val="2749445035"/>
+      </p:ext>
+    </p:extLst>
+  </p:cSld>
+  <p:clrMapOvr>
+    <a:masterClrMapping/>
+  </p:clrMapOvr>
+</p:sld>
+</file>
+
+<file path=ppt/slides/slide3.xml><?xml version="1.0" encoding="utf-8"?>
 <p:sld xmlns:a="http://schemas.openxmlformats.org/drawingml/2006/main" xmlns:r="http://schemas.openxmlformats.org/officeDocument/2006/relationships" xmlns:p="http://schemas.openxmlformats.org/presentationml/2006/main">
   <p:cSld>
     <p:bg>
@@ -5505,7 +8185,2743 @@
 </p:sld>
 </file>
 
-<file path=ppt/slides/slide3.xml><?xml version="1.0" encoding="utf-8"?>
+<file path=ppt/slides/slide4.xml><?xml version="1.0" encoding="utf-8"?>
+<p:sld xmlns:a="http://schemas.openxmlformats.org/drawingml/2006/main" xmlns:r="http://schemas.openxmlformats.org/officeDocument/2006/relationships" xmlns:p="http://schemas.openxmlformats.org/presentationml/2006/main">
+  <p:cSld>
+    <p:bg>
+      <p:bgPr>
+        <a:solidFill>
+          <a:schemeClr val="bg1"/>
+        </a:solidFill>
+        <a:effectLst/>
+      </p:bgPr>
+    </p:bg>
+    <p:spTree>
+      <p:nvGrpSpPr>
+        <p:cNvPr id="1" name=""/>
+        <p:cNvGrpSpPr/>
+        <p:nvPr/>
+      </p:nvGrpSpPr>
+      <p:grpSpPr>
+        <a:xfrm>
+          <a:off x="0" y="0"/>
+          <a:ext cx="0" cy="0"/>
+          <a:chOff x="0" y="0"/>
+          <a:chExt cx="0" cy="0"/>
+        </a:xfrm>
+      </p:grpSpPr>
+      <p:cxnSp>
+        <p:nvCxnSpPr>
+          <p:cNvPr id="72" name="Straight Connector 71">
+            <a:extLst>
+              <a:ext uri="{FF2B5EF4-FFF2-40B4-BE49-F238E27FC236}">
+                <a16:creationId xmlns:a16="http://schemas.microsoft.com/office/drawing/2014/main" id="{5C05CAAB-DBA2-4548-AD5F-01BB97FBB207}"/>
+              </a:ext>
+              <a:ext uri="{C183D7F6-B498-43B3-948B-1728B52AA6E4}">
+                <adec:decorative xmlns:adec="http://schemas.microsoft.com/office/drawing/2017/decorative" val="1"/>
+              </a:ext>
+            </a:extLst>
+          </p:cNvPr>
+          <p:cNvCxnSpPr>
+            <a:cxnSpLocks noGrp="1" noRot="1" noChangeAspect="1" noMove="1" noResize="1" noEditPoints="1" noAdjustHandles="1" noChangeArrowheads="1" noChangeShapeType="1"/>
+          </p:cNvCxnSpPr>
+          <p:nvPr>
+            <p:extLst>
+              <p:ext uri="{386F3935-93C4-4BCD-93E2-E3B085C9AB24}">
+                <p16:designElem xmlns:p16="http://schemas.microsoft.com/office/powerpoint/2015/main" val="1"/>
+              </p:ext>
+            </p:extLst>
+          </p:nvPr>
+        </p:nvCxnSpPr>
+        <p:spPr>
+          <a:xfrm>
+            <a:off x="715890" y="356812"/>
+            <a:ext cx="0" cy="6492875"/>
+          </a:xfrm>
+          <a:prstGeom prst="line">
+            <a:avLst/>
+          </a:prstGeom>
+          <a:ln w="25400" cap="sq">
+            <a:gradFill flip="none" rotWithShape="1">
+              <a:gsLst>
+                <a:gs pos="0">
+                  <a:schemeClr val="accent2"/>
+                </a:gs>
+                <a:gs pos="100000">
+                  <a:schemeClr val="accent4"/>
+                </a:gs>
+              </a:gsLst>
+              <a:lin ang="16200000" scaled="1"/>
+              <a:tileRect/>
+            </a:gradFill>
+            <a:bevel/>
+          </a:ln>
+        </p:spPr>
+        <p:style>
+          <a:lnRef idx="1">
+            <a:schemeClr val="accent1"/>
+          </a:lnRef>
+          <a:fillRef idx="0">
+            <a:schemeClr val="accent1"/>
+          </a:fillRef>
+          <a:effectRef idx="0">
+            <a:schemeClr val="accent1"/>
+          </a:effectRef>
+          <a:fontRef idx="minor">
+            <a:schemeClr val="tx1"/>
+          </a:fontRef>
+        </p:style>
+      </p:cxnSp>
+      <p:sp useBgFill="1">
+        <p:nvSpPr>
+          <p:cNvPr id="74" name="Rectangle 73">
+            <a:extLst>
+              <a:ext uri="{FF2B5EF4-FFF2-40B4-BE49-F238E27FC236}">
+                <a16:creationId xmlns:a16="http://schemas.microsoft.com/office/drawing/2014/main" id="{8D1AA55E-40D5-461B-A5A8-4AE8AAB71B08}"/>
+              </a:ext>
+              <a:ext uri="{C183D7F6-B498-43B3-948B-1728B52AA6E4}">
+                <adec:decorative xmlns:adec="http://schemas.microsoft.com/office/drawing/2017/decorative" val="1"/>
+              </a:ext>
+            </a:extLst>
+          </p:cNvPr>
+          <p:cNvSpPr>
+            <a:spLocks noGrp="1" noRot="1" noChangeAspect="1" noMove="1" noResize="1" noEditPoints="1" noAdjustHandles="1" noChangeArrowheads="1" noChangeShapeType="1" noTextEdit="1"/>
+          </p:cNvSpPr>
+          <p:nvPr>
+            <p:extLst>
+              <p:ext uri="{386F3935-93C4-4BCD-93E2-E3B085C9AB24}">
+                <p16:designElem xmlns:p16="http://schemas.microsoft.com/office/powerpoint/2015/main" val="1"/>
+              </p:ext>
+            </p:extLst>
+          </p:nvPr>
+        </p:nvSpPr>
+        <p:spPr>
+          <a:xfrm>
+            <a:off x="0" y="0"/>
+            <a:ext cx="12192000" cy="6858000"/>
+          </a:xfrm>
+          <a:prstGeom prst="rect">
+            <a:avLst/>
+          </a:prstGeom>
+          <a:ln>
+            <a:noFill/>
+          </a:ln>
+        </p:spPr>
+        <p:style>
+          <a:lnRef idx="2">
+            <a:schemeClr val="accent1">
+              <a:shade val="50000"/>
+            </a:schemeClr>
+          </a:lnRef>
+          <a:fillRef idx="1">
+            <a:schemeClr val="accent1"/>
+          </a:fillRef>
+          <a:effectRef idx="0">
+            <a:schemeClr val="accent1"/>
+          </a:effectRef>
+          <a:fontRef idx="minor">
+            <a:schemeClr val="lt1"/>
+          </a:fontRef>
+        </p:style>
+        <p:txBody>
+          <a:bodyPr rtlCol="0" anchor="ctr"/>
+          <a:lstStyle/>
+          <a:p>
+            <a:pPr algn="ctr"/>
+            <a:endParaRPr lang="en-US"/>
+          </a:p>
+        </p:txBody>
+      </p:sp>
+      <p:sp>
+        <p:nvSpPr>
+          <p:cNvPr id="3" name="Title 2">
+            <a:extLst>
+              <a:ext uri="{FF2B5EF4-FFF2-40B4-BE49-F238E27FC236}">
+                <a16:creationId xmlns:a16="http://schemas.microsoft.com/office/drawing/2014/main" id="{AE9980F7-B2EE-41F0-A01D-03F099760FDE}"/>
+              </a:ext>
+            </a:extLst>
+          </p:cNvPr>
+          <p:cNvSpPr>
+            <a:spLocks noGrp="1"/>
+          </p:cNvSpPr>
+          <p:nvPr>
+            <p:ph type="title"/>
+          </p:nvPr>
+        </p:nvSpPr>
+        <p:spPr>
+          <a:xfrm>
+            <a:off x="808158" y="310118"/>
+            <a:ext cx="8082277" cy="2225532"/>
+          </a:xfrm>
+        </p:spPr>
+        <p:txBody>
+          <a:bodyPr vert="horz" lIns="91440" tIns="45720" rIns="91440" bIns="45720" rtlCol="0" anchor="t">
+            <a:normAutofit/>
+          </a:bodyPr>
+          <a:lstStyle/>
+          <a:p>
+            <a:r>
+              <a:rPr lang="en-US" sz="6000" kern="1200" dirty="0">
+                <a:solidFill>
+                  <a:schemeClr val="tx1"/>
+                </a:solidFill>
+                <a:latin typeface="+mj-lt"/>
+                <a:ea typeface="+mj-ea"/>
+                <a:cs typeface="+mj-cs"/>
+              </a:rPr>
+              <a:t>Variance by Country</a:t>
+            </a:r>
+          </a:p>
+        </p:txBody>
+      </p:sp>
+      <p:cxnSp>
+        <p:nvCxnSpPr>
+          <p:cNvPr id="76" name="Straight Connector 75">
+            <a:extLst>
+              <a:ext uri="{FF2B5EF4-FFF2-40B4-BE49-F238E27FC236}">
+                <a16:creationId xmlns:a16="http://schemas.microsoft.com/office/drawing/2014/main" id="{C49DA8F6-BCC1-4447-B54C-57856834B94B}"/>
+              </a:ext>
+              <a:ext uri="{C183D7F6-B498-43B3-948B-1728B52AA6E4}">
+                <adec:decorative xmlns:adec="http://schemas.microsoft.com/office/drawing/2017/decorative" val="1"/>
+              </a:ext>
+            </a:extLst>
+          </p:cNvPr>
+          <p:cNvCxnSpPr>
+            <a:cxnSpLocks noGrp="1" noRot="1" noChangeAspect="1" noMove="1" noResize="1" noEditPoints="1" noAdjustHandles="1" noChangeArrowheads="1" noChangeShapeType="1"/>
+          </p:cNvCxnSpPr>
+          <p:nvPr>
+            <p:extLst>
+              <p:ext uri="{386F3935-93C4-4BCD-93E2-E3B085C9AB24}">
+                <p16:designElem xmlns:p16="http://schemas.microsoft.com/office/powerpoint/2015/main" val="1"/>
+              </p:ext>
+            </p:extLst>
+          </p:nvPr>
+        </p:nvCxnSpPr>
+        <p:spPr>
+          <a:xfrm>
+            <a:off x="623622" y="373056"/>
+            <a:ext cx="0" cy="6476066"/>
+          </a:xfrm>
+          <a:prstGeom prst="line">
+            <a:avLst/>
+          </a:prstGeom>
+          <a:ln w="25400" cap="sq">
+            <a:gradFill flip="none" rotWithShape="1">
+              <a:gsLst>
+                <a:gs pos="0">
+                  <a:schemeClr val="accent2"/>
+                </a:gs>
+                <a:gs pos="100000">
+                  <a:schemeClr val="accent4"/>
+                </a:gs>
+              </a:gsLst>
+              <a:lin ang="16200000" scaled="1"/>
+              <a:tileRect/>
+            </a:gradFill>
+            <a:bevel/>
+          </a:ln>
+        </p:spPr>
+        <p:style>
+          <a:lnRef idx="1">
+            <a:schemeClr val="accent1"/>
+          </a:lnRef>
+          <a:fillRef idx="0">
+            <a:schemeClr val="accent1"/>
+          </a:fillRef>
+          <a:effectRef idx="0">
+            <a:schemeClr val="accent1"/>
+          </a:effectRef>
+          <a:fontRef idx="minor">
+            <a:schemeClr val="tx1"/>
+          </a:fontRef>
+        </p:style>
+      </p:cxnSp>
+      <p:sp>
+        <p:nvSpPr>
+          <p:cNvPr id="78" name="Graphic 11">
+            <a:extLst>
+              <a:ext uri="{FF2B5EF4-FFF2-40B4-BE49-F238E27FC236}">
+                <a16:creationId xmlns:a16="http://schemas.microsoft.com/office/drawing/2014/main" id="{6CB927A4-E432-4310-9CD5-E89FF5063179}"/>
+              </a:ext>
+              <a:ext uri="{C183D7F6-B498-43B3-948B-1728B52AA6E4}">
+                <adec:decorative xmlns:adec="http://schemas.microsoft.com/office/drawing/2017/decorative" val="1"/>
+              </a:ext>
+            </a:extLst>
+          </p:cNvPr>
+          <p:cNvSpPr>
+            <a:spLocks noGrp="1" noRot="1" noChangeAspect="1" noMove="1" noResize="1" noEditPoints="1" noAdjustHandles="1" noChangeArrowheads="1" noChangeShapeType="1" noTextEdit="1"/>
+          </p:cNvSpPr>
+          <p:nvPr>
+            <p:extLst>
+              <p:ext uri="{386F3935-93C4-4BCD-93E2-E3B085C9AB24}">
+                <p16:designElem xmlns:p16="http://schemas.microsoft.com/office/powerpoint/2015/main" val="1"/>
+              </p:ext>
+            </p:extLst>
+          </p:nvPr>
+        </p:nvSpPr>
+        <p:spPr>
+          <a:xfrm>
+            <a:off x="6125948" y="740316"/>
+            <a:ext cx="139039" cy="139039"/>
+          </a:xfrm>
+          <a:custGeom>
+            <a:avLst/>
+            <a:gdLst>
+              <a:gd name="connsiteX0" fmla="*/ 129602 w 139039"/>
+              <a:gd name="connsiteY0" fmla="*/ 60082 h 139039"/>
+              <a:gd name="connsiteX1" fmla="*/ 78957 w 139039"/>
+              <a:gd name="connsiteY1" fmla="*/ 60082 h 139039"/>
+              <a:gd name="connsiteX2" fmla="*/ 78957 w 139039"/>
+              <a:gd name="connsiteY2" fmla="*/ 9437 h 139039"/>
+              <a:gd name="connsiteX3" fmla="*/ 69520 w 139039"/>
+              <a:gd name="connsiteY3" fmla="*/ 0 h 139039"/>
+              <a:gd name="connsiteX4" fmla="*/ 60082 w 139039"/>
+              <a:gd name="connsiteY4" fmla="*/ 9437 h 139039"/>
+              <a:gd name="connsiteX5" fmla="*/ 60082 w 139039"/>
+              <a:gd name="connsiteY5" fmla="*/ 60082 h 139039"/>
+              <a:gd name="connsiteX6" fmla="*/ 9437 w 139039"/>
+              <a:gd name="connsiteY6" fmla="*/ 60082 h 139039"/>
+              <a:gd name="connsiteX7" fmla="*/ 0 w 139039"/>
+              <a:gd name="connsiteY7" fmla="*/ 69520 h 139039"/>
+              <a:gd name="connsiteX8" fmla="*/ 9437 w 139039"/>
+              <a:gd name="connsiteY8" fmla="*/ 78957 h 139039"/>
+              <a:gd name="connsiteX9" fmla="*/ 60082 w 139039"/>
+              <a:gd name="connsiteY9" fmla="*/ 78957 h 139039"/>
+              <a:gd name="connsiteX10" fmla="*/ 60082 w 139039"/>
+              <a:gd name="connsiteY10" fmla="*/ 129602 h 139039"/>
+              <a:gd name="connsiteX11" fmla="*/ 69520 w 139039"/>
+              <a:gd name="connsiteY11" fmla="*/ 139039 h 139039"/>
+              <a:gd name="connsiteX12" fmla="*/ 78957 w 139039"/>
+              <a:gd name="connsiteY12" fmla="*/ 129602 h 139039"/>
+              <a:gd name="connsiteX13" fmla="*/ 78957 w 139039"/>
+              <a:gd name="connsiteY13" fmla="*/ 78957 h 139039"/>
+              <a:gd name="connsiteX14" fmla="*/ 129602 w 139039"/>
+              <a:gd name="connsiteY14" fmla="*/ 78957 h 139039"/>
+              <a:gd name="connsiteX15" fmla="*/ 139039 w 139039"/>
+              <a:gd name="connsiteY15" fmla="*/ 69520 h 139039"/>
+              <a:gd name="connsiteX16" fmla="*/ 129602 w 139039"/>
+              <a:gd name="connsiteY16" fmla="*/ 60082 h 139039"/>
+            </a:gdLst>
+            <a:ahLst/>
+            <a:cxnLst>
+              <a:cxn ang="0">
+                <a:pos x="connsiteX0" y="connsiteY0"/>
+              </a:cxn>
+              <a:cxn ang="0">
+                <a:pos x="connsiteX1" y="connsiteY1"/>
+              </a:cxn>
+              <a:cxn ang="0">
+                <a:pos x="connsiteX2" y="connsiteY2"/>
+              </a:cxn>
+              <a:cxn ang="0">
+                <a:pos x="connsiteX3" y="connsiteY3"/>
+              </a:cxn>
+              <a:cxn ang="0">
+                <a:pos x="connsiteX4" y="connsiteY4"/>
+              </a:cxn>
+              <a:cxn ang="0">
+                <a:pos x="connsiteX5" y="connsiteY5"/>
+              </a:cxn>
+              <a:cxn ang="0">
+                <a:pos x="connsiteX6" y="connsiteY6"/>
+              </a:cxn>
+              <a:cxn ang="0">
+                <a:pos x="connsiteX7" y="connsiteY7"/>
+              </a:cxn>
+              <a:cxn ang="0">
+                <a:pos x="connsiteX8" y="connsiteY8"/>
+              </a:cxn>
+              <a:cxn ang="0">
+                <a:pos x="connsiteX9" y="connsiteY9"/>
+              </a:cxn>
+              <a:cxn ang="0">
+                <a:pos x="connsiteX10" y="connsiteY10"/>
+              </a:cxn>
+              <a:cxn ang="0">
+                <a:pos x="connsiteX11" y="connsiteY11"/>
+              </a:cxn>
+              <a:cxn ang="0">
+                <a:pos x="connsiteX12" y="connsiteY12"/>
+              </a:cxn>
+              <a:cxn ang="0">
+                <a:pos x="connsiteX13" y="connsiteY13"/>
+              </a:cxn>
+              <a:cxn ang="0">
+                <a:pos x="connsiteX14" y="connsiteY14"/>
+              </a:cxn>
+              <a:cxn ang="0">
+                <a:pos x="connsiteX15" y="connsiteY15"/>
+              </a:cxn>
+              <a:cxn ang="0">
+                <a:pos x="connsiteX16" y="connsiteY16"/>
+              </a:cxn>
+            </a:cxnLst>
+            <a:rect l="l" t="t" r="r" b="b"/>
+            <a:pathLst>
+              <a:path w="139039" h="139039">
+                <a:moveTo>
+                  <a:pt x="129602" y="60082"/>
+                </a:moveTo>
+                <a:lnTo>
+                  <a:pt x="78957" y="60082"/>
+                </a:lnTo>
+                <a:lnTo>
+                  <a:pt x="78957" y="9437"/>
+                </a:lnTo>
+                <a:cubicBezTo>
+                  <a:pt x="78957" y="4225"/>
+                  <a:pt x="74731" y="0"/>
+                  <a:pt x="69520" y="0"/>
+                </a:cubicBezTo>
+                <a:cubicBezTo>
+                  <a:pt x="64308" y="0"/>
+                  <a:pt x="60082" y="4225"/>
+                  <a:pt x="60082" y="9437"/>
+                </a:cubicBezTo>
+                <a:lnTo>
+                  <a:pt x="60082" y="60082"/>
+                </a:lnTo>
+                <a:lnTo>
+                  <a:pt x="9437" y="60082"/>
+                </a:lnTo>
+                <a:cubicBezTo>
+                  <a:pt x="4225" y="60082"/>
+                  <a:pt x="0" y="64308"/>
+                  <a:pt x="0" y="69520"/>
+                </a:cubicBezTo>
+                <a:cubicBezTo>
+                  <a:pt x="0" y="74731"/>
+                  <a:pt x="4225" y="78957"/>
+                  <a:pt x="9437" y="78957"/>
+                </a:cubicBezTo>
+                <a:lnTo>
+                  <a:pt x="60082" y="78957"/>
+                </a:lnTo>
+                <a:lnTo>
+                  <a:pt x="60082" y="129602"/>
+                </a:lnTo>
+                <a:cubicBezTo>
+                  <a:pt x="60082" y="134814"/>
+                  <a:pt x="64308" y="139039"/>
+                  <a:pt x="69520" y="139039"/>
+                </a:cubicBezTo>
+                <a:cubicBezTo>
+                  <a:pt x="74731" y="139039"/>
+                  <a:pt x="78957" y="134814"/>
+                  <a:pt x="78957" y="129602"/>
+                </a:cubicBezTo>
+                <a:lnTo>
+                  <a:pt x="78957" y="78957"/>
+                </a:lnTo>
+                <a:lnTo>
+                  <a:pt x="129602" y="78957"/>
+                </a:lnTo>
+                <a:cubicBezTo>
+                  <a:pt x="134814" y="78957"/>
+                  <a:pt x="139039" y="74731"/>
+                  <a:pt x="139039" y="69520"/>
+                </a:cubicBezTo>
+                <a:cubicBezTo>
+                  <a:pt x="139039" y="64308"/>
+                  <a:pt x="134814" y="60082"/>
+                  <a:pt x="129602" y="60082"/>
+                </a:cubicBezTo>
+                <a:close/>
+              </a:path>
+            </a:pathLst>
+          </a:custGeom>
+          <a:solidFill>
+            <a:schemeClr val="accent4"/>
+          </a:solidFill>
+          <a:ln w="603" cap="flat">
+            <a:noFill/>
+            <a:prstDash val="solid"/>
+            <a:miter/>
+          </a:ln>
+        </p:spPr>
+        <p:txBody>
+          <a:bodyPr rtlCol="0" anchor="ctr"/>
+          <a:lstStyle/>
+          <a:p>
+            <a:endParaRPr lang="en-US"/>
+          </a:p>
+        </p:txBody>
+      </p:sp>
+      <p:sp>
+        <p:nvSpPr>
+          <p:cNvPr id="80" name="Graphic 10">
+            <a:extLst>
+              <a:ext uri="{FF2B5EF4-FFF2-40B4-BE49-F238E27FC236}">
+                <a16:creationId xmlns:a16="http://schemas.microsoft.com/office/drawing/2014/main" id="{E3020543-B24B-4EC4-8FFC-8DD88EEA91A8}"/>
+              </a:ext>
+              <a:ext uri="{C183D7F6-B498-43B3-948B-1728B52AA6E4}">
+                <adec:decorative xmlns:adec="http://schemas.microsoft.com/office/drawing/2017/decorative" val="1"/>
+              </a:ext>
+            </a:extLst>
+          </p:cNvPr>
+          <p:cNvSpPr>
+            <a:spLocks noGrp="1" noRot="1" noChangeAspect="1" noMove="1" noResize="1" noEditPoints="1" noAdjustHandles="1" noChangeArrowheads="1" noChangeShapeType="1" noTextEdit="1"/>
+          </p:cNvSpPr>
+          <p:nvPr>
+            <p:extLst>
+              <p:ext uri="{386F3935-93C4-4BCD-93E2-E3B085C9AB24}">
+                <p16:designElem xmlns:p16="http://schemas.microsoft.com/office/powerpoint/2015/main" val="1"/>
+              </p:ext>
+            </p:extLst>
+          </p:nvPr>
+        </p:nvSpPr>
+        <p:spPr>
+          <a:xfrm>
+            <a:off x="6484728" y="969611"/>
+            <a:ext cx="91138" cy="91138"/>
+          </a:xfrm>
+          <a:custGeom>
+            <a:avLst/>
+            <a:gdLst>
+              <a:gd name="connsiteX0" fmla="*/ 91138 w 91138"/>
+              <a:gd name="connsiteY0" fmla="*/ 45569 h 91138"/>
+              <a:gd name="connsiteX1" fmla="*/ 45569 w 91138"/>
+              <a:gd name="connsiteY1" fmla="*/ 91138 h 91138"/>
+              <a:gd name="connsiteX2" fmla="*/ 0 w 91138"/>
+              <a:gd name="connsiteY2" fmla="*/ 45569 h 91138"/>
+              <a:gd name="connsiteX3" fmla="*/ 45569 w 91138"/>
+              <a:gd name="connsiteY3" fmla="*/ 0 h 91138"/>
+              <a:gd name="connsiteX4" fmla="*/ 91138 w 91138"/>
+              <a:gd name="connsiteY4" fmla="*/ 45569 h 91138"/>
+            </a:gdLst>
+            <a:ahLst/>
+            <a:cxnLst>
+              <a:cxn ang="0">
+                <a:pos x="connsiteX0" y="connsiteY0"/>
+              </a:cxn>
+              <a:cxn ang="0">
+                <a:pos x="connsiteX1" y="connsiteY1"/>
+              </a:cxn>
+              <a:cxn ang="0">
+                <a:pos x="connsiteX2" y="connsiteY2"/>
+              </a:cxn>
+              <a:cxn ang="0">
+                <a:pos x="connsiteX3" y="connsiteY3"/>
+              </a:cxn>
+              <a:cxn ang="0">
+                <a:pos x="connsiteX4" y="connsiteY4"/>
+              </a:cxn>
+            </a:cxnLst>
+            <a:rect l="l" t="t" r="r" b="b"/>
+            <a:pathLst>
+              <a:path w="91138" h="91138">
+                <a:moveTo>
+                  <a:pt x="91138" y="45569"/>
+                </a:moveTo>
+                <a:cubicBezTo>
+                  <a:pt x="91138" y="70736"/>
+                  <a:pt x="70736" y="91138"/>
+                  <a:pt x="45569" y="91138"/>
+                </a:cubicBezTo>
+                <a:cubicBezTo>
+                  <a:pt x="20402" y="91138"/>
+                  <a:pt x="0" y="70736"/>
+                  <a:pt x="0" y="45569"/>
+                </a:cubicBezTo>
+                <a:cubicBezTo>
+                  <a:pt x="0" y="20402"/>
+                  <a:pt x="20402" y="0"/>
+                  <a:pt x="45569" y="0"/>
+                </a:cubicBezTo>
+                <a:cubicBezTo>
+                  <a:pt x="70736" y="0"/>
+                  <a:pt x="91138" y="20402"/>
+                  <a:pt x="91138" y="45569"/>
+                </a:cubicBezTo>
+                <a:close/>
+              </a:path>
+            </a:pathLst>
+          </a:custGeom>
+          <a:solidFill>
+            <a:schemeClr val="accent4"/>
+          </a:solidFill>
+          <a:ln w="422" cap="flat">
+            <a:noFill/>
+            <a:prstDash val="solid"/>
+            <a:miter/>
+          </a:ln>
+        </p:spPr>
+        <p:txBody>
+          <a:bodyPr rtlCol="0" anchor="ctr"/>
+          <a:lstStyle/>
+          <a:p>
+            <a:endParaRPr lang="en-US"/>
+          </a:p>
+        </p:txBody>
+      </p:sp>
+      <p:sp>
+        <p:nvSpPr>
+          <p:cNvPr id="82" name="Graphic 12">
+            <a:extLst>
+              <a:ext uri="{FF2B5EF4-FFF2-40B4-BE49-F238E27FC236}">
+                <a16:creationId xmlns:a16="http://schemas.microsoft.com/office/drawing/2014/main" id="{1453BF6C-B012-48B7-B4E8-6D7AC7C27D02}"/>
+              </a:ext>
+              <a:ext uri="{C183D7F6-B498-43B3-948B-1728B52AA6E4}">
+                <adec:decorative xmlns:adec="http://schemas.microsoft.com/office/drawing/2017/decorative" val="1"/>
+              </a:ext>
+            </a:extLst>
+          </p:cNvPr>
+          <p:cNvSpPr>
+            <a:spLocks noGrp="1" noRot="1" noChangeAspect="1" noMove="1" noResize="1" noEditPoints="1" noAdjustHandles="1" noChangeArrowheads="1" noChangeShapeType="1" noTextEdit="1"/>
+          </p:cNvSpPr>
+          <p:nvPr>
+            <p:extLst>
+              <p:ext uri="{386F3935-93C4-4BCD-93E2-E3B085C9AB24}">
+                <p16:designElem xmlns:p16="http://schemas.microsoft.com/office/powerpoint/2015/main" val="1"/>
+              </p:ext>
+            </p:extLst>
+          </p:nvPr>
+        </p:nvSpPr>
+        <p:spPr>
+          <a:xfrm>
+            <a:off x="6110408" y="1484755"/>
+            <a:ext cx="127714" cy="127714"/>
+          </a:xfrm>
+          <a:custGeom>
+            <a:avLst/>
+            <a:gdLst>
+              <a:gd name="connsiteX0" fmla="*/ 63857 w 127714"/>
+              <a:gd name="connsiteY0" fmla="*/ 18874 h 127714"/>
+              <a:gd name="connsiteX1" fmla="*/ 108840 w 127714"/>
+              <a:gd name="connsiteY1" fmla="*/ 63857 h 127714"/>
+              <a:gd name="connsiteX2" fmla="*/ 63857 w 127714"/>
+              <a:gd name="connsiteY2" fmla="*/ 108840 h 127714"/>
+              <a:gd name="connsiteX3" fmla="*/ 18874 w 127714"/>
+              <a:gd name="connsiteY3" fmla="*/ 63857 h 127714"/>
+              <a:gd name="connsiteX4" fmla="*/ 63857 w 127714"/>
+              <a:gd name="connsiteY4" fmla="*/ 18874 h 127714"/>
+              <a:gd name="connsiteX5" fmla="*/ 63857 w 127714"/>
+              <a:gd name="connsiteY5" fmla="*/ 0 h 127714"/>
+              <a:gd name="connsiteX6" fmla="*/ 0 w 127714"/>
+              <a:gd name="connsiteY6" fmla="*/ 63857 h 127714"/>
+              <a:gd name="connsiteX7" fmla="*/ 63857 w 127714"/>
+              <a:gd name="connsiteY7" fmla="*/ 127714 h 127714"/>
+              <a:gd name="connsiteX8" fmla="*/ 127714 w 127714"/>
+              <a:gd name="connsiteY8" fmla="*/ 63857 h 127714"/>
+              <a:gd name="connsiteX9" fmla="*/ 63857 w 127714"/>
+              <a:gd name="connsiteY9" fmla="*/ 0 h 127714"/>
+            </a:gdLst>
+            <a:ahLst/>
+            <a:cxnLst>
+              <a:cxn ang="0">
+                <a:pos x="connsiteX0" y="connsiteY0"/>
+              </a:cxn>
+              <a:cxn ang="0">
+                <a:pos x="connsiteX1" y="connsiteY1"/>
+              </a:cxn>
+              <a:cxn ang="0">
+                <a:pos x="connsiteX2" y="connsiteY2"/>
+              </a:cxn>
+              <a:cxn ang="0">
+                <a:pos x="connsiteX3" y="connsiteY3"/>
+              </a:cxn>
+              <a:cxn ang="0">
+                <a:pos x="connsiteX4" y="connsiteY4"/>
+              </a:cxn>
+              <a:cxn ang="0">
+                <a:pos x="connsiteX5" y="connsiteY5"/>
+              </a:cxn>
+              <a:cxn ang="0">
+                <a:pos x="connsiteX6" y="connsiteY6"/>
+              </a:cxn>
+              <a:cxn ang="0">
+                <a:pos x="connsiteX7" y="connsiteY7"/>
+              </a:cxn>
+              <a:cxn ang="0">
+                <a:pos x="connsiteX8" y="connsiteY8"/>
+              </a:cxn>
+              <a:cxn ang="0">
+                <a:pos x="connsiteX9" y="connsiteY9"/>
+              </a:cxn>
+            </a:cxnLst>
+            <a:rect l="l" t="t" r="r" b="b"/>
+            <a:pathLst>
+              <a:path w="127714" h="127714">
+                <a:moveTo>
+                  <a:pt x="63857" y="18874"/>
+                </a:moveTo>
+                <a:cubicBezTo>
+                  <a:pt x="88700" y="18874"/>
+                  <a:pt x="108840" y="39014"/>
+                  <a:pt x="108840" y="63857"/>
+                </a:cubicBezTo>
+                <a:cubicBezTo>
+                  <a:pt x="108840" y="88700"/>
+                  <a:pt x="88700" y="108840"/>
+                  <a:pt x="63857" y="108840"/>
+                </a:cubicBezTo>
+                <a:cubicBezTo>
+                  <a:pt x="39014" y="108840"/>
+                  <a:pt x="18874" y="88700"/>
+                  <a:pt x="18874" y="63857"/>
+                </a:cubicBezTo>
+                <a:cubicBezTo>
+                  <a:pt x="18898" y="39024"/>
+                  <a:pt x="39024" y="18898"/>
+                  <a:pt x="63857" y="18874"/>
+                </a:cubicBezTo>
+                <a:moveTo>
+                  <a:pt x="63857" y="0"/>
+                </a:moveTo>
+                <a:cubicBezTo>
+                  <a:pt x="28590" y="0"/>
+                  <a:pt x="0" y="28590"/>
+                  <a:pt x="0" y="63857"/>
+                </a:cubicBezTo>
+                <a:cubicBezTo>
+                  <a:pt x="0" y="99124"/>
+                  <a:pt x="28590" y="127714"/>
+                  <a:pt x="63857" y="127714"/>
+                </a:cubicBezTo>
+                <a:cubicBezTo>
+                  <a:pt x="99124" y="127714"/>
+                  <a:pt x="127714" y="99124"/>
+                  <a:pt x="127714" y="63857"/>
+                </a:cubicBezTo>
+                <a:cubicBezTo>
+                  <a:pt x="127714" y="28590"/>
+                  <a:pt x="99124" y="0"/>
+                  <a:pt x="63857" y="0"/>
+                </a:cubicBezTo>
+                <a:close/>
+              </a:path>
+            </a:pathLst>
+          </a:custGeom>
+          <a:solidFill>
+            <a:schemeClr val="accent4"/>
+          </a:solidFill>
+          <a:ln w="610" cap="flat">
+            <a:noFill/>
+            <a:prstDash val="solid"/>
+            <a:miter/>
+          </a:ln>
+        </p:spPr>
+        <p:txBody>
+          <a:bodyPr rtlCol="0" anchor="ctr"/>
+          <a:lstStyle/>
+          <a:p>
+            <a:endParaRPr lang="en-US"/>
+          </a:p>
+        </p:txBody>
+      </p:sp>
+      <p:sp>
+        <p:nvSpPr>
+          <p:cNvPr id="6" name="TextBox 5">
+            <a:extLst>
+              <a:ext uri="{FF2B5EF4-FFF2-40B4-BE49-F238E27FC236}">
+                <a16:creationId xmlns:a16="http://schemas.microsoft.com/office/drawing/2014/main" id="{23490318-AEE9-4C2D-BF8C-60F6B8F46A6D}"/>
+              </a:ext>
+            </a:extLst>
+          </p:cNvPr>
+          <p:cNvSpPr txBox="1"/>
+          <p:nvPr/>
+        </p:nvSpPr>
+        <p:spPr>
+          <a:xfrm>
+            <a:off x="8086839" y="1373448"/>
+            <a:ext cx="3840997" cy="5120755"/>
+          </a:xfrm>
+          <a:prstGeom prst="rect">
+            <a:avLst/>
+          </a:prstGeom>
+        </p:spPr>
+        <p:txBody>
+          <a:bodyPr vert="horz" lIns="91440" tIns="45720" rIns="91440" bIns="45720" rtlCol="0" anchor="ctr">
+            <a:normAutofit/>
+          </a:bodyPr>
+          <a:lstStyle/>
+          <a:p>
+            <a:pPr marL="285750" indent="-228600">
+              <a:lnSpc>
+                <a:spcPct val="90000"/>
+              </a:lnSpc>
+              <a:spcAft>
+                <a:spcPts val="600"/>
+              </a:spcAft>
+              <a:buFont typeface="Arial" panose="020B0604020202020204" pitchFamily="34" charset="0"/>
+              <a:buChar char="•"/>
+            </a:pPr>
+            <a:r>
+              <a:rPr lang="en-US" dirty="0"/>
+              <a:t>Majority of the transactions and revenue are from customer in UK</a:t>
+            </a:r>
+          </a:p>
+          <a:p>
+            <a:pPr marL="285750" indent="-228600">
+              <a:lnSpc>
+                <a:spcPct val="90000"/>
+              </a:lnSpc>
+              <a:spcAft>
+                <a:spcPts val="600"/>
+              </a:spcAft>
+              <a:buFont typeface="Arial" panose="020B0604020202020204" pitchFamily="34" charset="0"/>
+              <a:buChar char="•"/>
+            </a:pPr>
+            <a:endParaRPr lang="en-US" dirty="0"/>
+          </a:p>
+          <a:p>
+            <a:pPr marL="285750" indent="-228600">
+              <a:lnSpc>
+                <a:spcPct val="90000"/>
+              </a:lnSpc>
+              <a:spcAft>
+                <a:spcPts val="600"/>
+              </a:spcAft>
+              <a:buFont typeface="Arial" panose="020B0604020202020204" pitchFamily="34" charset="0"/>
+              <a:buChar char="•"/>
+            </a:pPr>
+            <a:r>
+              <a:rPr lang="en-US" dirty="0"/>
+              <a:t>Four out of the 38 countries appear to have significantly higher average customer annual spend and quantity purchased:</a:t>
+            </a:r>
+          </a:p>
+          <a:p>
+            <a:pPr marL="742950" lvl="1" indent="-228600">
+              <a:lnSpc>
+                <a:spcPct val="90000"/>
+              </a:lnSpc>
+              <a:spcAft>
+                <a:spcPts val="600"/>
+              </a:spcAft>
+              <a:buFont typeface="Arial" panose="020B0604020202020204" pitchFamily="34" charset="0"/>
+              <a:buChar char="•"/>
+            </a:pPr>
+            <a:r>
+              <a:rPr lang="en-US" dirty="0"/>
+              <a:t>Japan</a:t>
+            </a:r>
+          </a:p>
+          <a:p>
+            <a:pPr marL="742950" lvl="1" indent="-228600">
+              <a:lnSpc>
+                <a:spcPct val="90000"/>
+              </a:lnSpc>
+              <a:spcAft>
+                <a:spcPts val="600"/>
+              </a:spcAft>
+              <a:buFont typeface="Arial" panose="020B0604020202020204" pitchFamily="34" charset="0"/>
+              <a:buChar char="•"/>
+            </a:pPr>
+            <a:r>
+              <a:rPr lang="en-US" dirty="0"/>
+              <a:t>Sweden</a:t>
+            </a:r>
+          </a:p>
+          <a:p>
+            <a:pPr marL="742950" lvl="1" indent="-228600">
+              <a:lnSpc>
+                <a:spcPct val="90000"/>
+              </a:lnSpc>
+              <a:spcAft>
+                <a:spcPts val="600"/>
+              </a:spcAft>
+              <a:buFont typeface="Arial" panose="020B0604020202020204" pitchFamily="34" charset="0"/>
+              <a:buChar char="•"/>
+            </a:pPr>
+            <a:r>
+              <a:rPr lang="en-US" dirty="0"/>
+              <a:t>Australia</a:t>
+            </a:r>
+          </a:p>
+          <a:p>
+            <a:pPr marL="742950" lvl="1" indent="-228600">
+              <a:lnSpc>
+                <a:spcPct val="90000"/>
+              </a:lnSpc>
+              <a:spcAft>
+                <a:spcPts val="600"/>
+              </a:spcAft>
+              <a:buFont typeface="Arial" panose="020B0604020202020204" pitchFamily="34" charset="0"/>
+              <a:buChar char="•"/>
+            </a:pPr>
+            <a:r>
+              <a:rPr lang="en-US" dirty="0"/>
+              <a:t>Netherlands</a:t>
+            </a:r>
+          </a:p>
+          <a:p>
+            <a:pPr marL="742950" lvl="1" indent="-228600">
+              <a:lnSpc>
+                <a:spcPct val="90000"/>
+              </a:lnSpc>
+              <a:spcAft>
+                <a:spcPts val="600"/>
+              </a:spcAft>
+              <a:buFont typeface="Arial" panose="020B0604020202020204" pitchFamily="34" charset="0"/>
+              <a:buChar char="•"/>
+            </a:pPr>
+            <a:endParaRPr lang="en-US" dirty="0"/>
+          </a:p>
+        </p:txBody>
+      </p:sp>
+      <p:grpSp>
+        <p:nvGrpSpPr>
+          <p:cNvPr id="7" name="Group 6">
+            <a:extLst>
+              <a:ext uri="{FF2B5EF4-FFF2-40B4-BE49-F238E27FC236}">
+                <a16:creationId xmlns:a16="http://schemas.microsoft.com/office/drawing/2014/main" id="{05920410-D96D-45A4-B869-4AE098F3B441}"/>
+              </a:ext>
+            </a:extLst>
+          </p:cNvPr>
+          <p:cNvGrpSpPr/>
+          <p:nvPr/>
+        </p:nvGrpSpPr>
+        <p:grpSpPr>
+          <a:xfrm>
+            <a:off x="808158" y="1920724"/>
+            <a:ext cx="6882960" cy="4439436"/>
+            <a:chOff x="1463039" y="132079"/>
+            <a:chExt cx="8798579" cy="7063266"/>
+          </a:xfrm>
+        </p:grpSpPr>
+        <p:pic>
+          <p:nvPicPr>
+            <p:cNvPr id="8" name="Picture 2">
+              <a:extLst>
+                <a:ext uri="{FF2B5EF4-FFF2-40B4-BE49-F238E27FC236}">
+                  <a16:creationId xmlns:a16="http://schemas.microsoft.com/office/drawing/2014/main" id="{EA2DB033-381B-46FE-937A-9565EA59601C}"/>
+                </a:ext>
+              </a:extLst>
+            </p:cNvPr>
+            <p:cNvPicPr>
+              <a:picLocks noChangeAspect="1" noChangeArrowheads="1"/>
+            </p:cNvPicPr>
+            <p:nvPr/>
+          </p:nvPicPr>
+          <p:blipFill>
+            <a:blip r:embed="rId2">
+              <a:extLst>
+                <a:ext uri="{28A0092B-C50C-407E-A947-70E740481C1C}">
+                  <a14:useLocalDpi xmlns:a14="http://schemas.microsoft.com/office/drawing/2010/main" val="0"/>
+                </a:ext>
+              </a:extLst>
+            </a:blip>
+            <a:srcRect/>
+            <a:stretch>
+              <a:fillRect/>
+            </a:stretch>
+          </p:blipFill>
+          <p:spPr bwMode="auto">
+            <a:xfrm>
+              <a:off x="1463040" y="3705701"/>
+              <a:ext cx="8798578" cy="3489644"/>
+            </a:xfrm>
+            <a:prstGeom prst="rect">
+              <a:avLst/>
+            </a:prstGeom>
+            <a:noFill/>
+            <a:extLst>
+              <a:ext uri="{909E8E84-426E-40DD-AFC4-6F175D3DCCD1}">
+                <a14:hiddenFill xmlns:a14="http://schemas.microsoft.com/office/drawing/2010/main">
+                  <a:solidFill>
+                    <a:srgbClr val="FFFFFF"/>
+                  </a:solidFill>
+                </a14:hiddenFill>
+              </a:ext>
+            </a:extLst>
+          </p:spPr>
+        </p:pic>
+        <p:pic>
+          <p:nvPicPr>
+            <p:cNvPr id="9" name="Picture 4">
+              <a:extLst>
+                <a:ext uri="{FF2B5EF4-FFF2-40B4-BE49-F238E27FC236}">
+                  <a16:creationId xmlns:a16="http://schemas.microsoft.com/office/drawing/2014/main" id="{3F0503B0-CD61-49F5-BA2B-488ED31E1233}"/>
+                </a:ext>
+              </a:extLst>
+            </p:cNvPr>
+            <p:cNvPicPr>
+              <a:picLocks noChangeAspect="1" noChangeArrowheads="1"/>
+            </p:cNvPicPr>
+            <p:nvPr/>
+          </p:nvPicPr>
+          <p:blipFill>
+            <a:blip r:embed="rId3">
+              <a:extLst>
+                <a:ext uri="{28A0092B-C50C-407E-A947-70E740481C1C}">
+                  <a14:useLocalDpi xmlns:a14="http://schemas.microsoft.com/office/drawing/2010/main" val="0"/>
+                </a:ext>
+              </a:extLst>
+            </a:blip>
+            <a:srcRect/>
+            <a:stretch>
+              <a:fillRect/>
+            </a:stretch>
+          </p:blipFill>
+          <p:spPr bwMode="auto">
+            <a:xfrm>
+              <a:off x="1463039" y="132079"/>
+              <a:ext cx="8798576" cy="3489644"/>
+            </a:xfrm>
+            <a:prstGeom prst="rect">
+              <a:avLst/>
+            </a:prstGeom>
+            <a:noFill/>
+            <a:extLst>
+              <a:ext uri="{909E8E84-426E-40DD-AFC4-6F175D3DCCD1}">
+                <a14:hiddenFill xmlns:a14="http://schemas.microsoft.com/office/drawing/2010/main">
+                  <a:solidFill>
+                    <a:srgbClr val="FFFFFF"/>
+                  </a:solidFill>
+                </a14:hiddenFill>
+              </a:ext>
+            </a:extLst>
+          </p:spPr>
+        </p:pic>
+      </p:grpSp>
+    </p:spTree>
+    <p:extLst>
+      <p:ext uri="{BB962C8B-B14F-4D97-AF65-F5344CB8AC3E}">
+        <p14:creationId xmlns:p14="http://schemas.microsoft.com/office/powerpoint/2010/main" val="4246166972"/>
+      </p:ext>
+    </p:extLst>
+  </p:cSld>
+  <p:clrMapOvr>
+    <a:masterClrMapping/>
+  </p:clrMapOvr>
+</p:sld>
+</file>
+
+<file path=ppt/slides/slide5.xml><?xml version="1.0" encoding="utf-8"?>
+<p:sld xmlns:a="http://schemas.openxmlformats.org/drawingml/2006/main" xmlns:r="http://schemas.openxmlformats.org/officeDocument/2006/relationships" xmlns:p="http://schemas.openxmlformats.org/presentationml/2006/main">
+  <p:cSld>
+    <p:bg>
+      <p:bgPr>
+        <a:solidFill>
+          <a:schemeClr val="bg1"/>
+        </a:solidFill>
+        <a:effectLst/>
+      </p:bgPr>
+    </p:bg>
+    <p:spTree>
+      <p:nvGrpSpPr>
+        <p:cNvPr id="1" name=""/>
+        <p:cNvGrpSpPr/>
+        <p:nvPr/>
+      </p:nvGrpSpPr>
+      <p:grpSpPr>
+        <a:xfrm>
+          <a:off x="0" y="0"/>
+          <a:ext cx="0" cy="0"/>
+          <a:chOff x="0" y="0"/>
+          <a:chExt cx="0" cy="0"/>
+        </a:xfrm>
+      </p:grpSpPr>
+      <p:cxnSp>
+        <p:nvCxnSpPr>
+          <p:cNvPr id="29" name="Straight Connector 28">
+            <a:extLst>
+              <a:ext uri="{FF2B5EF4-FFF2-40B4-BE49-F238E27FC236}">
+                <a16:creationId xmlns:a16="http://schemas.microsoft.com/office/drawing/2014/main" id="{5C05CAAB-DBA2-4548-AD5F-01BB97FBB207}"/>
+              </a:ext>
+              <a:ext uri="{C183D7F6-B498-43B3-948B-1728B52AA6E4}">
+                <adec:decorative xmlns:adec="http://schemas.microsoft.com/office/drawing/2017/decorative" val="1"/>
+              </a:ext>
+            </a:extLst>
+          </p:cNvPr>
+          <p:cNvCxnSpPr>
+            <a:cxnSpLocks noGrp="1" noRot="1" noChangeAspect="1" noMove="1" noResize="1" noEditPoints="1" noAdjustHandles="1" noChangeArrowheads="1" noChangeShapeType="1"/>
+          </p:cNvCxnSpPr>
+          <p:nvPr>
+            <p:extLst>
+              <p:ext uri="{386F3935-93C4-4BCD-93E2-E3B085C9AB24}">
+                <p16:designElem xmlns:p16="http://schemas.microsoft.com/office/powerpoint/2015/main" val="1"/>
+              </p:ext>
+            </p:extLst>
+          </p:nvPr>
+        </p:nvCxnSpPr>
+        <p:spPr>
+          <a:xfrm>
+            <a:off x="715890" y="356812"/>
+            <a:ext cx="0" cy="6492875"/>
+          </a:xfrm>
+          <a:prstGeom prst="line">
+            <a:avLst/>
+          </a:prstGeom>
+          <a:ln w="25400" cap="sq">
+            <a:gradFill flip="none" rotWithShape="1">
+              <a:gsLst>
+                <a:gs pos="0">
+                  <a:schemeClr val="accent2"/>
+                </a:gs>
+                <a:gs pos="100000">
+                  <a:schemeClr val="accent4"/>
+                </a:gs>
+              </a:gsLst>
+              <a:lin ang="16200000" scaled="1"/>
+              <a:tileRect/>
+            </a:gradFill>
+            <a:bevel/>
+          </a:ln>
+        </p:spPr>
+        <p:style>
+          <a:lnRef idx="1">
+            <a:schemeClr val="accent1"/>
+          </a:lnRef>
+          <a:fillRef idx="0">
+            <a:schemeClr val="accent1"/>
+          </a:fillRef>
+          <a:effectRef idx="0">
+            <a:schemeClr val="accent1"/>
+          </a:effectRef>
+          <a:fontRef idx="minor">
+            <a:schemeClr val="tx1"/>
+          </a:fontRef>
+        </p:style>
+      </p:cxnSp>
+      <p:sp useBgFill="1">
+        <p:nvSpPr>
+          <p:cNvPr id="31" name="Rectangle 30">
+            <a:extLst>
+              <a:ext uri="{FF2B5EF4-FFF2-40B4-BE49-F238E27FC236}">
+                <a16:creationId xmlns:a16="http://schemas.microsoft.com/office/drawing/2014/main" id="{8D1AA55E-40D5-461B-A5A8-4AE8AAB71B08}"/>
+              </a:ext>
+              <a:ext uri="{C183D7F6-B498-43B3-948B-1728B52AA6E4}">
+                <adec:decorative xmlns:adec="http://schemas.microsoft.com/office/drawing/2017/decorative" val="1"/>
+              </a:ext>
+            </a:extLst>
+          </p:cNvPr>
+          <p:cNvSpPr>
+            <a:spLocks noGrp="1" noRot="1" noChangeAspect="1" noMove="1" noResize="1" noEditPoints="1" noAdjustHandles="1" noChangeArrowheads="1" noChangeShapeType="1" noTextEdit="1"/>
+          </p:cNvSpPr>
+          <p:nvPr>
+            <p:extLst>
+              <p:ext uri="{386F3935-93C4-4BCD-93E2-E3B085C9AB24}">
+                <p16:designElem xmlns:p16="http://schemas.microsoft.com/office/powerpoint/2015/main" val="1"/>
+              </p:ext>
+            </p:extLst>
+          </p:nvPr>
+        </p:nvSpPr>
+        <p:spPr>
+          <a:xfrm>
+            <a:off x="0" y="0"/>
+            <a:ext cx="12192000" cy="6858000"/>
+          </a:xfrm>
+          <a:prstGeom prst="rect">
+            <a:avLst/>
+          </a:prstGeom>
+          <a:ln>
+            <a:noFill/>
+          </a:ln>
+        </p:spPr>
+        <p:style>
+          <a:lnRef idx="2">
+            <a:schemeClr val="accent1">
+              <a:shade val="50000"/>
+            </a:schemeClr>
+          </a:lnRef>
+          <a:fillRef idx="1">
+            <a:schemeClr val="accent1"/>
+          </a:fillRef>
+          <a:effectRef idx="0">
+            <a:schemeClr val="accent1"/>
+          </a:effectRef>
+          <a:fontRef idx="minor">
+            <a:schemeClr val="lt1"/>
+          </a:fontRef>
+        </p:style>
+        <p:txBody>
+          <a:bodyPr rtlCol="0" anchor="ctr"/>
+          <a:lstStyle/>
+          <a:p>
+            <a:pPr algn="ctr"/>
+            <a:endParaRPr lang="en-US"/>
+          </a:p>
+        </p:txBody>
+      </p:sp>
+      <p:sp>
+        <p:nvSpPr>
+          <p:cNvPr id="2" name="Title 1">
+            <a:extLst>
+              <a:ext uri="{FF2B5EF4-FFF2-40B4-BE49-F238E27FC236}">
+                <a16:creationId xmlns:a16="http://schemas.microsoft.com/office/drawing/2014/main" id="{AAABBDD3-EA08-4C4E-909E-7D7F3754F522}"/>
+              </a:ext>
+            </a:extLst>
+          </p:cNvPr>
+          <p:cNvSpPr>
+            <a:spLocks noGrp="1"/>
+          </p:cNvSpPr>
+          <p:nvPr>
+            <p:ph type="title"/>
+          </p:nvPr>
+        </p:nvSpPr>
+        <p:spPr>
+          <a:xfrm>
+            <a:off x="838201" y="529989"/>
+            <a:ext cx="8061959" cy="2225532"/>
+          </a:xfrm>
+        </p:spPr>
+        <p:txBody>
+          <a:bodyPr vert="horz" lIns="91440" tIns="45720" rIns="91440" bIns="45720" rtlCol="0" anchor="t">
+            <a:normAutofit/>
+          </a:bodyPr>
+          <a:lstStyle/>
+          <a:p>
+            <a:r>
+              <a:rPr lang="en-US" sz="6000" kern="1200" dirty="0">
+                <a:solidFill>
+                  <a:schemeClr val="tx1"/>
+                </a:solidFill>
+                <a:latin typeface="+mj-lt"/>
+                <a:ea typeface="+mj-ea"/>
+                <a:cs typeface="+mj-cs"/>
+              </a:rPr>
+              <a:t>Transaction per day</a:t>
+            </a:r>
+          </a:p>
+        </p:txBody>
+      </p:sp>
+      <p:cxnSp>
+        <p:nvCxnSpPr>
+          <p:cNvPr id="33" name="Straight Connector 32">
+            <a:extLst>
+              <a:ext uri="{FF2B5EF4-FFF2-40B4-BE49-F238E27FC236}">
+                <a16:creationId xmlns:a16="http://schemas.microsoft.com/office/drawing/2014/main" id="{C49DA8F6-BCC1-4447-B54C-57856834B94B}"/>
+              </a:ext>
+              <a:ext uri="{C183D7F6-B498-43B3-948B-1728B52AA6E4}">
+                <adec:decorative xmlns:adec="http://schemas.microsoft.com/office/drawing/2017/decorative" val="1"/>
+              </a:ext>
+            </a:extLst>
+          </p:cNvPr>
+          <p:cNvCxnSpPr>
+            <a:cxnSpLocks noGrp="1" noRot="1" noChangeAspect="1" noMove="1" noResize="1" noEditPoints="1" noAdjustHandles="1" noChangeArrowheads="1" noChangeShapeType="1"/>
+          </p:cNvCxnSpPr>
+          <p:nvPr>
+            <p:extLst>
+              <p:ext uri="{386F3935-93C4-4BCD-93E2-E3B085C9AB24}">
+                <p16:designElem xmlns:p16="http://schemas.microsoft.com/office/powerpoint/2015/main" val="1"/>
+              </p:ext>
+            </p:extLst>
+          </p:nvPr>
+        </p:nvCxnSpPr>
+        <p:spPr>
+          <a:xfrm>
+            <a:off x="623622" y="373056"/>
+            <a:ext cx="0" cy="6476066"/>
+          </a:xfrm>
+          <a:prstGeom prst="line">
+            <a:avLst/>
+          </a:prstGeom>
+          <a:ln w="25400" cap="sq">
+            <a:gradFill flip="none" rotWithShape="1">
+              <a:gsLst>
+                <a:gs pos="0">
+                  <a:schemeClr val="accent2"/>
+                </a:gs>
+                <a:gs pos="100000">
+                  <a:schemeClr val="accent4"/>
+                </a:gs>
+              </a:gsLst>
+              <a:lin ang="16200000" scaled="1"/>
+              <a:tileRect/>
+            </a:gradFill>
+            <a:bevel/>
+          </a:ln>
+        </p:spPr>
+        <p:style>
+          <a:lnRef idx="1">
+            <a:schemeClr val="accent1"/>
+          </a:lnRef>
+          <a:fillRef idx="0">
+            <a:schemeClr val="accent1"/>
+          </a:fillRef>
+          <a:effectRef idx="0">
+            <a:schemeClr val="accent1"/>
+          </a:effectRef>
+          <a:fontRef idx="minor">
+            <a:schemeClr val="tx1"/>
+          </a:fontRef>
+        </p:style>
+      </p:cxnSp>
+      <p:sp>
+        <p:nvSpPr>
+          <p:cNvPr id="35" name="Graphic 11">
+            <a:extLst>
+              <a:ext uri="{FF2B5EF4-FFF2-40B4-BE49-F238E27FC236}">
+                <a16:creationId xmlns:a16="http://schemas.microsoft.com/office/drawing/2014/main" id="{6CB927A4-E432-4310-9CD5-E89FF5063179}"/>
+              </a:ext>
+              <a:ext uri="{C183D7F6-B498-43B3-948B-1728B52AA6E4}">
+                <adec:decorative xmlns:adec="http://schemas.microsoft.com/office/drawing/2017/decorative" val="1"/>
+              </a:ext>
+            </a:extLst>
+          </p:cNvPr>
+          <p:cNvSpPr>
+            <a:spLocks noGrp="1" noRot="1" noChangeAspect="1" noMove="1" noResize="1" noEditPoints="1" noAdjustHandles="1" noChangeArrowheads="1" noChangeShapeType="1" noTextEdit="1"/>
+          </p:cNvSpPr>
+          <p:nvPr>
+            <p:extLst>
+              <p:ext uri="{386F3935-93C4-4BCD-93E2-E3B085C9AB24}">
+                <p16:designElem xmlns:p16="http://schemas.microsoft.com/office/powerpoint/2015/main" val="1"/>
+              </p:ext>
+            </p:extLst>
+          </p:nvPr>
+        </p:nvSpPr>
+        <p:spPr>
+          <a:xfrm>
+            <a:off x="6125948" y="740316"/>
+            <a:ext cx="139039" cy="139039"/>
+          </a:xfrm>
+          <a:custGeom>
+            <a:avLst/>
+            <a:gdLst>
+              <a:gd name="connsiteX0" fmla="*/ 129602 w 139039"/>
+              <a:gd name="connsiteY0" fmla="*/ 60082 h 139039"/>
+              <a:gd name="connsiteX1" fmla="*/ 78957 w 139039"/>
+              <a:gd name="connsiteY1" fmla="*/ 60082 h 139039"/>
+              <a:gd name="connsiteX2" fmla="*/ 78957 w 139039"/>
+              <a:gd name="connsiteY2" fmla="*/ 9437 h 139039"/>
+              <a:gd name="connsiteX3" fmla="*/ 69520 w 139039"/>
+              <a:gd name="connsiteY3" fmla="*/ 0 h 139039"/>
+              <a:gd name="connsiteX4" fmla="*/ 60082 w 139039"/>
+              <a:gd name="connsiteY4" fmla="*/ 9437 h 139039"/>
+              <a:gd name="connsiteX5" fmla="*/ 60082 w 139039"/>
+              <a:gd name="connsiteY5" fmla="*/ 60082 h 139039"/>
+              <a:gd name="connsiteX6" fmla="*/ 9437 w 139039"/>
+              <a:gd name="connsiteY6" fmla="*/ 60082 h 139039"/>
+              <a:gd name="connsiteX7" fmla="*/ 0 w 139039"/>
+              <a:gd name="connsiteY7" fmla="*/ 69520 h 139039"/>
+              <a:gd name="connsiteX8" fmla="*/ 9437 w 139039"/>
+              <a:gd name="connsiteY8" fmla="*/ 78957 h 139039"/>
+              <a:gd name="connsiteX9" fmla="*/ 60082 w 139039"/>
+              <a:gd name="connsiteY9" fmla="*/ 78957 h 139039"/>
+              <a:gd name="connsiteX10" fmla="*/ 60082 w 139039"/>
+              <a:gd name="connsiteY10" fmla="*/ 129602 h 139039"/>
+              <a:gd name="connsiteX11" fmla="*/ 69520 w 139039"/>
+              <a:gd name="connsiteY11" fmla="*/ 139039 h 139039"/>
+              <a:gd name="connsiteX12" fmla="*/ 78957 w 139039"/>
+              <a:gd name="connsiteY12" fmla="*/ 129602 h 139039"/>
+              <a:gd name="connsiteX13" fmla="*/ 78957 w 139039"/>
+              <a:gd name="connsiteY13" fmla="*/ 78957 h 139039"/>
+              <a:gd name="connsiteX14" fmla="*/ 129602 w 139039"/>
+              <a:gd name="connsiteY14" fmla="*/ 78957 h 139039"/>
+              <a:gd name="connsiteX15" fmla="*/ 139039 w 139039"/>
+              <a:gd name="connsiteY15" fmla="*/ 69520 h 139039"/>
+              <a:gd name="connsiteX16" fmla="*/ 129602 w 139039"/>
+              <a:gd name="connsiteY16" fmla="*/ 60082 h 139039"/>
+            </a:gdLst>
+            <a:ahLst/>
+            <a:cxnLst>
+              <a:cxn ang="0">
+                <a:pos x="connsiteX0" y="connsiteY0"/>
+              </a:cxn>
+              <a:cxn ang="0">
+                <a:pos x="connsiteX1" y="connsiteY1"/>
+              </a:cxn>
+              <a:cxn ang="0">
+                <a:pos x="connsiteX2" y="connsiteY2"/>
+              </a:cxn>
+              <a:cxn ang="0">
+                <a:pos x="connsiteX3" y="connsiteY3"/>
+              </a:cxn>
+              <a:cxn ang="0">
+                <a:pos x="connsiteX4" y="connsiteY4"/>
+              </a:cxn>
+              <a:cxn ang="0">
+                <a:pos x="connsiteX5" y="connsiteY5"/>
+              </a:cxn>
+              <a:cxn ang="0">
+                <a:pos x="connsiteX6" y="connsiteY6"/>
+              </a:cxn>
+              <a:cxn ang="0">
+                <a:pos x="connsiteX7" y="connsiteY7"/>
+              </a:cxn>
+              <a:cxn ang="0">
+                <a:pos x="connsiteX8" y="connsiteY8"/>
+              </a:cxn>
+              <a:cxn ang="0">
+                <a:pos x="connsiteX9" y="connsiteY9"/>
+              </a:cxn>
+              <a:cxn ang="0">
+                <a:pos x="connsiteX10" y="connsiteY10"/>
+              </a:cxn>
+              <a:cxn ang="0">
+                <a:pos x="connsiteX11" y="connsiteY11"/>
+              </a:cxn>
+              <a:cxn ang="0">
+                <a:pos x="connsiteX12" y="connsiteY12"/>
+              </a:cxn>
+              <a:cxn ang="0">
+                <a:pos x="connsiteX13" y="connsiteY13"/>
+              </a:cxn>
+              <a:cxn ang="0">
+                <a:pos x="connsiteX14" y="connsiteY14"/>
+              </a:cxn>
+              <a:cxn ang="0">
+                <a:pos x="connsiteX15" y="connsiteY15"/>
+              </a:cxn>
+              <a:cxn ang="0">
+                <a:pos x="connsiteX16" y="connsiteY16"/>
+              </a:cxn>
+            </a:cxnLst>
+            <a:rect l="l" t="t" r="r" b="b"/>
+            <a:pathLst>
+              <a:path w="139039" h="139039">
+                <a:moveTo>
+                  <a:pt x="129602" y="60082"/>
+                </a:moveTo>
+                <a:lnTo>
+                  <a:pt x="78957" y="60082"/>
+                </a:lnTo>
+                <a:lnTo>
+                  <a:pt x="78957" y="9437"/>
+                </a:lnTo>
+                <a:cubicBezTo>
+                  <a:pt x="78957" y="4225"/>
+                  <a:pt x="74731" y="0"/>
+                  <a:pt x="69520" y="0"/>
+                </a:cubicBezTo>
+                <a:cubicBezTo>
+                  <a:pt x="64308" y="0"/>
+                  <a:pt x="60082" y="4225"/>
+                  <a:pt x="60082" y="9437"/>
+                </a:cubicBezTo>
+                <a:lnTo>
+                  <a:pt x="60082" y="60082"/>
+                </a:lnTo>
+                <a:lnTo>
+                  <a:pt x="9437" y="60082"/>
+                </a:lnTo>
+                <a:cubicBezTo>
+                  <a:pt x="4225" y="60082"/>
+                  <a:pt x="0" y="64308"/>
+                  <a:pt x="0" y="69520"/>
+                </a:cubicBezTo>
+                <a:cubicBezTo>
+                  <a:pt x="0" y="74731"/>
+                  <a:pt x="4225" y="78957"/>
+                  <a:pt x="9437" y="78957"/>
+                </a:cubicBezTo>
+                <a:lnTo>
+                  <a:pt x="60082" y="78957"/>
+                </a:lnTo>
+                <a:lnTo>
+                  <a:pt x="60082" y="129602"/>
+                </a:lnTo>
+                <a:cubicBezTo>
+                  <a:pt x="60082" y="134814"/>
+                  <a:pt x="64308" y="139039"/>
+                  <a:pt x="69520" y="139039"/>
+                </a:cubicBezTo>
+                <a:cubicBezTo>
+                  <a:pt x="74731" y="139039"/>
+                  <a:pt x="78957" y="134814"/>
+                  <a:pt x="78957" y="129602"/>
+                </a:cubicBezTo>
+                <a:lnTo>
+                  <a:pt x="78957" y="78957"/>
+                </a:lnTo>
+                <a:lnTo>
+                  <a:pt x="129602" y="78957"/>
+                </a:lnTo>
+                <a:cubicBezTo>
+                  <a:pt x="134814" y="78957"/>
+                  <a:pt x="139039" y="74731"/>
+                  <a:pt x="139039" y="69520"/>
+                </a:cubicBezTo>
+                <a:cubicBezTo>
+                  <a:pt x="139039" y="64308"/>
+                  <a:pt x="134814" y="60082"/>
+                  <a:pt x="129602" y="60082"/>
+                </a:cubicBezTo>
+                <a:close/>
+              </a:path>
+            </a:pathLst>
+          </a:custGeom>
+          <a:solidFill>
+            <a:schemeClr val="accent4"/>
+          </a:solidFill>
+          <a:ln w="603" cap="flat">
+            <a:noFill/>
+            <a:prstDash val="solid"/>
+            <a:miter/>
+          </a:ln>
+        </p:spPr>
+        <p:txBody>
+          <a:bodyPr rtlCol="0" anchor="ctr"/>
+          <a:lstStyle/>
+          <a:p>
+            <a:endParaRPr lang="en-US"/>
+          </a:p>
+        </p:txBody>
+      </p:sp>
+      <p:sp>
+        <p:nvSpPr>
+          <p:cNvPr id="37" name="Graphic 10">
+            <a:extLst>
+              <a:ext uri="{FF2B5EF4-FFF2-40B4-BE49-F238E27FC236}">
+                <a16:creationId xmlns:a16="http://schemas.microsoft.com/office/drawing/2014/main" id="{E3020543-B24B-4EC4-8FFC-8DD88EEA91A8}"/>
+              </a:ext>
+              <a:ext uri="{C183D7F6-B498-43B3-948B-1728B52AA6E4}">
+                <adec:decorative xmlns:adec="http://schemas.microsoft.com/office/drawing/2017/decorative" val="1"/>
+              </a:ext>
+            </a:extLst>
+          </p:cNvPr>
+          <p:cNvSpPr>
+            <a:spLocks noGrp="1" noRot="1" noChangeAspect="1" noMove="1" noResize="1" noEditPoints="1" noAdjustHandles="1" noChangeArrowheads="1" noChangeShapeType="1" noTextEdit="1"/>
+          </p:cNvSpPr>
+          <p:nvPr>
+            <p:extLst>
+              <p:ext uri="{386F3935-93C4-4BCD-93E2-E3B085C9AB24}">
+                <p16:designElem xmlns:p16="http://schemas.microsoft.com/office/powerpoint/2015/main" val="1"/>
+              </p:ext>
+            </p:extLst>
+          </p:nvPr>
+        </p:nvSpPr>
+        <p:spPr>
+          <a:xfrm>
+            <a:off x="6484728" y="969611"/>
+            <a:ext cx="91138" cy="91138"/>
+          </a:xfrm>
+          <a:custGeom>
+            <a:avLst/>
+            <a:gdLst>
+              <a:gd name="connsiteX0" fmla="*/ 91138 w 91138"/>
+              <a:gd name="connsiteY0" fmla="*/ 45569 h 91138"/>
+              <a:gd name="connsiteX1" fmla="*/ 45569 w 91138"/>
+              <a:gd name="connsiteY1" fmla="*/ 91138 h 91138"/>
+              <a:gd name="connsiteX2" fmla="*/ 0 w 91138"/>
+              <a:gd name="connsiteY2" fmla="*/ 45569 h 91138"/>
+              <a:gd name="connsiteX3" fmla="*/ 45569 w 91138"/>
+              <a:gd name="connsiteY3" fmla="*/ 0 h 91138"/>
+              <a:gd name="connsiteX4" fmla="*/ 91138 w 91138"/>
+              <a:gd name="connsiteY4" fmla="*/ 45569 h 91138"/>
+            </a:gdLst>
+            <a:ahLst/>
+            <a:cxnLst>
+              <a:cxn ang="0">
+                <a:pos x="connsiteX0" y="connsiteY0"/>
+              </a:cxn>
+              <a:cxn ang="0">
+                <a:pos x="connsiteX1" y="connsiteY1"/>
+              </a:cxn>
+              <a:cxn ang="0">
+                <a:pos x="connsiteX2" y="connsiteY2"/>
+              </a:cxn>
+              <a:cxn ang="0">
+                <a:pos x="connsiteX3" y="connsiteY3"/>
+              </a:cxn>
+              <a:cxn ang="0">
+                <a:pos x="connsiteX4" y="connsiteY4"/>
+              </a:cxn>
+            </a:cxnLst>
+            <a:rect l="l" t="t" r="r" b="b"/>
+            <a:pathLst>
+              <a:path w="91138" h="91138">
+                <a:moveTo>
+                  <a:pt x="91138" y="45569"/>
+                </a:moveTo>
+                <a:cubicBezTo>
+                  <a:pt x="91138" y="70736"/>
+                  <a:pt x="70736" y="91138"/>
+                  <a:pt x="45569" y="91138"/>
+                </a:cubicBezTo>
+                <a:cubicBezTo>
+                  <a:pt x="20402" y="91138"/>
+                  <a:pt x="0" y="70736"/>
+                  <a:pt x="0" y="45569"/>
+                </a:cubicBezTo>
+                <a:cubicBezTo>
+                  <a:pt x="0" y="20402"/>
+                  <a:pt x="20402" y="0"/>
+                  <a:pt x="45569" y="0"/>
+                </a:cubicBezTo>
+                <a:cubicBezTo>
+                  <a:pt x="70736" y="0"/>
+                  <a:pt x="91138" y="20402"/>
+                  <a:pt x="91138" y="45569"/>
+                </a:cubicBezTo>
+                <a:close/>
+              </a:path>
+            </a:pathLst>
+          </a:custGeom>
+          <a:solidFill>
+            <a:schemeClr val="accent4"/>
+          </a:solidFill>
+          <a:ln w="422" cap="flat">
+            <a:noFill/>
+            <a:prstDash val="solid"/>
+            <a:miter/>
+          </a:ln>
+        </p:spPr>
+        <p:txBody>
+          <a:bodyPr rtlCol="0" anchor="ctr"/>
+          <a:lstStyle/>
+          <a:p>
+            <a:endParaRPr lang="en-US"/>
+          </a:p>
+        </p:txBody>
+      </p:sp>
+      <p:sp>
+        <p:nvSpPr>
+          <p:cNvPr id="39" name="Graphic 12">
+            <a:extLst>
+              <a:ext uri="{FF2B5EF4-FFF2-40B4-BE49-F238E27FC236}">
+                <a16:creationId xmlns:a16="http://schemas.microsoft.com/office/drawing/2014/main" id="{1453BF6C-B012-48B7-B4E8-6D7AC7C27D02}"/>
+              </a:ext>
+              <a:ext uri="{C183D7F6-B498-43B3-948B-1728B52AA6E4}">
+                <adec:decorative xmlns:adec="http://schemas.microsoft.com/office/drawing/2017/decorative" val="1"/>
+              </a:ext>
+            </a:extLst>
+          </p:cNvPr>
+          <p:cNvSpPr>
+            <a:spLocks noGrp="1" noRot="1" noChangeAspect="1" noMove="1" noResize="1" noEditPoints="1" noAdjustHandles="1" noChangeArrowheads="1" noChangeShapeType="1" noTextEdit="1"/>
+          </p:cNvSpPr>
+          <p:nvPr>
+            <p:extLst>
+              <p:ext uri="{386F3935-93C4-4BCD-93E2-E3B085C9AB24}">
+                <p16:designElem xmlns:p16="http://schemas.microsoft.com/office/powerpoint/2015/main" val="1"/>
+              </p:ext>
+            </p:extLst>
+          </p:nvPr>
+        </p:nvSpPr>
+        <p:spPr>
+          <a:xfrm>
+            <a:off x="6110408" y="1484755"/>
+            <a:ext cx="127714" cy="127714"/>
+          </a:xfrm>
+          <a:custGeom>
+            <a:avLst/>
+            <a:gdLst>
+              <a:gd name="connsiteX0" fmla="*/ 63857 w 127714"/>
+              <a:gd name="connsiteY0" fmla="*/ 18874 h 127714"/>
+              <a:gd name="connsiteX1" fmla="*/ 108840 w 127714"/>
+              <a:gd name="connsiteY1" fmla="*/ 63857 h 127714"/>
+              <a:gd name="connsiteX2" fmla="*/ 63857 w 127714"/>
+              <a:gd name="connsiteY2" fmla="*/ 108840 h 127714"/>
+              <a:gd name="connsiteX3" fmla="*/ 18874 w 127714"/>
+              <a:gd name="connsiteY3" fmla="*/ 63857 h 127714"/>
+              <a:gd name="connsiteX4" fmla="*/ 63857 w 127714"/>
+              <a:gd name="connsiteY4" fmla="*/ 18874 h 127714"/>
+              <a:gd name="connsiteX5" fmla="*/ 63857 w 127714"/>
+              <a:gd name="connsiteY5" fmla="*/ 0 h 127714"/>
+              <a:gd name="connsiteX6" fmla="*/ 0 w 127714"/>
+              <a:gd name="connsiteY6" fmla="*/ 63857 h 127714"/>
+              <a:gd name="connsiteX7" fmla="*/ 63857 w 127714"/>
+              <a:gd name="connsiteY7" fmla="*/ 127714 h 127714"/>
+              <a:gd name="connsiteX8" fmla="*/ 127714 w 127714"/>
+              <a:gd name="connsiteY8" fmla="*/ 63857 h 127714"/>
+              <a:gd name="connsiteX9" fmla="*/ 63857 w 127714"/>
+              <a:gd name="connsiteY9" fmla="*/ 0 h 127714"/>
+            </a:gdLst>
+            <a:ahLst/>
+            <a:cxnLst>
+              <a:cxn ang="0">
+                <a:pos x="connsiteX0" y="connsiteY0"/>
+              </a:cxn>
+              <a:cxn ang="0">
+                <a:pos x="connsiteX1" y="connsiteY1"/>
+              </a:cxn>
+              <a:cxn ang="0">
+                <a:pos x="connsiteX2" y="connsiteY2"/>
+              </a:cxn>
+              <a:cxn ang="0">
+                <a:pos x="connsiteX3" y="connsiteY3"/>
+              </a:cxn>
+              <a:cxn ang="0">
+                <a:pos x="connsiteX4" y="connsiteY4"/>
+              </a:cxn>
+              <a:cxn ang="0">
+                <a:pos x="connsiteX5" y="connsiteY5"/>
+              </a:cxn>
+              <a:cxn ang="0">
+                <a:pos x="connsiteX6" y="connsiteY6"/>
+              </a:cxn>
+              <a:cxn ang="0">
+                <a:pos x="connsiteX7" y="connsiteY7"/>
+              </a:cxn>
+              <a:cxn ang="0">
+                <a:pos x="connsiteX8" y="connsiteY8"/>
+              </a:cxn>
+              <a:cxn ang="0">
+                <a:pos x="connsiteX9" y="connsiteY9"/>
+              </a:cxn>
+            </a:cxnLst>
+            <a:rect l="l" t="t" r="r" b="b"/>
+            <a:pathLst>
+              <a:path w="127714" h="127714">
+                <a:moveTo>
+                  <a:pt x="63857" y="18874"/>
+                </a:moveTo>
+                <a:cubicBezTo>
+                  <a:pt x="88700" y="18874"/>
+                  <a:pt x="108840" y="39014"/>
+                  <a:pt x="108840" y="63857"/>
+                </a:cubicBezTo>
+                <a:cubicBezTo>
+                  <a:pt x="108840" y="88700"/>
+                  <a:pt x="88700" y="108840"/>
+                  <a:pt x="63857" y="108840"/>
+                </a:cubicBezTo>
+                <a:cubicBezTo>
+                  <a:pt x="39014" y="108840"/>
+                  <a:pt x="18874" y="88700"/>
+                  <a:pt x="18874" y="63857"/>
+                </a:cubicBezTo>
+                <a:cubicBezTo>
+                  <a:pt x="18898" y="39024"/>
+                  <a:pt x="39024" y="18898"/>
+                  <a:pt x="63857" y="18874"/>
+                </a:cubicBezTo>
+                <a:moveTo>
+                  <a:pt x="63857" y="0"/>
+                </a:moveTo>
+                <a:cubicBezTo>
+                  <a:pt x="28590" y="0"/>
+                  <a:pt x="0" y="28590"/>
+                  <a:pt x="0" y="63857"/>
+                </a:cubicBezTo>
+                <a:cubicBezTo>
+                  <a:pt x="0" y="99124"/>
+                  <a:pt x="28590" y="127714"/>
+                  <a:pt x="63857" y="127714"/>
+                </a:cubicBezTo>
+                <a:cubicBezTo>
+                  <a:pt x="99124" y="127714"/>
+                  <a:pt x="127714" y="99124"/>
+                  <a:pt x="127714" y="63857"/>
+                </a:cubicBezTo>
+                <a:cubicBezTo>
+                  <a:pt x="127714" y="28590"/>
+                  <a:pt x="99124" y="0"/>
+                  <a:pt x="63857" y="0"/>
+                </a:cubicBezTo>
+                <a:close/>
+              </a:path>
+            </a:pathLst>
+          </a:custGeom>
+          <a:solidFill>
+            <a:schemeClr val="accent4"/>
+          </a:solidFill>
+          <a:ln w="610" cap="flat">
+            <a:noFill/>
+            <a:prstDash val="solid"/>
+            <a:miter/>
+          </a:ln>
+        </p:spPr>
+        <p:txBody>
+          <a:bodyPr rtlCol="0" anchor="ctr"/>
+          <a:lstStyle/>
+          <a:p>
+            <a:endParaRPr lang="en-US"/>
+          </a:p>
+        </p:txBody>
+      </p:sp>
+      <p:pic>
+        <p:nvPicPr>
+          <p:cNvPr id="8" name="Picture 4">
+            <a:extLst>
+              <a:ext uri="{FF2B5EF4-FFF2-40B4-BE49-F238E27FC236}">
+                <a16:creationId xmlns:a16="http://schemas.microsoft.com/office/drawing/2014/main" id="{C78A460D-C092-41BD-A755-40873D3E844E}"/>
+              </a:ext>
+            </a:extLst>
+          </p:cNvPr>
+          <p:cNvPicPr>
+            <a:picLocks noChangeAspect="1" noChangeArrowheads="1"/>
+          </p:cNvPicPr>
+          <p:nvPr/>
+        </p:nvPicPr>
+        <p:blipFill>
+          <a:blip r:embed="rId2">
+            <a:extLst>
+              <a:ext uri="{28A0092B-C50C-407E-A947-70E740481C1C}">
+                <a14:useLocalDpi xmlns:a14="http://schemas.microsoft.com/office/drawing/2010/main" val="0"/>
+              </a:ext>
+            </a:extLst>
+          </a:blip>
+          <a:stretch>
+            <a:fillRect/>
+          </a:stretch>
+        </p:blipFill>
+        <p:spPr bwMode="auto">
+          <a:xfrm>
+            <a:off x="715890" y="1915785"/>
+            <a:ext cx="6855382" cy="4513270"/>
+          </a:xfrm>
+          <a:prstGeom prst="rect">
+            <a:avLst/>
+          </a:prstGeom>
+          <a:noFill/>
+          <a:extLst>
+            <a:ext uri="{909E8E84-426E-40DD-AFC4-6F175D3DCCD1}">
+              <a14:hiddenFill xmlns:a14="http://schemas.microsoft.com/office/drawing/2010/main">
+                <a:solidFill>
+                  <a:srgbClr val="FFFFFF"/>
+                </a:solidFill>
+              </a14:hiddenFill>
+            </a:ext>
+          </a:extLst>
+        </p:spPr>
+      </p:pic>
+      <p:sp>
+        <p:nvSpPr>
+          <p:cNvPr id="9" name="Text Placeholder 8">
+            <a:extLst>
+              <a:ext uri="{FF2B5EF4-FFF2-40B4-BE49-F238E27FC236}">
+                <a16:creationId xmlns:a16="http://schemas.microsoft.com/office/drawing/2014/main" id="{F3D8A0EA-6F97-4B6C-91C5-F6ABCFBE591B}"/>
+              </a:ext>
+            </a:extLst>
+          </p:cNvPr>
+          <p:cNvSpPr txBox="1">
+            <a:spLocks noGrp="1"/>
+          </p:cNvSpPr>
+          <p:nvPr>
+            <p:ph type="body" sz="half" idx="2"/>
+          </p:nvPr>
+        </p:nvSpPr>
+        <p:spPr>
+          <a:xfrm>
+            <a:off x="8069582" y="1548612"/>
+            <a:ext cx="3845559" cy="4862190"/>
+          </a:xfrm>
+          <a:prstGeom prst="rect">
+            <a:avLst/>
+          </a:prstGeom>
+        </p:spPr>
+        <p:txBody>
+          <a:bodyPr vert="horz" lIns="91440" tIns="45720" rIns="91440" bIns="45720" rtlCol="0" anchor="ctr">
+            <a:normAutofit/>
+          </a:bodyPr>
+          <a:lstStyle/>
+          <a:p>
+            <a:pPr marL="285750" indent="-228600">
+              <a:buFont typeface="Arial" panose="020B0604020202020204" pitchFamily="34" charset="0"/>
+              <a:buChar char="•"/>
+            </a:pPr>
+            <a:r>
+              <a:rPr lang="en-US" sz="1800" dirty="0"/>
+              <a:t>Online retail data by transactions for a full year</a:t>
+            </a:r>
+          </a:p>
+          <a:p>
+            <a:pPr marL="285750" indent="-228600">
+              <a:buFont typeface="Arial" panose="020B0604020202020204" pitchFamily="34" charset="0"/>
+              <a:buChar char="•"/>
+            </a:pPr>
+            <a:endParaRPr lang="en-US" sz="1800" dirty="0"/>
+          </a:p>
+          <a:p>
+            <a:pPr marL="285750" indent="-228600">
+              <a:buFont typeface="Arial" panose="020B0604020202020204" pitchFamily="34" charset="0"/>
+              <a:buChar char="•"/>
+            </a:pPr>
+            <a:r>
+              <a:rPr lang="en-US" sz="1800" dirty="0"/>
+              <a:t>The graph on the left indicates that sales sharply increases in November. This shows seasonality in sales.</a:t>
+            </a:r>
+          </a:p>
+          <a:p>
+            <a:pPr marL="285750" indent="-228600">
+              <a:buFont typeface="Arial" panose="020B0604020202020204" pitchFamily="34" charset="0"/>
+              <a:buChar char="•"/>
+            </a:pPr>
+            <a:endParaRPr lang="en-US" sz="1800" dirty="0"/>
+          </a:p>
+        </p:txBody>
+      </p:sp>
+    </p:spTree>
+    <p:extLst>
+      <p:ext uri="{BB962C8B-B14F-4D97-AF65-F5344CB8AC3E}">
+        <p14:creationId xmlns:p14="http://schemas.microsoft.com/office/powerpoint/2010/main" val="1092011607"/>
+      </p:ext>
+    </p:extLst>
+  </p:cSld>
+  <p:clrMapOvr>
+    <a:masterClrMapping/>
+  </p:clrMapOvr>
+</p:sld>
+</file>
+
+<file path=ppt/slides/slide6.xml><?xml version="1.0" encoding="utf-8"?>
+<p:sld xmlns:a="http://schemas.openxmlformats.org/drawingml/2006/main" xmlns:r="http://schemas.openxmlformats.org/officeDocument/2006/relationships" xmlns:p="http://schemas.openxmlformats.org/presentationml/2006/main">
+  <p:cSld>
+    <p:spTree>
+      <p:nvGrpSpPr>
+        <p:cNvPr id="1" name=""/>
+        <p:cNvGrpSpPr/>
+        <p:nvPr/>
+      </p:nvGrpSpPr>
+      <p:grpSpPr>
+        <a:xfrm>
+          <a:off x="0" y="0"/>
+          <a:ext cx="0" cy="0"/>
+          <a:chOff x="0" y="0"/>
+          <a:chExt cx="0" cy="0"/>
+        </a:xfrm>
+      </p:grpSpPr>
+      <p:sp>
+        <p:nvSpPr>
+          <p:cNvPr id="2" name="Title 1">
+            <a:extLst>
+              <a:ext uri="{FF2B5EF4-FFF2-40B4-BE49-F238E27FC236}">
+                <a16:creationId xmlns:a16="http://schemas.microsoft.com/office/drawing/2014/main" id="{846E9808-C39A-4979-B656-3DF35894039D}"/>
+              </a:ext>
+            </a:extLst>
+          </p:cNvPr>
+          <p:cNvSpPr>
+            <a:spLocks noGrp="1"/>
+          </p:cNvSpPr>
+          <p:nvPr>
+            <p:ph type="title"/>
+          </p:nvPr>
+        </p:nvSpPr>
+        <p:spPr/>
+        <p:txBody>
+          <a:bodyPr/>
+          <a:lstStyle/>
+          <a:p>
+            <a:r>
+              <a:rPr lang="en-US" dirty="0"/>
+              <a:t>No. of Transactions</a:t>
+            </a:r>
+          </a:p>
+        </p:txBody>
+      </p:sp>
+      <p:pic>
+        <p:nvPicPr>
+          <p:cNvPr id="3" name="Picture 2">
+            <a:extLst>
+              <a:ext uri="{FF2B5EF4-FFF2-40B4-BE49-F238E27FC236}">
+                <a16:creationId xmlns:a16="http://schemas.microsoft.com/office/drawing/2014/main" id="{71A7602E-045F-4574-BD6D-C3660A10FF99}"/>
+              </a:ext>
+            </a:extLst>
+          </p:cNvPr>
+          <p:cNvPicPr>
+            <a:picLocks noChangeAspect="1"/>
+          </p:cNvPicPr>
+          <p:nvPr/>
+        </p:nvPicPr>
+        <p:blipFill>
+          <a:blip r:embed="rId2"/>
+          <a:stretch>
+            <a:fillRect/>
+          </a:stretch>
+        </p:blipFill>
+        <p:spPr>
+          <a:xfrm>
+            <a:off x="1410224" y="1774100"/>
+            <a:ext cx="5965936" cy="4832495"/>
+          </a:xfrm>
+          <a:prstGeom prst="rect">
+            <a:avLst/>
+          </a:prstGeom>
+        </p:spPr>
+      </p:pic>
+      <p:sp>
+        <p:nvSpPr>
+          <p:cNvPr id="4" name="Text Placeholder 8">
+            <a:extLst>
+              <a:ext uri="{FF2B5EF4-FFF2-40B4-BE49-F238E27FC236}">
+                <a16:creationId xmlns:a16="http://schemas.microsoft.com/office/drawing/2014/main" id="{72F75899-02B4-4BE8-9670-C740CD8BCCBE}"/>
+              </a:ext>
+            </a:extLst>
+          </p:cNvPr>
+          <p:cNvSpPr txBox="1">
+            <a:spLocks/>
+          </p:cNvSpPr>
+          <p:nvPr/>
+        </p:nvSpPr>
+        <p:spPr>
+          <a:xfrm>
+            <a:off x="7175502" y="1630685"/>
+            <a:ext cx="3845559" cy="4862190"/>
+          </a:xfrm>
+          <a:prstGeom prst="rect">
+            <a:avLst/>
+          </a:prstGeom>
+        </p:spPr>
+        <p:txBody>
+          <a:bodyPr vert="horz" lIns="91440" tIns="45720" rIns="91440" bIns="45720" rtlCol="0" anchor="ctr">
+            <a:normAutofit/>
+          </a:bodyPr>
+          <a:lstStyle>
+            <a:lvl1pPr marL="228600" indent="-228600" algn="l" defTabSz="914400" rtl="0" eaLnBrk="1" latinLnBrk="0" hangingPunct="1">
+              <a:lnSpc>
+                <a:spcPct val="90000"/>
+              </a:lnSpc>
+              <a:spcBef>
+                <a:spcPts val="1000"/>
+              </a:spcBef>
+              <a:buFont typeface="Arial" panose="020B0604020202020204" pitchFamily="34" charset="0"/>
+              <a:buChar char="•"/>
+              <a:defRPr sz="2800" kern="1200">
+                <a:solidFill>
+                  <a:schemeClr val="tx1"/>
+                </a:solidFill>
+                <a:latin typeface="+mn-lt"/>
+                <a:ea typeface="+mn-ea"/>
+                <a:cs typeface="+mn-cs"/>
+              </a:defRPr>
+            </a:lvl1pPr>
+            <a:lvl2pPr marL="685800" indent="-228600" algn="l" defTabSz="914400" rtl="0" eaLnBrk="1" latinLnBrk="0" hangingPunct="1">
+              <a:lnSpc>
+                <a:spcPct val="90000"/>
+              </a:lnSpc>
+              <a:spcBef>
+                <a:spcPts val="500"/>
+              </a:spcBef>
+              <a:buFont typeface="Arial" panose="020B0604020202020204" pitchFamily="34" charset="0"/>
+              <a:buChar char="•"/>
+              <a:defRPr sz="2400" kern="1200">
+                <a:solidFill>
+                  <a:schemeClr val="tx1"/>
+                </a:solidFill>
+                <a:latin typeface="+mn-lt"/>
+                <a:ea typeface="+mn-ea"/>
+                <a:cs typeface="+mn-cs"/>
+              </a:defRPr>
+            </a:lvl2pPr>
+            <a:lvl3pPr marL="1143000" indent="-228600" algn="l" defTabSz="914400" rtl="0" eaLnBrk="1" latinLnBrk="0" hangingPunct="1">
+              <a:lnSpc>
+                <a:spcPct val="90000"/>
+              </a:lnSpc>
+              <a:spcBef>
+                <a:spcPts val="500"/>
+              </a:spcBef>
+              <a:buFont typeface="Arial" panose="020B0604020202020204" pitchFamily="34" charset="0"/>
+              <a:buChar char="•"/>
+              <a:defRPr sz="2000" kern="1200">
+                <a:solidFill>
+                  <a:schemeClr val="tx1"/>
+                </a:solidFill>
+                <a:latin typeface="+mn-lt"/>
+                <a:ea typeface="+mn-ea"/>
+                <a:cs typeface="+mn-cs"/>
+              </a:defRPr>
+            </a:lvl3pPr>
+            <a:lvl4pPr marL="1600200" indent="-228600" algn="l" defTabSz="914400" rtl="0" eaLnBrk="1" latinLnBrk="0" hangingPunct="1">
+              <a:lnSpc>
+                <a:spcPct val="90000"/>
+              </a:lnSpc>
+              <a:spcBef>
+                <a:spcPts val="500"/>
+              </a:spcBef>
+              <a:buFont typeface="Arial" panose="020B0604020202020204" pitchFamily="34" charset="0"/>
+              <a:buChar char="•"/>
+              <a:defRPr sz="1800" kern="1200">
+                <a:solidFill>
+                  <a:schemeClr val="tx1"/>
+                </a:solidFill>
+                <a:latin typeface="+mn-lt"/>
+                <a:ea typeface="+mn-ea"/>
+                <a:cs typeface="+mn-cs"/>
+              </a:defRPr>
+            </a:lvl4pPr>
+            <a:lvl5pPr marL="2057400" indent="-228600" algn="l" defTabSz="914400" rtl="0" eaLnBrk="1" latinLnBrk="0" hangingPunct="1">
+              <a:lnSpc>
+                <a:spcPct val="90000"/>
+              </a:lnSpc>
+              <a:spcBef>
+                <a:spcPts val="500"/>
+              </a:spcBef>
+              <a:buFont typeface="Arial" panose="020B0604020202020204" pitchFamily="34" charset="0"/>
+              <a:buChar char="•"/>
+              <a:defRPr sz="1800" kern="1200">
+                <a:solidFill>
+                  <a:schemeClr val="tx1"/>
+                </a:solidFill>
+                <a:latin typeface="+mn-lt"/>
+                <a:ea typeface="+mn-ea"/>
+                <a:cs typeface="+mn-cs"/>
+              </a:defRPr>
+            </a:lvl5pPr>
+            <a:lvl6pPr marL="2514600" indent="-228600" algn="l" defTabSz="914400" rtl="0" eaLnBrk="1" latinLnBrk="0" hangingPunct="1">
+              <a:lnSpc>
+                <a:spcPct val="90000"/>
+              </a:lnSpc>
+              <a:spcBef>
+                <a:spcPts val="500"/>
+              </a:spcBef>
+              <a:buFont typeface="Arial" panose="020B0604020202020204" pitchFamily="34" charset="0"/>
+              <a:buChar char="•"/>
+              <a:defRPr sz="1800" kern="1200">
+                <a:solidFill>
+                  <a:schemeClr val="tx1"/>
+                </a:solidFill>
+                <a:latin typeface="+mn-lt"/>
+                <a:ea typeface="+mn-ea"/>
+                <a:cs typeface="+mn-cs"/>
+              </a:defRPr>
+            </a:lvl6pPr>
+            <a:lvl7pPr marL="2971800" indent="-228600" algn="l" defTabSz="914400" rtl="0" eaLnBrk="1" latinLnBrk="0" hangingPunct="1">
+              <a:lnSpc>
+                <a:spcPct val="90000"/>
+              </a:lnSpc>
+              <a:spcBef>
+                <a:spcPts val="500"/>
+              </a:spcBef>
+              <a:buFont typeface="Arial" panose="020B0604020202020204" pitchFamily="34" charset="0"/>
+              <a:buChar char="•"/>
+              <a:defRPr sz="1800" kern="1200">
+                <a:solidFill>
+                  <a:schemeClr val="tx1"/>
+                </a:solidFill>
+                <a:latin typeface="+mn-lt"/>
+                <a:ea typeface="+mn-ea"/>
+                <a:cs typeface="+mn-cs"/>
+              </a:defRPr>
+            </a:lvl7pPr>
+            <a:lvl8pPr marL="3429000" indent="-228600" algn="l" defTabSz="914400" rtl="0" eaLnBrk="1" latinLnBrk="0" hangingPunct="1">
+              <a:lnSpc>
+                <a:spcPct val="90000"/>
+              </a:lnSpc>
+              <a:spcBef>
+                <a:spcPts val="500"/>
+              </a:spcBef>
+              <a:buFont typeface="Arial" panose="020B0604020202020204" pitchFamily="34" charset="0"/>
+              <a:buChar char="•"/>
+              <a:defRPr sz="1800" kern="1200">
+                <a:solidFill>
+                  <a:schemeClr val="tx1"/>
+                </a:solidFill>
+                <a:latin typeface="+mn-lt"/>
+                <a:ea typeface="+mn-ea"/>
+                <a:cs typeface="+mn-cs"/>
+              </a:defRPr>
+            </a:lvl8pPr>
+            <a:lvl9pPr marL="3886200" indent="-228600" algn="l" defTabSz="914400" rtl="0" eaLnBrk="1" latinLnBrk="0" hangingPunct="1">
+              <a:lnSpc>
+                <a:spcPct val="90000"/>
+              </a:lnSpc>
+              <a:spcBef>
+                <a:spcPts val="500"/>
+              </a:spcBef>
+              <a:buFont typeface="Arial" panose="020B0604020202020204" pitchFamily="34" charset="0"/>
+              <a:buChar char="•"/>
+              <a:defRPr sz="1800" kern="1200">
+                <a:solidFill>
+                  <a:schemeClr val="tx1"/>
+                </a:solidFill>
+                <a:latin typeface="+mn-lt"/>
+                <a:ea typeface="+mn-ea"/>
+                <a:cs typeface="+mn-cs"/>
+              </a:defRPr>
+            </a:lvl9pPr>
+          </a:lstStyle>
+          <a:p>
+            <a:pPr marL="285750"/>
+            <a:r>
+              <a:rPr lang="en-US" sz="1800" dirty="0"/>
+              <a:t>Majority of customers make one transaction</a:t>
+            </a:r>
+          </a:p>
+          <a:p>
+            <a:pPr marL="285750"/>
+            <a:r>
+              <a:rPr lang="en-US" sz="1800" dirty="0"/>
+              <a:t>The distribution of transactions is skewed right</a:t>
+            </a:r>
+          </a:p>
+        </p:txBody>
+      </p:sp>
+    </p:spTree>
+    <p:extLst>
+      <p:ext uri="{BB962C8B-B14F-4D97-AF65-F5344CB8AC3E}">
+        <p14:creationId xmlns:p14="http://schemas.microsoft.com/office/powerpoint/2010/main" val="3516742260"/>
+      </p:ext>
+    </p:extLst>
+  </p:cSld>
+  <p:clrMapOvr>
+    <a:masterClrMapping/>
+  </p:clrMapOvr>
+</p:sld>
+</file>
+
+<file path=ppt/slides/slide7.xml><?xml version="1.0" encoding="utf-8"?>
+<p:sld xmlns:a="http://schemas.openxmlformats.org/drawingml/2006/main" xmlns:r="http://schemas.openxmlformats.org/officeDocument/2006/relationships" xmlns:p="http://schemas.openxmlformats.org/presentationml/2006/main">
+  <p:cSld>
+    <p:spTree>
+      <p:nvGrpSpPr>
+        <p:cNvPr id="1" name=""/>
+        <p:cNvGrpSpPr/>
+        <p:nvPr/>
+      </p:nvGrpSpPr>
+      <p:grpSpPr>
+        <a:xfrm>
+          <a:off x="0" y="0"/>
+          <a:ext cx="0" cy="0"/>
+          <a:chOff x="0" y="0"/>
+          <a:chExt cx="0" cy="0"/>
+        </a:xfrm>
+      </p:grpSpPr>
+      <p:sp>
+        <p:nvSpPr>
+          <p:cNvPr id="2" name="Title 1">
+            <a:extLst>
+              <a:ext uri="{FF2B5EF4-FFF2-40B4-BE49-F238E27FC236}">
+                <a16:creationId xmlns:a16="http://schemas.microsoft.com/office/drawing/2014/main" id="{148B84F2-64B4-4980-9150-F36F5E08A177}"/>
+              </a:ext>
+            </a:extLst>
+          </p:cNvPr>
+          <p:cNvSpPr>
+            <a:spLocks noGrp="1"/>
+          </p:cNvSpPr>
+          <p:nvPr>
+            <p:ph type="title"/>
+          </p:nvPr>
+        </p:nvSpPr>
+        <p:spPr/>
+        <p:txBody>
+          <a:bodyPr/>
+          <a:lstStyle/>
+          <a:p>
+            <a:r>
+              <a:rPr lang="en-US" dirty="0"/>
+              <a:t>Customer Recency</a:t>
+            </a:r>
+          </a:p>
+        </p:txBody>
+      </p:sp>
+      <p:pic>
+        <p:nvPicPr>
+          <p:cNvPr id="3" name="Picture 2">
+            <a:extLst>
+              <a:ext uri="{FF2B5EF4-FFF2-40B4-BE49-F238E27FC236}">
+                <a16:creationId xmlns:a16="http://schemas.microsoft.com/office/drawing/2014/main" id="{D665600D-CD74-4BB3-BD87-BC379A815BFC}"/>
+              </a:ext>
+            </a:extLst>
+          </p:cNvPr>
+          <p:cNvPicPr>
+            <a:picLocks noChangeAspect="1"/>
+          </p:cNvPicPr>
+          <p:nvPr/>
+        </p:nvPicPr>
+        <p:blipFill>
+          <a:blip r:embed="rId2"/>
+          <a:stretch>
+            <a:fillRect/>
+          </a:stretch>
+        </p:blipFill>
+        <p:spPr>
+          <a:xfrm>
+            <a:off x="1219714" y="1951264"/>
+            <a:ext cx="6359646" cy="4776189"/>
+          </a:xfrm>
+          <a:prstGeom prst="rect">
+            <a:avLst/>
+          </a:prstGeom>
+        </p:spPr>
+      </p:pic>
+      <p:sp>
+        <p:nvSpPr>
+          <p:cNvPr id="4" name="Text Placeholder 8">
+            <a:extLst>
+              <a:ext uri="{FF2B5EF4-FFF2-40B4-BE49-F238E27FC236}">
+                <a16:creationId xmlns:a16="http://schemas.microsoft.com/office/drawing/2014/main" id="{7140B211-782A-44D5-AB3F-73DFFE562006}"/>
+              </a:ext>
+            </a:extLst>
+          </p:cNvPr>
+          <p:cNvSpPr txBox="1">
+            <a:spLocks/>
+          </p:cNvSpPr>
+          <p:nvPr/>
+        </p:nvSpPr>
+        <p:spPr>
+          <a:xfrm>
+            <a:off x="7175502" y="1630685"/>
+            <a:ext cx="3845559" cy="4862190"/>
+          </a:xfrm>
+          <a:prstGeom prst="rect">
+            <a:avLst/>
+          </a:prstGeom>
+        </p:spPr>
+        <p:txBody>
+          <a:bodyPr vert="horz" lIns="91440" tIns="45720" rIns="91440" bIns="45720" rtlCol="0" anchor="ctr">
+            <a:normAutofit/>
+          </a:bodyPr>
+          <a:lstStyle>
+            <a:lvl1pPr marL="228600" indent="-228600" algn="l" defTabSz="914400" rtl="0" eaLnBrk="1" latinLnBrk="0" hangingPunct="1">
+              <a:lnSpc>
+                <a:spcPct val="90000"/>
+              </a:lnSpc>
+              <a:spcBef>
+                <a:spcPts val="1000"/>
+              </a:spcBef>
+              <a:buFont typeface="Arial" panose="020B0604020202020204" pitchFamily="34" charset="0"/>
+              <a:buChar char="•"/>
+              <a:defRPr sz="2800" kern="1200">
+                <a:solidFill>
+                  <a:schemeClr val="tx1"/>
+                </a:solidFill>
+                <a:latin typeface="+mn-lt"/>
+                <a:ea typeface="+mn-ea"/>
+                <a:cs typeface="+mn-cs"/>
+              </a:defRPr>
+            </a:lvl1pPr>
+            <a:lvl2pPr marL="685800" indent="-228600" algn="l" defTabSz="914400" rtl="0" eaLnBrk="1" latinLnBrk="0" hangingPunct="1">
+              <a:lnSpc>
+                <a:spcPct val="90000"/>
+              </a:lnSpc>
+              <a:spcBef>
+                <a:spcPts val="500"/>
+              </a:spcBef>
+              <a:buFont typeface="Arial" panose="020B0604020202020204" pitchFamily="34" charset="0"/>
+              <a:buChar char="•"/>
+              <a:defRPr sz="2400" kern="1200">
+                <a:solidFill>
+                  <a:schemeClr val="tx1"/>
+                </a:solidFill>
+                <a:latin typeface="+mn-lt"/>
+                <a:ea typeface="+mn-ea"/>
+                <a:cs typeface="+mn-cs"/>
+              </a:defRPr>
+            </a:lvl2pPr>
+            <a:lvl3pPr marL="1143000" indent="-228600" algn="l" defTabSz="914400" rtl="0" eaLnBrk="1" latinLnBrk="0" hangingPunct="1">
+              <a:lnSpc>
+                <a:spcPct val="90000"/>
+              </a:lnSpc>
+              <a:spcBef>
+                <a:spcPts val="500"/>
+              </a:spcBef>
+              <a:buFont typeface="Arial" panose="020B0604020202020204" pitchFamily="34" charset="0"/>
+              <a:buChar char="•"/>
+              <a:defRPr sz="2000" kern="1200">
+                <a:solidFill>
+                  <a:schemeClr val="tx1"/>
+                </a:solidFill>
+                <a:latin typeface="+mn-lt"/>
+                <a:ea typeface="+mn-ea"/>
+                <a:cs typeface="+mn-cs"/>
+              </a:defRPr>
+            </a:lvl3pPr>
+            <a:lvl4pPr marL="1600200" indent="-228600" algn="l" defTabSz="914400" rtl="0" eaLnBrk="1" latinLnBrk="0" hangingPunct="1">
+              <a:lnSpc>
+                <a:spcPct val="90000"/>
+              </a:lnSpc>
+              <a:spcBef>
+                <a:spcPts val="500"/>
+              </a:spcBef>
+              <a:buFont typeface="Arial" panose="020B0604020202020204" pitchFamily="34" charset="0"/>
+              <a:buChar char="•"/>
+              <a:defRPr sz="1800" kern="1200">
+                <a:solidFill>
+                  <a:schemeClr val="tx1"/>
+                </a:solidFill>
+                <a:latin typeface="+mn-lt"/>
+                <a:ea typeface="+mn-ea"/>
+                <a:cs typeface="+mn-cs"/>
+              </a:defRPr>
+            </a:lvl4pPr>
+            <a:lvl5pPr marL="2057400" indent="-228600" algn="l" defTabSz="914400" rtl="0" eaLnBrk="1" latinLnBrk="0" hangingPunct="1">
+              <a:lnSpc>
+                <a:spcPct val="90000"/>
+              </a:lnSpc>
+              <a:spcBef>
+                <a:spcPts val="500"/>
+              </a:spcBef>
+              <a:buFont typeface="Arial" panose="020B0604020202020204" pitchFamily="34" charset="0"/>
+              <a:buChar char="•"/>
+              <a:defRPr sz="1800" kern="1200">
+                <a:solidFill>
+                  <a:schemeClr val="tx1"/>
+                </a:solidFill>
+                <a:latin typeface="+mn-lt"/>
+                <a:ea typeface="+mn-ea"/>
+                <a:cs typeface="+mn-cs"/>
+              </a:defRPr>
+            </a:lvl5pPr>
+            <a:lvl6pPr marL="2514600" indent="-228600" algn="l" defTabSz="914400" rtl="0" eaLnBrk="1" latinLnBrk="0" hangingPunct="1">
+              <a:lnSpc>
+                <a:spcPct val="90000"/>
+              </a:lnSpc>
+              <a:spcBef>
+                <a:spcPts val="500"/>
+              </a:spcBef>
+              <a:buFont typeface="Arial" panose="020B0604020202020204" pitchFamily="34" charset="0"/>
+              <a:buChar char="•"/>
+              <a:defRPr sz="1800" kern="1200">
+                <a:solidFill>
+                  <a:schemeClr val="tx1"/>
+                </a:solidFill>
+                <a:latin typeface="+mn-lt"/>
+                <a:ea typeface="+mn-ea"/>
+                <a:cs typeface="+mn-cs"/>
+              </a:defRPr>
+            </a:lvl6pPr>
+            <a:lvl7pPr marL="2971800" indent="-228600" algn="l" defTabSz="914400" rtl="0" eaLnBrk="1" latinLnBrk="0" hangingPunct="1">
+              <a:lnSpc>
+                <a:spcPct val="90000"/>
+              </a:lnSpc>
+              <a:spcBef>
+                <a:spcPts val="500"/>
+              </a:spcBef>
+              <a:buFont typeface="Arial" panose="020B0604020202020204" pitchFamily="34" charset="0"/>
+              <a:buChar char="•"/>
+              <a:defRPr sz="1800" kern="1200">
+                <a:solidFill>
+                  <a:schemeClr val="tx1"/>
+                </a:solidFill>
+                <a:latin typeface="+mn-lt"/>
+                <a:ea typeface="+mn-ea"/>
+                <a:cs typeface="+mn-cs"/>
+              </a:defRPr>
+            </a:lvl7pPr>
+            <a:lvl8pPr marL="3429000" indent="-228600" algn="l" defTabSz="914400" rtl="0" eaLnBrk="1" latinLnBrk="0" hangingPunct="1">
+              <a:lnSpc>
+                <a:spcPct val="90000"/>
+              </a:lnSpc>
+              <a:spcBef>
+                <a:spcPts val="500"/>
+              </a:spcBef>
+              <a:buFont typeface="Arial" panose="020B0604020202020204" pitchFamily="34" charset="0"/>
+              <a:buChar char="•"/>
+              <a:defRPr sz="1800" kern="1200">
+                <a:solidFill>
+                  <a:schemeClr val="tx1"/>
+                </a:solidFill>
+                <a:latin typeface="+mn-lt"/>
+                <a:ea typeface="+mn-ea"/>
+                <a:cs typeface="+mn-cs"/>
+              </a:defRPr>
+            </a:lvl8pPr>
+            <a:lvl9pPr marL="3886200" indent="-228600" algn="l" defTabSz="914400" rtl="0" eaLnBrk="1" latinLnBrk="0" hangingPunct="1">
+              <a:lnSpc>
+                <a:spcPct val="90000"/>
+              </a:lnSpc>
+              <a:spcBef>
+                <a:spcPts val="500"/>
+              </a:spcBef>
+              <a:buFont typeface="Arial" panose="020B0604020202020204" pitchFamily="34" charset="0"/>
+              <a:buChar char="•"/>
+              <a:defRPr sz="1800" kern="1200">
+                <a:solidFill>
+                  <a:schemeClr val="tx1"/>
+                </a:solidFill>
+                <a:latin typeface="+mn-lt"/>
+                <a:ea typeface="+mn-ea"/>
+                <a:cs typeface="+mn-cs"/>
+              </a:defRPr>
+            </a:lvl9pPr>
+          </a:lstStyle>
+          <a:p>
+            <a:pPr marL="285750"/>
+            <a:r>
+              <a:rPr lang="en-US" sz="1800" dirty="0"/>
+              <a:t>Majority of customers in 2011 were active at the end of the year</a:t>
+            </a:r>
+          </a:p>
+          <a:p>
+            <a:pPr marL="285750"/>
+            <a:r>
+              <a:rPr lang="en-US" sz="1800" dirty="0"/>
+              <a:t>The distribution of recency is skewed right</a:t>
+            </a:r>
+          </a:p>
+        </p:txBody>
+      </p:sp>
+    </p:spTree>
+    <p:extLst>
+      <p:ext uri="{BB962C8B-B14F-4D97-AF65-F5344CB8AC3E}">
+        <p14:creationId xmlns:p14="http://schemas.microsoft.com/office/powerpoint/2010/main" val="4096452857"/>
+      </p:ext>
+    </p:extLst>
+  </p:cSld>
+  <p:clrMapOvr>
+    <a:masterClrMapping/>
+  </p:clrMapOvr>
+</p:sld>
+</file>
+
+<file path=ppt/slides/slide8.xml><?xml version="1.0" encoding="utf-8"?>
+<p:sld xmlns:a="http://schemas.openxmlformats.org/drawingml/2006/main" xmlns:r="http://schemas.openxmlformats.org/officeDocument/2006/relationships" xmlns:p="http://schemas.openxmlformats.org/presentationml/2006/main">
+  <p:cSld>
+    <p:spTree>
+      <p:nvGrpSpPr>
+        <p:cNvPr id="1" name=""/>
+        <p:cNvGrpSpPr/>
+        <p:nvPr/>
+      </p:nvGrpSpPr>
+      <p:grpSpPr>
+        <a:xfrm>
+          <a:off x="0" y="0"/>
+          <a:ext cx="0" cy="0"/>
+          <a:chOff x="0" y="0"/>
+          <a:chExt cx="0" cy="0"/>
+        </a:xfrm>
+      </p:grpSpPr>
+      <p:sp>
+        <p:nvSpPr>
+          <p:cNvPr id="2" name="Title 1">
+            <a:extLst>
+              <a:ext uri="{FF2B5EF4-FFF2-40B4-BE49-F238E27FC236}">
+                <a16:creationId xmlns:a16="http://schemas.microsoft.com/office/drawing/2014/main" id="{61AA2360-D846-4DB7-8D59-B794035494FF}"/>
+              </a:ext>
+            </a:extLst>
+          </p:cNvPr>
+          <p:cNvSpPr>
+            <a:spLocks noGrp="1"/>
+          </p:cNvSpPr>
+          <p:nvPr>
+            <p:ph type="title"/>
+          </p:nvPr>
+        </p:nvSpPr>
+        <p:spPr/>
+        <p:txBody>
+          <a:bodyPr/>
+          <a:lstStyle/>
+          <a:p>
+            <a:r>
+              <a:rPr lang="en-US" dirty="0"/>
+              <a:t>Spend for Customers</a:t>
+            </a:r>
+          </a:p>
+        </p:txBody>
+      </p:sp>
+      <p:pic>
+        <p:nvPicPr>
+          <p:cNvPr id="3" name="Picture 2">
+            <a:extLst>
+              <a:ext uri="{FF2B5EF4-FFF2-40B4-BE49-F238E27FC236}">
+                <a16:creationId xmlns:a16="http://schemas.microsoft.com/office/drawing/2014/main" id="{962D19B0-BDFB-46BA-97EF-D68BC28C70FF}"/>
+              </a:ext>
+            </a:extLst>
+          </p:cNvPr>
+          <p:cNvPicPr>
+            <a:picLocks noChangeAspect="1"/>
+          </p:cNvPicPr>
+          <p:nvPr/>
+        </p:nvPicPr>
+        <p:blipFill>
+          <a:blip r:embed="rId2"/>
+          <a:stretch>
+            <a:fillRect/>
+          </a:stretch>
+        </p:blipFill>
+        <p:spPr>
+          <a:xfrm>
+            <a:off x="1242564" y="1922899"/>
+            <a:ext cx="6763516" cy="4833501"/>
+          </a:xfrm>
+          <a:prstGeom prst="rect">
+            <a:avLst/>
+          </a:prstGeom>
+        </p:spPr>
+      </p:pic>
+      <p:sp>
+        <p:nvSpPr>
+          <p:cNvPr id="4" name="Text Placeholder 8">
+            <a:extLst>
+              <a:ext uri="{FF2B5EF4-FFF2-40B4-BE49-F238E27FC236}">
+                <a16:creationId xmlns:a16="http://schemas.microsoft.com/office/drawing/2014/main" id="{5DF0CB51-FF61-4540-B46D-F84F688680EE}"/>
+              </a:ext>
+            </a:extLst>
+          </p:cNvPr>
+          <p:cNvSpPr txBox="1">
+            <a:spLocks/>
+          </p:cNvSpPr>
+          <p:nvPr/>
+        </p:nvSpPr>
+        <p:spPr>
+          <a:xfrm>
+            <a:off x="7175502" y="1630685"/>
+            <a:ext cx="3845559" cy="4862190"/>
+          </a:xfrm>
+          <a:prstGeom prst="rect">
+            <a:avLst/>
+          </a:prstGeom>
+        </p:spPr>
+        <p:txBody>
+          <a:bodyPr vert="horz" lIns="91440" tIns="45720" rIns="91440" bIns="45720" rtlCol="0" anchor="ctr">
+            <a:normAutofit/>
+          </a:bodyPr>
+          <a:lstStyle>
+            <a:lvl1pPr marL="228600" indent="-228600" algn="l" defTabSz="914400" rtl="0" eaLnBrk="1" latinLnBrk="0" hangingPunct="1">
+              <a:lnSpc>
+                <a:spcPct val="90000"/>
+              </a:lnSpc>
+              <a:spcBef>
+                <a:spcPts val="1000"/>
+              </a:spcBef>
+              <a:buFont typeface="Arial" panose="020B0604020202020204" pitchFamily="34" charset="0"/>
+              <a:buChar char="•"/>
+              <a:defRPr sz="2800" kern="1200">
+                <a:solidFill>
+                  <a:schemeClr val="tx1"/>
+                </a:solidFill>
+                <a:latin typeface="+mn-lt"/>
+                <a:ea typeface="+mn-ea"/>
+                <a:cs typeface="+mn-cs"/>
+              </a:defRPr>
+            </a:lvl1pPr>
+            <a:lvl2pPr marL="685800" indent="-228600" algn="l" defTabSz="914400" rtl="0" eaLnBrk="1" latinLnBrk="0" hangingPunct="1">
+              <a:lnSpc>
+                <a:spcPct val="90000"/>
+              </a:lnSpc>
+              <a:spcBef>
+                <a:spcPts val="500"/>
+              </a:spcBef>
+              <a:buFont typeface="Arial" panose="020B0604020202020204" pitchFamily="34" charset="0"/>
+              <a:buChar char="•"/>
+              <a:defRPr sz="2400" kern="1200">
+                <a:solidFill>
+                  <a:schemeClr val="tx1"/>
+                </a:solidFill>
+                <a:latin typeface="+mn-lt"/>
+                <a:ea typeface="+mn-ea"/>
+                <a:cs typeface="+mn-cs"/>
+              </a:defRPr>
+            </a:lvl2pPr>
+            <a:lvl3pPr marL="1143000" indent="-228600" algn="l" defTabSz="914400" rtl="0" eaLnBrk="1" latinLnBrk="0" hangingPunct="1">
+              <a:lnSpc>
+                <a:spcPct val="90000"/>
+              </a:lnSpc>
+              <a:spcBef>
+                <a:spcPts val="500"/>
+              </a:spcBef>
+              <a:buFont typeface="Arial" panose="020B0604020202020204" pitchFamily="34" charset="0"/>
+              <a:buChar char="•"/>
+              <a:defRPr sz="2000" kern="1200">
+                <a:solidFill>
+                  <a:schemeClr val="tx1"/>
+                </a:solidFill>
+                <a:latin typeface="+mn-lt"/>
+                <a:ea typeface="+mn-ea"/>
+                <a:cs typeface="+mn-cs"/>
+              </a:defRPr>
+            </a:lvl3pPr>
+            <a:lvl4pPr marL="1600200" indent="-228600" algn="l" defTabSz="914400" rtl="0" eaLnBrk="1" latinLnBrk="0" hangingPunct="1">
+              <a:lnSpc>
+                <a:spcPct val="90000"/>
+              </a:lnSpc>
+              <a:spcBef>
+                <a:spcPts val="500"/>
+              </a:spcBef>
+              <a:buFont typeface="Arial" panose="020B0604020202020204" pitchFamily="34" charset="0"/>
+              <a:buChar char="•"/>
+              <a:defRPr sz="1800" kern="1200">
+                <a:solidFill>
+                  <a:schemeClr val="tx1"/>
+                </a:solidFill>
+                <a:latin typeface="+mn-lt"/>
+                <a:ea typeface="+mn-ea"/>
+                <a:cs typeface="+mn-cs"/>
+              </a:defRPr>
+            </a:lvl4pPr>
+            <a:lvl5pPr marL="2057400" indent="-228600" algn="l" defTabSz="914400" rtl="0" eaLnBrk="1" latinLnBrk="0" hangingPunct="1">
+              <a:lnSpc>
+                <a:spcPct val="90000"/>
+              </a:lnSpc>
+              <a:spcBef>
+                <a:spcPts val="500"/>
+              </a:spcBef>
+              <a:buFont typeface="Arial" panose="020B0604020202020204" pitchFamily="34" charset="0"/>
+              <a:buChar char="•"/>
+              <a:defRPr sz="1800" kern="1200">
+                <a:solidFill>
+                  <a:schemeClr val="tx1"/>
+                </a:solidFill>
+                <a:latin typeface="+mn-lt"/>
+                <a:ea typeface="+mn-ea"/>
+                <a:cs typeface="+mn-cs"/>
+              </a:defRPr>
+            </a:lvl5pPr>
+            <a:lvl6pPr marL="2514600" indent="-228600" algn="l" defTabSz="914400" rtl="0" eaLnBrk="1" latinLnBrk="0" hangingPunct="1">
+              <a:lnSpc>
+                <a:spcPct val="90000"/>
+              </a:lnSpc>
+              <a:spcBef>
+                <a:spcPts val="500"/>
+              </a:spcBef>
+              <a:buFont typeface="Arial" panose="020B0604020202020204" pitchFamily="34" charset="0"/>
+              <a:buChar char="•"/>
+              <a:defRPr sz="1800" kern="1200">
+                <a:solidFill>
+                  <a:schemeClr val="tx1"/>
+                </a:solidFill>
+                <a:latin typeface="+mn-lt"/>
+                <a:ea typeface="+mn-ea"/>
+                <a:cs typeface="+mn-cs"/>
+              </a:defRPr>
+            </a:lvl6pPr>
+            <a:lvl7pPr marL="2971800" indent="-228600" algn="l" defTabSz="914400" rtl="0" eaLnBrk="1" latinLnBrk="0" hangingPunct="1">
+              <a:lnSpc>
+                <a:spcPct val="90000"/>
+              </a:lnSpc>
+              <a:spcBef>
+                <a:spcPts val="500"/>
+              </a:spcBef>
+              <a:buFont typeface="Arial" panose="020B0604020202020204" pitchFamily="34" charset="0"/>
+              <a:buChar char="•"/>
+              <a:defRPr sz="1800" kern="1200">
+                <a:solidFill>
+                  <a:schemeClr val="tx1"/>
+                </a:solidFill>
+                <a:latin typeface="+mn-lt"/>
+                <a:ea typeface="+mn-ea"/>
+                <a:cs typeface="+mn-cs"/>
+              </a:defRPr>
+            </a:lvl7pPr>
+            <a:lvl8pPr marL="3429000" indent="-228600" algn="l" defTabSz="914400" rtl="0" eaLnBrk="1" latinLnBrk="0" hangingPunct="1">
+              <a:lnSpc>
+                <a:spcPct val="90000"/>
+              </a:lnSpc>
+              <a:spcBef>
+                <a:spcPts val="500"/>
+              </a:spcBef>
+              <a:buFont typeface="Arial" panose="020B0604020202020204" pitchFamily="34" charset="0"/>
+              <a:buChar char="•"/>
+              <a:defRPr sz="1800" kern="1200">
+                <a:solidFill>
+                  <a:schemeClr val="tx1"/>
+                </a:solidFill>
+                <a:latin typeface="+mn-lt"/>
+                <a:ea typeface="+mn-ea"/>
+                <a:cs typeface="+mn-cs"/>
+              </a:defRPr>
+            </a:lvl8pPr>
+            <a:lvl9pPr marL="3886200" indent="-228600" algn="l" defTabSz="914400" rtl="0" eaLnBrk="1" latinLnBrk="0" hangingPunct="1">
+              <a:lnSpc>
+                <a:spcPct val="90000"/>
+              </a:lnSpc>
+              <a:spcBef>
+                <a:spcPts val="500"/>
+              </a:spcBef>
+              <a:buFont typeface="Arial" panose="020B0604020202020204" pitchFamily="34" charset="0"/>
+              <a:buChar char="•"/>
+              <a:defRPr sz="1800" kern="1200">
+                <a:solidFill>
+                  <a:schemeClr val="tx1"/>
+                </a:solidFill>
+                <a:latin typeface="+mn-lt"/>
+                <a:ea typeface="+mn-ea"/>
+                <a:cs typeface="+mn-cs"/>
+              </a:defRPr>
+            </a:lvl9pPr>
+          </a:lstStyle>
+          <a:p>
+            <a:pPr marL="285750"/>
+            <a:r>
+              <a:rPr lang="en-US" sz="1800" dirty="0"/>
+              <a:t>Majority of customers in 2011 were active at the end of the year</a:t>
+            </a:r>
+          </a:p>
+          <a:p>
+            <a:pPr marL="285750"/>
+            <a:r>
+              <a:rPr lang="en-US" sz="1800" dirty="0"/>
+              <a:t>The distribution of recency is skewed right</a:t>
+            </a:r>
+          </a:p>
+        </p:txBody>
+      </p:sp>
+    </p:spTree>
+    <p:extLst>
+      <p:ext uri="{BB962C8B-B14F-4D97-AF65-F5344CB8AC3E}">
+        <p14:creationId xmlns:p14="http://schemas.microsoft.com/office/powerpoint/2010/main" val="2858730225"/>
+      </p:ext>
+    </p:extLst>
+  </p:cSld>
+  <p:clrMapOvr>
+    <a:masterClrMapping/>
+  </p:clrMapOvr>
+</p:sld>
+</file>
+
+<file path=ppt/slides/slide9.xml><?xml version="1.0" encoding="utf-8"?>
 <p:sld xmlns:a="http://schemas.openxmlformats.org/drawingml/2006/main" xmlns:r="http://schemas.openxmlformats.org/officeDocument/2006/relationships" xmlns:p="http://schemas.openxmlformats.org/presentationml/2006/main">
   <p:cSld>
     <p:spTree>
@@ -5524,118 +10940,277 @@
       </p:grpSpPr>
       <p:pic>
         <p:nvPicPr>
-          <p:cNvPr id="2052" name="Picture 4">
-            <a:extLst>
-              <a:ext uri="{FF2B5EF4-FFF2-40B4-BE49-F238E27FC236}">
-                <a16:creationId xmlns:a16="http://schemas.microsoft.com/office/drawing/2014/main" id="{E8B9C5C1-8DEE-4745-9686-FFF21B0C98F0}"/>
+          <p:cNvPr id="3" name="Picture 2">
+            <a:extLst>
+              <a:ext uri="{FF2B5EF4-FFF2-40B4-BE49-F238E27FC236}">
+                <a16:creationId xmlns:a16="http://schemas.microsoft.com/office/drawing/2014/main" id="{E395C2B8-E5AE-4B2B-A1DA-BDB6299EEE09}"/>
               </a:ext>
             </a:extLst>
           </p:cNvPr>
           <p:cNvPicPr>
-            <a:picLocks noChangeAspect="1" noChangeArrowheads="1"/>
+            <a:picLocks noChangeAspect="1"/>
           </p:cNvPicPr>
           <p:nvPr/>
         </p:nvPicPr>
         <p:blipFill>
-          <a:blip r:embed="rId2">
-            <a:extLst>
-              <a:ext uri="{28A0092B-C50C-407E-A947-70E740481C1C}">
-                <a14:useLocalDpi xmlns:a14="http://schemas.microsoft.com/office/drawing/2010/main" val="0"/>
-              </a:ext>
-            </a:extLst>
-          </a:blip>
-          <a:srcRect/>
+          <a:blip r:embed="rId2"/>
           <a:stretch>
             <a:fillRect/>
           </a:stretch>
         </p:blipFill>
-        <p:spPr bwMode="auto">
+        <p:spPr>
           <a:xfrm>
-            <a:off x="1168400" y="1125219"/>
-            <a:ext cx="7487920" cy="4929703"/>
+            <a:off x="1326897" y="2013478"/>
+            <a:ext cx="4921503" cy="4172164"/>
           </a:xfrm>
           <a:prstGeom prst="rect">
             <a:avLst/>
           </a:prstGeom>
-          <a:noFill/>
-          <a:extLst>
-            <a:ext uri="{909E8E84-426E-40DD-AFC4-6F175D3DCCD1}">
-              <a14:hiddenFill xmlns:a14="http://schemas.microsoft.com/office/drawing/2010/main">
-                <a:solidFill>
-                  <a:srgbClr val="FFFFFF"/>
-                </a:solidFill>
-              </a14:hiddenFill>
-            </a:ext>
-          </a:extLst>
         </p:spPr>
       </p:pic>
       <p:sp>
         <p:nvSpPr>
-          <p:cNvPr id="2" name="TextBox 1">
-            <a:extLst>
-              <a:ext uri="{FF2B5EF4-FFF2-40B4-BE49-F238E27FC236}">
-                <a16:creationId xmlns:a16="http://schemas.microsoft.com/office/drawing/2014/main" id="{31B042A5-935B-458A-8BAD-36D55C099B36}"/>
-              </a:ext>
-            </a:extLst>
-          </p:cNvPr>
-          <p:cNvSpPr txBox="1"/>
+          <p:cNvPr id="2" name="Title 1">
+            <a:extLst>
+              <a:ext uri="{FF2B5EF4-FFF2-40B4-BE49-F238E27FC236}">
+                <a16:creationId xmlns:a16="http://schemas.microsoft.com/office/drawing/2014/main" id="{C4528EDB-CF48-4270-8BC7-4E928E4C6311}"/>
+              </a:ext>
+            </a:extLst>
+          </p:cNvPr>
+          <p:cNvSpPr>
+            <a:spLocks noGrp="1"/>
+          </p:cNvSpPr>
+          <p:nvPr>
+            <p:ph type="title"/>
+          </p:nvPr>
+        </p:nvSpPr>
+        <p:spPr/>
+        <p:txBody>
+          <a:bodyPr/>
+          <a:lstStyle/>
+          <a:p>
+            <a:r>
+              <a:rPr lang="en-US" dirty="0"/>
+              <a:t>Total Customer Spend versus No. of Transaction Days</a:t>
+            </a:r>
+          </a:p>
+        </p:txBody>
+      </p:sp>
+      <p:sp>
+        <p:nvSpPr>
+          <p:cNvPr id="4" name="Text Placeholder 8">
+            <a:extLst>
+              <a:ext uri="{FF2B5EF4-FFF2-40B4-BE49-F238E27FC236}">
+                <a16:creationId xmlns:a16="http://schemas.microsoft.com/office/drawing/2014/main" id="{900E2F94-F3B5-4A98-A1F7-6DE70C3FB91A}"/>
+              </a:ext>
+            </a:extLst>
+          </p:cNvPr>
+          <p:cNvSpPr txBox="1">
+            <a:spLocks/>
+          </p:cNvSpPr>
           <p:nvPr/>
         </p:nvSpPr>
         <p:spPr>
           <a:xfrm>
-            <a:off x="8798560" y="2032000"/>
-            <a:ext cx="2854960" cy="1569660"/>
+            <a:off x="7175502" y="1630685"/>
+            <a:ext cx="3845559" cy="4862190"/>
           </a:xfrm>
           <a:prstGeom prst="rect">
             <a:avLst/>
           </a:prstGeom>
-          <a:noFill/>
         </p:spPr>
         <p:txBody>
-          <a:bodyPr wrap="square" rtlCol="0">
-            <a:spAutoFit/>
+          <a:bodyPr vert="horz" lIns="91440" tIns="45720" rIns="91440" bIns="45720" rtlCol="0" anchor="ctr">
+            <a:normAutofit/>
           </a:bodyPr>
-          <a:lstStyle/>
-          <a:p>
-            <a:pPr marL="285750" indent="-285750">
+          <a:lstStyle>
+            <a:lvl1pPr marL="228600" indent="-228600" algn="l" defTabSz="914400" rtl="0" eaLnBrk="1" latinLnBrk="0" hangingPunct="1">
+              <a:lnSpc>
+                <a:spcPct val="90000"/>
+              </a:lnSpc>
+              <a:spcBef>
+                <a:spcPts val="1000"/>
+              </a:spcBef>
               <a:buFont typeface="Arial" panose="020B0604020202020204" pitchFamily="34" charset="0"/>
               <a:buChar char="•"/>
-            </a:pPr>
-            <a:r>
-              <a:rPr lang="en-US" sz="1200" dirty="0"/>
-              <a:t>Online retail data by transactions for a full year</a:t>
-            </a:r>
-          </a:p>
-          <a:p>
-            <a:pPr marL="285750" indent="-285750">
+              <a:defRPr sz="2800" kern="1200">
+                <a:solidFill>
+                  <a:schemeClr val="tx1"/>
+                </a:solidFill>
+                <a:latin typeface="+mn-lt"/>
+                <a:ea typeface="+mn-ea"/>
+                <a:cs typeface="+mn-cs"/>
+              </a:defRPr>
+            </a:lvl1pPr>
+            <a:lvl2pPr marL="685800" indent="-228600" algn="l" defTabSz="914400" rtl="0" eaLnBrk="1" latinLnBrk="0" hangingPunct="1">
+              <a:lnSpc>
+                <a:spcPct val="90000"/>
+              </a:lnSpc>
+              <a:spcBef>
+                <a:spcPts val="500"/>
+              </a:spcBef>
               <a:buFont typeface="Arial" panose="020B0604020202020204" pitchFamily="34" charset="0"/>
               <a:buChar char="•"/>
-            </a:pPr>
-            <a:endParaRPr lang="en-US" sz="1200" dirty="0"/>
-          </a:p>
-          <a:p>
-            <a:pPr marL="285750" indent="-285750">
+              <a:defRPr sz="2400" kern="1200">
+                <a:solidFill>
+                  <a:schemeClr val="tx1"/>
+                </a:solidFill>
+                <a:latin typeface="+mn-lt"/>
+                <a:ea typeface="+mn-ea"/>
+                <a:cs typeface="+mn-cs"/>
+              </a:defRPr>
+            </a:lvl2pPr>
+            <a:lvl3pPr marL="1143000" indent="-228600" algn="l" defTabSz="914400" rtl="0" eaLnBrk="1" latinLnBrk="0" hangingPunct="1">
+              <a:lnSpc>
+                <a:spcPct val="90000"/>
+              </a:lnSpc>
+              <a:spcBef>
+                <a:spcPts val="500"/>
+              </a:spcBef>
               <a:buFont typeface="Arial" panose="020B0604020202020204" pitchFamily="34" charset="0"/>
               <a:buChar char="•"/>
-            </a:pPr>
-            <a:r>
-              <a:rPr lang="en-US" sz="1200" dirty="0"/>
-              <a:t>The graph on the left indicates that sales sharply increases in November. This shows seasonality in sales.</a:t>
-            </a:r>
-          </a:p>
-          <a:p>
-            <a:pPr marL="285750" indent="-285750">
+              <a:defRPr sz="2000" kern="1200">
+                <a:solidFill>
+                  <a:schemeClr val="tx1"/>
+                </a:solidFill>
+                <a:latin typeface="+mn-lt"/>
+                <a:ea typeface="+mn-ea"/>
+                <a:cs typeface="+mn-cs"/>
+              </a:defRPr>
+            </a:lvl3pPr>
+            <a:lvl4pPr marL="1600200" indent="-228600" algn="l" defTabSz="914400" rtl="0" eaLnBrk="1" latinLnBrk="0" hangingPunct="1">
+              <a:lnSpc>
+                <a:spcPct val="90000"/>
+              </a:lnSpc>
+              <a:spcBef>
+                <a:spcPts val="500"/>
+              </a:spcBef>
               <a:buFont typeface="Arial" panose="020B0604020202020204" pitchFamily="34" charset="0"/>
               <a:buChar char="•"/>
-            </a:pPr>
-            <a:endParaRPr lang="en-US" sz="1200" dirty="0"/>
+              <a:defRPr sz="1800" kern="1200">
+                <a:solidFill>
+                  <a:schemeClr val="tx1"/>
+                </a:solidFill>
+                <a:latin typeface="+mn-lt"/>
+                <a:ea typeface="+mn-ea"/>
+                <a:cs typeface="+mn-cs"/>
+              </a:defRPr>
+            </a:lvl4pPr>
+            <a:lvl5pPr marL="2057400" indent="-228600" algn="l" defTabSz="914400" rtl="0" eaLnBrk="1" latinLnBrk="0" hangingPunct="1">
+              <a:lnSpc>
+                <a:spcPct val="90000"/>
+              </a:lnSpc>
+              <a:spcBef>
+                <a:spcPts val="500"/>
+              </a:spcBef>
+              <a:buFont typeface="Arial" panose="020B0604020202020204" pitchFamily="34" charset="0"/>
+              <a:buChar char="•"/>
+              <a:defRPr sz="1800" kern="1200">
+                <a:solidFill>
+                  <a:schemeClr val="tx1"/>
+                </a:solidFill>
+                <a:latin typeface="+mn-lt"/>
+                <a:ea typeface="+mn-ea"/>
+                <a:cs typeface="+mn-cs"/>
+              </a:defRPr>
+            </a:lvl5pPr>
+            <a:lvl6pPr marL="2514600" indent="-228600" algn="l" defTabSz="914400" rtl="0" eaLnBrk="1" latinLnBrk="0" hangingPunct="1">
+              <a:lnSpc>
+                <a:spcPct val="90000"/>
+              </a:lnSpc>
+              <a:spcBef>
+                <a:spcPts val="500"/>
+              </a:spcBef>
+              <a:buFont typeface="Arial" panose="020B0604020202020204" pitchFamily="34" charset="0"/>
+              <a:buChar char="•"/>
+              <a:defRPr sz="1800" kern="1200">
+                <a:solidFill>
+                  <a:schemeClr val="tx1"/>
+                </a:solidFill>
+                <a:latin typeface="+mn-lt"/>
+                <a:ea typeface="+mn-ea"/>
+                <a:cs typeface="+mn-cs"/>
+              </a:defRPr>
+            </a:lvl6pPr>
+            <a:lvl7pPr marL="2971800" indent="-228600" algn="l" defTabSz="914400" rtl="0" eaLnBrk="1" latinLnBrk="0" hangingPunct="1">
+              <a:lnSpc>
+                <a:spcPct val="90000"/>
+              </a:lnSpc>
+              <a:spcBef>
+                <a:spcPts val="500"/>
+              </a:spcBef>
+              <a:buFont typeface="Arial" panose="020B0604020202020204" pitchFamily="34" charset="0"/>
+              <a:buChar char="•"/>
+              <a:defRPr sz="1800" kern="1200">
+                <a:solidFill>
+                  <a:schemeClr val="tx1"/>
+                </a:solidFill>
+                <a:latin typeface="+mn-lt"/>
+                <a:ea typeface="+mn-ea"/>
+                <a:cs typeface="+mn-cs"/>
+              </a:defRPr>
+            </a:lvl7pPr>
+            <a:lvl8pPr marL="3429000" indent="-228600" algn="l" defTabSz="914400" rtl="0" eaLnBrk="1" latinLnBrk="0" hangingPunct="1">
+              <a:lnSpc>
+                <a:spcPct val="90000"/>
+              </a:lnSpc>
+              <a:spcBef>
+                <a:spcPts val="500"/>
+              </a:spcBef>
+              <a:buFont typeface="Arial" panose="020B0604020202020204" pitchFamily="34" charset="0"/>
+              <a:buChar char="•"/>
+              <a:defRPr sz="1800" kern="1200">
+                <a:solidFill>
+                  <a:schemeClr val="tx1"/>
+                </a:solidFill>
+                <a:latin typeface="+mn-lt"/>
+                <a:ea typeface="+mn-ea"/>
+                <a:cs typeface="+mn-cs"/>
+              </a:defRPr>
+            </a:lvl8pPr>
+            <a:lvl9pPr marL="3886200" indent="-228600" algn="l" defTabSz="914400" rtl="0" eaLnBrk="1" latinLnBrk="0" hangingPunct="1">
+              <a:lnSpc>
+                <a:spcPct val="90000"/>
+              </a:lnSpc>
+              <a:spcBef>
+                <a:spcPts val="500"/>
+              </a:spcBef>
+              <a:buFont typeface="Arial" panose="020B0604020202020204" pitchFamily="34" charset="0"/>
+              <a:buChar char="•"/>
+              <a:defRPr sz="1800" kern="1200">
+                <a:solidFill>
+                  <a:schemeClr val="tx1"/>
+                </a:solidFill>
+                <a:latin typeface="+mn-lt"/>
+                <a:ea typeface="+mn-ea"/>
+                <a:cs typeface="+mn-cs"/>
+              </a:defRPr>
+            </a:lvl9pPr>
+          </a:lstStyle>
+          <a:p>
+            <a:pPr marL="285750"/>
+            <a:r>
+              <a:rPr lang="en-US" sz="1800" dirty="0"/>
+              <a:t>Total spend and no. of purchase days per customer is correlated. </a:t>
+            </a:r>
+          </a:p>
+          <a:p>
+            <a:pPr marL="285750"/>
+            <a:r>
+              <a:rPr lang="en-US" sz="1800" dirty="0"/>
+              <a:t>However, there appears to be two trends. One group with higher quantity per customer with a slope that is not as steep.</a:t>
+            </a:r>
+          </a:p>
+          <a:p>
+            <a:pPr marL="285750"/>
+            <a:endParaRPr lang="en-US" sz="1800" dirty="0"/>
           </a:p>
         </p:txBody>
       </p:sp>
     </p:spTree>
     <p:extLst>
       <p:ext uri="{BB962C8B-B14F-4D97-AF65-F5344CB8AC3E}">
-        <p14:creationId xmlns:p14="http://schemas.microsoft.com/office/powerpoint/2010/main" val="3497421674"/>
+        <p14:creationId xmlns:p14="http://schemas.microsoft.com/office/powerpoint/2010/main" val="101280968"/>
       </p:ext>
     </p:extLst>
   </p:cSld>
